--- a/Teaching/Chemistry/FCC Chem 3A Chap  3 Content.pptx
+++ b/Teaching/Chemistry/FCC Chem 3A Chap  3 Content.pptx
@@ -15839,10 +15839,10 @@
       </p:grpSpPr>
       <p:sp>
         <p:nvSpPr>
-          <p:cNvPr id="4" name="Title 3">
+          <p:cNvPr id="3" name="Title 2">
             <a:extLst>
               <a:ext uri="{FF2B5EF4-FFF2-40B4-BE49-F238E27FC236}">
-                <a16:creationId xmlns:a16="http://schemas.microsoft.com/office/drawing/2014/main" id="{F24B865D-5DA3-6C23-2A19-B874111D5765}"/>
+                <a16:creationId xmlns:a16="http://schemas.microsoft.com/office/drawing/2014/main" id="{85A80972-7737-085E-3207-5FA5F59ACF72}"/>
               </a:ext>
             </a:extLst>
           </p:cNvPr>
@@ -15855,15 +15855,18 @@
         </p:nvSpPr>
         <p:spPr>
           <a:xfrm>
-            <a:off x="364067" y="306073"/>
-            <a:ext cx="8421512" cy="707886"/>
+            <a:off x="349955" y="184939"/>
+            <a:ext cx="8421512" cy="646331"/>
           </a:xfrm>
         </p:spPr>
         <p:txBody>
           <a:bodyPr/>
           <a:lstStyle/>
           <a:p>
-            <a:endParaRPr lang="en-US" sz="4000" dirty="0"/>
+            <a:r>
+              <a:rPr lang="en-US" sz="3600" dirty="0"/>
+              <a:t>Concepts</a:t>
+            </a:r>
           </a:p>
         </p:txBody>
       </p:sp>
@@ -15883,27 +15886,86 @@
             <p:ph idx="1"/>
           </p:nvPr>
         </p:nvSpPr>
-        <p:spPr/>
+        <p:spPr>
+          <a:xfrm>
+            <a:off x="366888" y="895382"/>
+            <a:ext cx="8404579" cy="5713567"/>
+          </a:xfrm>
+        </p:spPr>
         <p:txBody>
           <a:bodyPr/>
           <a:lstStyle/>
           <a:p>
             <a:r>
-              <a:rPr lang="en-US" sz="2800" dirty="0"/>
+              <a:rPr lang="en-US" dirty="0"/>
               <a:t>Waves</a:t>
             </a:r>
           </a:p>
           <a:p>
             <a:r>
-              <a:rPr lang="en-US" sz="2800" dirty="0"/>
+              <a:rPr lang="en-US" dirty="0"/>
               <a:t>Observations on Atom Structure</a:t>
             </a:r>
           </a:p>
           <a:p>
-            <a:pPr marL="0" indent="0">
-              <a:buNone/>
-            </a:pPr>
-            <a:endParaRPr lang="en-US" sz="2800" dirty="0"/>
+            <a:r>
+              <a:rPr lang="en-US" dirty="0"/>
+              <a:t>Electromagnetic Radiation &amp; Spectrum</a:t>
+            </a:r>
+          </a:p>
+          <a:p>
+            <a:r>
+              <a:rPr lang="en-US" dirty="0"/>
+              <a:t>Quantized Nature of Energy</a:t>
+            </a:r>
+          </a:p>
+          <a:p>
+            <a:r>
+              <a:rPr lang="en-US" dirty="0"/>
+              <a:t>Energy levels of Electrons</a:t>
+            </a:r>
+          </a:p>
+          <a:p>
+            <a:r>
+              <a:rPr lang="en-US" dirty="0"/>
+              <a:t>Quantum Mechanical Model of Atom</a:t>
+            </a:r>
+          </a:p>
+          <a:p>
+            <a:r>
+              <a:rPr lang="en-US" dirty="0"/>
+              <a:t>Electron "Identity": Quantum Numbers</a:t>
+            </a:r>
+          </a:p>
+          <a:p>
+            <a:r>
+              <a:rPr lang="en-US" dirty="0"/>
+              <a:t>Shells, Subshells</a:t>
+            </a:r>
+          </a:p>
+          <a:p>
+            <a:r>
+              <a:rPr lang="en-US" dirty="0"/>
+              <a:t>Orbitals and their "Shapes"</a:t>
+            </a:r>
+          </a:p>
+          <a:p>
+            <a:r>
+              <a:rPr lang="en-US" dirty="0"/>
+              <a:t>Populating (Filling) Electrons: Electron Configuration</a:t>
+            </a:r>
+          </a:p>
+          <a:p>
+            <a:r>
+              <a:rPr lang="en-US" dirty="0"/>
+              <a:t>Related Trends in Periodic Table</a:t>
+            </a:r>
+          </a:p>
+          <a:p>
+            <a:r>
+              <a:rPr lang="en-US" dirty="0"/>
+              <a:t>Atomic Radius, Ionization Energy, Electron Affinity</a:t>
+            </a:r>
           </a:p>
         </p:txBody>
       </p:sp>
@@ -21943,8 +22005,8 @@
           </a:p>
         </p:txBody>
       </p:sp>
-      <mc:AlternateContent xmlns:mc="http://schemas.openxmlformats.org/markup-compatibility/2006">
-        <mc:Choice xmlns:a14="http://schemas.microsoft.com/office/drawing/2010/main" Requires="a14">
+      <mc:AlternateContent xmlns:mc="http://schemas.openxmlformats.org/markup-compatibility/2006" xmlns:a14="http://schemas.microsoft.com/office/drawing/2010/main">
+        <mc:Choice Requires="a14">
           <p:sp>
             <p:nvSpPr>
               <p:cNvPr id="3" name="Content Placeholder 2">
@@ -22256,7 +22318,7 @@
                         <a:rPr lang="en-US" b="0" i="0" baseline="30000" smtClean="0">
                           <a:latin typeface="Cambria Math" panose="02040503050406030204" pitchFamily="18" charset="0"/>
                         </a:rPr>
-                        <m:t>-1</m:t>
+                        <m:t>−1</m:t>
                       </m:r>
                       <m:r>
                         <m:rPr>
@@ -22331,7 +22393,7 @@
             </p:txBody>
           </p:sp>
         </mc:Choice>
-        <mc:Fallback>
+        <mc:Fallback xmlns="">
           <p:sp>
             <p:nvSpPr>
               <p:cNvPr id="3" name="Content Placeholder 2">
@@ -22972,8 +23034,8 @@
           </a:p>
         </p:txBody>
       </p:sp>
-      <mc:AlternateContent xmlns:mc="http://schemas.openxmlformats.org/markup-compatibility/2006">
-        <mc:Choice xmlns:a14="http://schemas.microsoft.com/office/drawing/2010/main" Requires="a14">
+      <mc:AlternateContent xmlns:mc="http://schemas.openxmlformats.org/markup-compatibility/2006" xmlns:a14="http://schemas.microsoft.com/office/drawing/2010/main">
+        <mc:Choice Requires="a14">
           <p:sp>
             <p:nvSpPr>
               <p:cNvPr id="3" name="Content Placeholder 2">
@@ -23613,7 +23675,7 @@
             </p:txBody>
           </p:sp>
         </mc:Choice>
-        <mc:Fallback>
+        <mc:Fallback xmlns="">
           <p:sp>
             <p:nvSpPr>
               <p:cNvPr id="3" name="Content Placeholder 2">

--- a/Teaching/Chemistry/FCC Chem 3A Chap  3 Content.pptx
+++ b/Teaching/Chemistry/FCC Chem 3A Chap  3 Content.pptx
@@ -6,7 +6,7 @@
     <p:sldMasterId id="2147483836" r:id="rId2"/>
   </p:sldMasterIdLst>
   <p:notesMasterIdLst>
-    <p:notesMasterId r:id="rId41"/>
+    <p:notesMasterId r:id="rId43"/>
   </p:notesMasterIdLst>
   <p:sldIdLst>
     <p:sldId id="608" r:id="rId3"/>
@@ -28,25 +28,27 @@
     <p:sldId id="841" r:id="rId19"/>
     <p:sldId id="835" r:id="rId20"/>
     <p:sldId id="861" r:id="rId21"/>
-    <p:sldId id="828" r:id="rId22"/>
-    <p:sldId id="842" r:id="rId23"/>
-    <p:sldId id="843" r:id="rId24"/>
-    <p:sldId id="867" r:id="rId25"/>
-    <p:sldId id="868" r:id="rId26"/>
-    <p:sldId id="844" r:id="rId27"/>
-    <p:sldId id="862" r:id="rId28"/>
-    <p:sldId id="863" r:id="rId29"/>
-    <p:sldId id="865" r:id="rId30"/>
-    <p:sldId id="871" r:id="rId31"/>
-    <p:sldId id="872" r:id="rId32"/>
-    <p:sldId id="864" r:id="rId33"/>
-    <p:sldId id="846" r:id="rId34"/>
-    <p:sldId id="866" r:id="rId35"/>
-    <p:sldId id="848" r:id="rId36"/>
-    <p:sldId id="849" r:id="rId37"/>
-    <p:sldId id="850" r:id="rId38"/>
-    <p:sldId id="851" r:id="rId39"/>
-    <p:sldId id="847" r:id="rId40"/>
+    <p:sldId id="842" r:id="rId22"/>
+    <p:sldId id="843" r:id="rId23"/>
+    <p:sldId id="867" r:id="rId24"/>
+    <p:sldId id="868" r:id="rId25"/>
+    <p:sldId id="844" r:id="rId26"/>
+    <p:sldId id="862" r:id="rId27"/>
+    <p:sldId id="863" r:id="rId28"/>
+    <p:sldId id="865" r:id="rId29"/>
+    <p:sldId id="873" r:id="rId30"/>
+    <p:sldId id="846" r:id="rId31"/>
+    <p:sldId id="874" r:id="rId32"/>
+    <p:sldId id="872" r:id="rId33"/>
+    <p:sldId id="866" r:id="rId34"/>
+    <p:sldId id="864" r:id="rId35"/>
+    <p:sldId id="876" r:id="rId36"/>
+    <p:sldId id="875" r:id="rId37"/>
+    <p:sldId id="848" r:id="rId38"/>
+    <p:sldId id="849" r:id="rId39"/>
+    <p:sldId id="877" r:id="rId40"/>
+    <p:sldId id="850" r:id="rId41"/>
+    <p:sldId id="851" r:id="rId42"/>
   </p:sldIdLst>
   <p:sldSz cx="9144000" cy="6858000" type="screen4x3"/>
   <p:notesSz cx="7315200" cy="9601200"/>
@@ -13516,13 +13518,45 @@
           <a:p>
             <a:r>
               <a:rPr lang="en-US" sz="2800" dirty="0"/>
-              <a:t>1897 JJ Thomson discovers the electron is a negatively charged particle</a:t>
-            </a:r>
-          </a:p>
-          <a:p>
+              <a:t>1897 </a:t>
+            </a:r>
+            <a:r>
+              <a:rPr lang="en-US" sz="2800" dirty="0">
+                <a:solidFill>
+                  <a:srgbClr val="FFFF00"/>
+                </a:solidFill>
+              </a:rPr>
+              <a:t>JJ Thomson </a:t>
+            </a:r>
             <a:r>
               <a:rPr lang="en-US" sz="2800" dirty="0"/>
-              <a:t>Proposes “plum pudding” model of atom</a:t>
+              <a:t>discovers the electron is a </a:t>
+            </a:r>
+            <a:r>
+              <a:rPr lang="en-US" sz="2800" dirty="0">
+                <a:solidFill>
+                  <a:srgbClr val="FFFF00"/>
+                </a:solidFill>
+              </a:rPr>
+              <a:t>negatively charged particle</a:t>
+            </a:r>
+          </a:p>
+          <a:p>
+            <a:r>
+              <a:rPr lang="en-US" sz="2800" dirty="0"/>
+              <a:t>Proposes “</a:t>
+            </a:r>
+            <a:r>
+              <a:rPr lang="en-US" sz="2800" dirty="0">
+                <a:solidFill>
+                  <a:srgbClr val="00FF00"/>
+                </a:solidFill>
+              </a:rPr>
+              <a:t>plum pudding</a:t>
+            </a:r>
+            <a:r>
+              <a:rPr lang="en-US" sz="2800" dirty="0"/>
+              <a:t>” model of atom</a:t>
             </a:r>
           </a:p>
           <a:p>
@@ -13538,13 +13572,53 @@
             </a:br>
             <a:r>
               <a:rPr lang="en-US" sz="2800" dirty="0"/>
-              <a:t>in a mix (cloud)</a:t>
-            </a:r>
-          </a:p>
-          <a:p>
+              <a:t>in a </a:t>
+            </a:r>
+            <a:r>
+              <a:rPr lang="en-US" sz="2800" dirty="0">
+                <a:solidFill>
+                  <a:srgbClr val="FFFF00"/>
+                </a:solidFill>
+              </a:rPr>
+              <a:t>mix</a:t>
+            </a:r>
             <a:r>
               <a:rPr lang="en-US" sz="2800" dirty="0"/>
-              <a:t>No nucleus</a:t>
+              <a:t> (</a:t>
+            </a:r>
+            <a:r>
+              <a:rPr lang="en-US" sz="2800" dirty="0">
+                <a:solidFill>
+                  <a:srgbClr val="FFFF00"/>
+                </a:solidFill>
+              </a:rPr>
+              <a:t>cloud</a:t>
+            </a:r>
+            <a:r>
+              <a:rPr lang="en-US" sz="2800" dirty="0"/>
+              <a:t>)</a:t>
+            </a:r>
+          </a:p>
+          <a:p>
+            <a:r>
+              <a:rPr lang="en-US" sz="2800" dirty="0">
+                <a:solidFill>
+                  <a:srgbClr val="FF0000"/>
+                </a:solidFill>
+              </a:rPr>
+              <a:t>No</a:t>
+            </a:r>
+            <a:r>
+              <a:rPr lang="en-US" sz="2800" dirty="0"/>
+              <a:t> </a:t>
+            </a:r>
+            <a:r>
+              <a:rPr lang="en-US" sz="2800" dirty="0">
+                <a:solidFill>
+                  <a:srgbClr val="FFFF00"/>
+                </a:solidFill>
+              </a:rPr>
+              <a:t>nucleus</a:t>
             </a:r>
           </a:p>
         </p:txBody>
@@ -14156,25 +14230,127 @@
           <a:p>
             <a:r>
               <a:rPr lang="en-US" dirty="0"/>
-              <a:t>Electrons orbit the nucleus in fixed energy levels </a:t>
-            </a:r>
-          </a:p>
-          <a:p>
+              <a:t>Electrons </a:t>
+            </a:r>
+            <a:r>
+              <a:rPr lang="en-US" dirty="0">
+                <a:solidFill>
+                  <a:schemeClr val="accent1">
+                    <a:lumMod val="60000"/>
+                    <a:lumOff val="40000"/>
+                  </a:schemeClr>
+                </a:solidFill>
+              </a:rPr>
+              <a:t>orbit</a:t>
+            </a:r>
             <a:r>
               <a:rPr lang="en-US" dirty="0"/>
-              <a:t>Electrons can transition between energy levels by absorbing or emitting a photon as a quantum of energy</a:t>
+              <a:t> the nucleus in </a:t>
+            </a:r>
+            <a:r>
+              <a:rPr lang="en-US" dirty="0">
+                <a:solidFill>
+                  <a:srgbClr val="FFFF00"/>
+                </a:solidFill>
+              </a:rPr>
+              <a:t>fixed energy levels </a:t>
             </a:r>
           </a:p>
           <a:p>
             <a:r>
               <a:rPr lang="en-US" dirty="0"/>
-              <a:t>Transition between a ground state and excited state</a:t>
-            </a:r>
-          </a:p>
-          <a:p>
+              <a:t>Electrons can transition between energy levels by </a:t>
+            </a:r>
+            <a:r>
+              <a:rPr lang="en-US" dirty="0">
+                <a:solidFill>
+                  <a:srgbClr val="FFFF00"/>
+                </a:solidFill>
+              </a:rPr>
+              <a:t>absorbing</a:t>
+            </a:r>
             <a:r>
               <a:rPr lang="en-US" dirty="0"/>
-              <a:t>Explained the hydrogen spectrum with mathematical precision.</a:t>
+              <a:t> or </a:t>
+            </a:r>
+            <a:r>
+              <a:rPr lang="en-US" dirty="0">
+                <a:solidFill>
+                  <a:srgbClr val="FFFF00"/>
+                </a:solidFill>
+              </a:rPr>
+              <a:t>emitting</a:t>
+            </a:r>
+            <a:r>
+              <a:rPr lang="en-US" dirty="0"/>
+              <a:t> a photon as a </a:t>
+            </a:r>
+            <a:r>
+              <a:rPr lang="en-US" dirty="0">
+                <a:solidFill>
+                  <a:schemeClr val="accent1">
+                    <a:lumMod val="60000"/>
+                    <a:lumOff val="40000"/>
+                  </a:schemeClr>
+                </a:solidFill>
+              </a:rPr>
+              <a:t>quantum</a:t>
+            </a:r>
+            <a:r>
+              <a:rPr lang="en-US" dirty="0"/>
+              <a:t> of energy</a:t>
+            </a:r>
+          </a:p>
+          <a:p>
+            <a:r>
+              <a:rPr lang="en-US" dirty="0"/>
+              <a:t>Transition between a </a:t>
+            </a:r>
+            <a:r>
+              <a:rPr lang="en-US" dirty="0">
+                <a:solidFill>
+                  <a:schemeClr val="accent1">
+                    <a:lumMod val="60000"/>
+                    <a:lumOff val="40000"/>
+                  </a:schemeClr>
+                </a:solidFill>
+              </a:rPr>
+              <a:t>ground state </a:t>
+            </a:r>
+            <a:r>
+              <a:rPr lang="en-US" dirty="0"/>
+              <a:t>and </a:t>
+            </a:r>
+            <a:r>
+              <a:rPr lang="en-US" dirty="0">
+                <a:solidFill>
+                  <a:schemeClr val="accent1">
+                    <a:lumMod val="60000"/>
+                    <a:lumOff val="40000"/>
+                  </a:schemeClr>
+                </a:solidFill>
+              </a:rPr>
+              <a:t>excited state</a:t>
+            </a:r>
+          </a:p>
+          <a:p>
+            <a:r>
+              <a:rPr lang="en-US" dirty="0"/>
+              <a:t>Explained the hydrogen emission</a:t>
+            </a:r>
+            <a:br>
+              <a:rPr lang="en-US" dirty="0"/>
+            </a:br>
+            <a:r>
+              <a:rPr lang="en-US" dirty="0"/>
+              <a:t>spectrum with mathematical</a:t>
+            </a:r>
+            <a:br>
+              <a:rPr lang="en-US" dirty="0"/>
+            </a:br>
+            <a:r>
+              <a:rPr lang="en-US" dirty="0"/>
+              <a:t>precision</a:t>
             </a:r>
           </a:p>
           <a:p>
@@ -15096,14 +15272,30 @@
           </a:p>
           <a:p>
             <a:r>
+              <a:rPr lang="en-US" dirty="0">
+                <a:solidFill>
+                  <a:srgbClr val="FFFF00"/>
+                </a:solidFill>
+              </a:rPr>
+              <a:t>Hydrogen</a:t>
+            </a:r>
+            <a:r>
               <a:rPr lang="en-US" dirty="0"/>
-              <a:t>Hydrogen atom has only a few energy transitions</a:t>
-            </a:r>
-          </a:p>
-          <a:p>
+              <a:t> atom has only a few energy transitions</a:t>
+            </a:r>
+          </a:p>
+          <a:p>
+            <a:r>
+              <a:rPr lang="en-US" dirty="0">
+                <a:solidFill>
+                  <a:srgbClr val="FFFF00"/>
+                </a:solidFill>
+              </a:rPr>
+              <a:t>Iron</a:t>
+            </a:r>
             <a:r>
               <a:rPr lang="en-US" dirty="0"/>
-              <a:t>Iron atom has numerous</a:t>
+              <a:t> atom has numerous of these transitions</a:t>
             </a:r>
           </a:p>
         </p:txBody>
@@ -16015,170 +16207,6 @@
 <file path=ppt/slides/slide20.xml><?xml version="1.0" encoding="utf-8"?>
 <p:sld xmlns:a="http://schemas.openxmlformats.org/drawingml/2006/main" xmlns:r="http://schemas.openxmlformats.org/officeDocument/2006/relationships" xmlns:p="http://schemas.openxmlformats.org/presentationml/2006/main">
   <p:cSld>
-    <p:bg>
-      <p:bgPr>
-        <a:solidFill>
-          <a:schemeClr val="bg1"/>
-        </a:solidFill>
-        <a:effectLst/>
-      </p:bgPr>
-    </p:bg>
-    <p:spTree>
-      <p:nvGrpSpPr>
-        <p:cNvPr id="1" name=""/>
-        <p:cNvGrpSpPr/>
-        <p:nvPr/>
-      </p:nvGrpSpPr>
-      <p:grpSpPr>
-        <a:xfrm>
-          <a:off x="0" y="0"/>
-          <a:ext cx="0" cy="0"/>
-          <a:chOff x="0" y="0"/>
-          <a:chExt cx="0" cy="0"/>
-        </a:xfrm>
-      </p:grpSpPr>
-      <p:sp>
-        <p:nvSpPr>
-          <p:cNvPr id="2" name="Title 1">
-            <a:extLst>
-              <a:ext uri="{FF2B5EF4-FFF2-40B4-BE49-F238E27FC236}">
-                <a16:creationId xmlns:a16="http://schemas.microsoft.com/office/drawing/2014/main" id="{423ABB64-6EB9-013D-7C80-E9EAB5F241E7}"/>
-              </a:ext>
-            </a:extLst>
-          </p:cNvPr>
-          <p:cNvSpPr>
-            <a:spLocks noGrp="1"/>
-          </p:cNvSpPr>
-          <p:nvPr>
-            <p:ph type="title"/>
-          </p:nvPr>
-        </p:nvSpPr>
-        <p:spPr>
-          <a:xfrm>
-            <a:off x="250894" y="2183847"/>
-            <a:ext cx="8588305" cy="2215991"/>
-          </a:xfrm>
-        </p:spPr>
-        <p:txBody>
-          <a:bodyPr/>
-          <a:lstStyle/>
-          <a:p>
-            <a:r>
-              <a:rPr lang="en-US" sz="13800" b="1" dirty="0">
-                <a:solidFill>
-                  <a:schemeClr val="tx1"/>
-                </a:solidFill>
-              </a:rPr>
-              <a:t>24817LEC</a:t>
-            </a:r>
-          </a:p>
-        </p:txBody>
-      </p:sp>
-      <p:sp>
-        <p:nvSpPr>
-          <p:cNvPr id="4" name="Slide Number Placeholder 3">
-            <a:extLst>
-              <a:ext uri="{FF2B5EF4-FFF2-40B4-BE49-F238E27FC236}">
-                <a16:creationId xmlns:a16="http://schemas.microsoft.com/office/drawing/2014/main" id="{26B4B15E-3980-8BC2-3B32-90A3D6BC1326}"/>
-              </a:ext>
-            </a:extLst>
-          </p:cNvPr>
-          <p:cNvSpPr>
-            <a:spLocks noGrp="1"/>
-          </p:cNvSpPr>
-          <p:nvPr>
-            <p:ph type="sldNum" sz="quarter" idx="11"/>
-          </p:nvPr>
-        </p:nvSpPr>
-        <p:spPr/>
-        <p:txBody>
-          <a:bodyPr/>
-          <a:lstStyle/>
-          <a:p>
-            <a:pPr marL="0" marR="0" lvl="0" indent="0" algn="r" defTabSz="914400" rtl="0" eaLnBrk="1" fontAlgn="base" latinLnBrk="0" hangingPunct="1">
-              <a:lnSpc>
-                <a:spcPct val="100000"/>
-              </a:lnSpc>
-              <a:spcBef>
-                <a:spcPct val="0"/>
-              </a:spcBef>
-              <a:spcAft>
-                <a:spcPct val="0"/>
-              </a:spcAft>
-              <a:buClrTx/>
-              <a:buSzTx/>
-              <a:buFontTx/>
-              <a:buNone/>
-              <a:tabLst/>
-              <a:defRPr/>
-            </a:pPr>
-            <a:fld id="{450AD36E-3ACA-4EBB-9678-E39944C078A2}" type="slidenum">
-              <a:rPr kumimoji="0" lang="en-US" sz="1000" b="1" i="0" u="none" strike="noStrike" kern="1200" cap="none" spc="0" normalizeH="0" baseline="0" noProof="0" smtClean="0">
-                <a:ln>
-                  <a:noFill/>
-                </a:ln>
-                <a:solidFill>
-                  <a:srgbClr val="FFFFFF"/>
-                </a:solidFill>
-                <a:effectLst/>
-                <a:uLnTx/>
-                <a:uFillTx/>
-                <a:latin typeface="Aptos" panose="020B0004020202020204" pitchFamily="34" charset="0"/>
-                <a:ea typeface="+mn-ea"/>
-                <a:cs typeface="+mn-cs"/>
-              </a:rPr>
-              <a:pPr marL="0" marR="0" lvl="0" indent="0" algn="r" defTabSz="914400" rtl="0" eaLnBrk="1" fontAlgn="base" latinLnBrk="0" hangingPunct="1">
-                <a:lnSpc>
-                  <a:spcPct val="100000"/>
-                </a:lnSpc>
-                <a:spcBef>
-                  <a:spcPct val="0"/>
-                </a:spcBef>
-                <a:spcAft>
-                  <a:spcPct val="0"/>
-                </a:spcAft>
-                <a:buClrTx/>
-                <a:buSzTx/>
-                <a:buFontTx/>
-                <a:buNone/>
-                <a:tabLst/>
-                <a:defRPr/>
-              </a:pPr>
-              <a:t>20</a:t>
-            </a:fld>
-            <a:endParaRPr kumimoji="0" lang="en-US" sz="1000" b="1" i="0" u="none" strike="noStrike" kern="1200" cap="none" spc="0" normalizeH="0" baseline="0" noProof="0" dirty="0">
-              <a:ln>
-                <a:noFill/>
-              </a:ln>
-              <a:solidFill>
-                <a:srgbClr val="FFFFFF"/>
-              </a:solidFill>
-              <a:effectLst/>
-              <a:uLnTx/>
-              <a:uFillTx/>
-              <a:latin typeface="Aptos" panose="020B0004020202020204" pitchFamily="34" charset="0"/>
-              <a:ea typeface="+mn-ea"/>
-              <a:cs typeface="+mn-cs"/>
-            </a:endParaRPr>
-          </a:p>
-        </p:txBody>
-      </p:sp>
-    </p:spTree>
-    <p:extLst>
-      <p:ext uri="{BB962C8B-B14F-4D97-AF65-F5344CB8AC3E}">
-        <p14:creationId xmlns:p14="http://schemas.microsoft.com/office/powerpoint/2010/main" val="1651935894"/>
-      </p:ext>
-    </p:extLst>
-  </p:cSld>
-  <p:clrMapOvr>
-    <a:masterClrMapping/>
-  </p:clrMapOvr>
-</p:sld>
-</file>
-
-<file path=ppt/slides/slide21.xml><?xml version="1.0" encoding="utf-8"?>
-<p:sld xmlns:a="http://schemas.openxmlformats.org/drawingml/2006/main" xmlns:r="http://schemas.openxmlformats.org/officeDocument/2006/relationships" xmlns:p="http://schemas.openxmlformats.org/presentationml/2006/main">
-  <p:cSld>
     <p:spTree>
       <p:nvGrpSpPr>
         <p:cNvPr id="1" name="">
@@ -16251,7 +16279,7 @@
             <a:fld id="{450AD36E-3ACA-4EBB-9678-E39944C078A2}" type="slidenum">
               <a:rPr lang="en-US" smtClean="0"/>
               <a:pPr/>
-              <a:t>21</a:t>
+              <a:t>20</a:t>
             </a:fld>
             <a:endParaRPr lang="en-US" dirty="0"/>
           </a:p>
@@ -16521,7 +16549,7 @@
 </p:sld>
 </file>
 
-<file path=ppt/slides/slide22.xml><?xml version="1.0" encoding="utf-8"?>
+<file path=ppt/slides/slide21.xml><?xml version="1.0" encoding="utf-8"?>
 <p:sld xmlns:a="http://schemas.openxmlformats.org/drawingml/2006/main" xmlns:r="http://schemas.openxmlformats.org/officeDocument/2006/relationships" xmlns:p="http://schemas.openxmlformats.org/presentationml/2006/main">
   <p:cSld>
     <p:spTree>
@@ -16712,7 +16740,7 @@
             <a:fld id="{450AD36E-3ACA-4EBB-9678-E39944C078A2}" type="slidenum">
               <a:rPr lang="en-US" smtClean="0"/>
               <a:pPr/>
-              <a:t>22</a:t>
+              <a:t>21</a:t>
             </a:fld>
             <a:endParaRPr lang="en-US" dirty="0"/>
           </a:p>
@@ -16731,7 +16759,7 @@
 </p:sld>
 </file>
 
-<file path=ppt/slides/slide23.xml><?xml version="1.0" encoding="utf-8"?>
+<file path=ppt/slides/slide22.xml><?xml version="1.0" encoding="utf-8"?>
 <p:sld xmlns:a="http://schemas.openxmlformats.org/drawingml/2006/main" xmlns:r="http://schemas.openxmlformats.org/officeDocument/2006/relationships" xmlns:p="http://schemas.openxmlformats.org/presentationml/2006/main">
   <p:cSld>
     <p:spTree>
@@ -16800,7 +16828,7 @@
             <a:fld id="{450AD36E-3ACA-4EBB-9678-E39944C078A2}" type="slidenum">
               <a:rPr lang="en-US" smtClean="0"/>
               <a:pPr/>
-              <a:t>23</a:t>
+              <a:t>22</a:t>
             </a:fld>
             <a:endParaRPr lang="en-US" dirty="0"/>
           </a:p>
@@ -16821,7 +16849,7 @@
           <p:nvPr>
             <p:extLst>
               <p:ext uri="{D42A27DB-BD31-4B8C-83A1-F6EECF244321}">
-                <p14:modId xmlns:p14="http://schemas.microsoft.com/office/powerpoint/2010/main" val="2926778310"/>
+                <p14:modId xmlns:p14="http://schemas.microsoft.com/office/powerpoint/2010/main" val="4273607274"/>
               </p:ext>
             </p:extLst>
           </p:nvPr>
@@ -17052,7 +17080,7 @@
                         <a:t> = 0 (</a:t>
                       </a:r>
                       <a:r>
-                        <a:rPr lang="en-US" sz="1600" i="1" dirty="0">
+                        <a:rPr lang="en-US" sz="1600" b="1" i="1" dirty="0">
                           <a:solidFill>
                             <a:srgbClr val="FF0000"/>
                           </a:solidFill>
@@ -17532,7 +17560,7 @@
 </p:sld>
 </file>
 
-<file path=ppt/slides/slide24.xml><?xml version="1.0" encoding="utf-8"?>
+<file path=ppt/slides/slide23.xml><?xml version="1.0" encoding="utf-8"?>
 <p:sld xmlns:a="http://schemas.openxmlformats.org/drawingml/2006/main" xmlns:r="http://schemas.openxmlformats.org/officeDocument/2006/relationships" xmlns:p="http://schemas.openxmlformats.org/presentationml/2006/main">
   <p:cSld>
     <p:spTree>
@@ -17869,7 +17897,7 @@
             <a:fld id="{450AD36E-3ACA-4EBB-9678-E39944C078A2}" type="slidenum">
               <a:rPr lang="en-US" smtClean="0"/>
               <a:pPr/>
-              <a:t>24</a:t>
+              <a:t>23</a:t>
             </a:fld>
             <a:endParaRPr lang="en-US" dirty="0"/>
           </a:p>
@@ -17948,7 +17976,7 @@
 </p:sld>
 </file>
 
-<file path=ppt/slides/slide25.xml><?xml version="1.0" encoding="utf-8"?>
+<file path=ppt/slides/slide24.xml><?xml version="1.0" encoding="utf-8"?>
 <p:sld xmlns:a="http://schemas.openxmlformats.org/drawingml/2006/main" xmlns:r="http://schemas.openxmlformats.org/officeDocument/2006/relationships" xmlns:p="http://schemas.openxmlformats.org/presentationml/2006/main">
   <p:cSld>
     <p:spTree>
@@ -18396,7 +18424,7 @@
             <a:fld id="{450AD36E-3ACA-4EBB-9678-E39944C078A2}" type="slidenum">
               <a:rPr lang="en-US" smtClean="0"/>
               <a:pPr/>
-              <a:t>25</a:t>
+              <a:t>24</a:t>
             </a:fld>
             <a:endParaRPr lang="en-US" dirty="0"/>
           </a:p>
@@ -18646,7 +18674,7 @@
 </p:sld>
 </file>
 
-<file path=ppt/slides/slide26.xml><?xml version="1.0" encoding="utf-8"?>
+<file path=ppt/slides/slide25.xml><?xml version="1.0" encoding="utf-8"?>
 <p:sld xmlns:a="http://schemas.openxmlformats.org/drawingml/2006/main" xmlns:r="http://schemas.openxmlformats.org/officeDocument/2006/relationships" xmlns:p="http://schemas.openxmlformats.org/presentationml/2006/main">
   <p:cSld>
     <p:spTree>
@@ -18798,7 +18826,7 @@
             <a:fld id="{450AD36E-3ACA-4EBB-9678-E39944C078A2}" type="slidenum">
               <a:rPr lang="en-US" smtClean="0"/>
               <a:pPr/>
-              <a:t>26</a:t>
+              <a:t>25</a:t>
             </a:fld>
             <a:endParaRPr lang="en-US" dirty="0"/>
           </a:p>
@@ -18817,7 +18845,7 @@
 </p:sld>
 </file>
 
-<file path=ppt/slides/slide27.xml><?xml version="1.0" encoding="utf-8"?>
+<file path=ppt/slides/slide26.xml><?xml version="1.0" encoding="utf-8"?>
 <p:sld xmlns:a="http://schemas.openxmlformats.org/drawingml/2006/main" xmlns:r="http://schemas.openxmlformats.org/officeDocument/2006/relationships" xmlns:p="http://schemas.openxmlformats.org/presentationml/2006/main">
   <p:cSld>
     <p:spTree>
@@ -19062,7 +19090,7 @@
             <a:fld id="{450AD36E-3ACA-4EBB-9678-E39944C078A2}" type="slidenum">
               <a:rPr lang="en-US" smtClean="0"/>
               <a:pPr/>
-              <a:t>27</a:t>
+              <a:t>26</a:t>
             </a:fld>
             <a:endParaRPr lang="en-US" dirty="0"/>
           </a:p>
@@ -19128,7 +19156,7 @@
 </p:sld>
 </file>
 
-<file path=ppt/slides/slide28.xml><?xml version="1.0" encoding="utf-8"?>
+<file path=ppt/slides/slide27.xml><?xml version="1.0" encoding="utf-8"?>
 <p:sld xmlns:a="http://schemas.openxmlformats.org/drawingml/2006/main" xmlns:r="http://schemas.openxmlformats.org/officeDocument/2006/relationships" xmlns:p="http://schemas.openxmlformats.org/presentationml/2006/main">
   <p:cSld>
     <p:spTree>
@@ -19432,7 +19460,7 @@
             <a:fld id="{450AD36E-3ACA-4EBB-9678-E39944C078A2}" type="slidenum">
               <a:rPr lang="en-US" smtClean="0"/>
               <a:pPr/>
-              <a:t>28</a:t>
+              <a:t>27</a:t>
             </a:fld>
             <a:endParaRPr lang="en-US" dirty="0"/>
           </a:p>
@@ -19481,7 +19509,7 @@
 </p:sld>
 </file>
 
-<file path=ppt/slides/slide29.xml><?xml version="1.0" encoding="utf-8"?>
+<file path=ppt/slides/slide28.xml><?xml version="1.0" encoding="utf-8"?>
 <p:sld xmlns:a="http://schemas.openxmlformats.org/drawingml/2006/main" xmlns:r="http://schemas.openxmlformats.org/officeDocument/2006/relationships" xmlns:p="http://schemas.openxmlformats.org/presentationml/2006/main">
   <p:cSld>
     <p:spTree>
@@ -19489,7 +19517,7 @@
         <p:cNvPr id="1" name="">
           <a:extLst>
             <a:ext uri="{FF2B5EF4-FFF2-40B4-BE49-F238E27FC236}">
-              <a16:creationId xmlns:a16="http://schemas.microsoft.com/office/drawing/2014/main" id="{37B3C8FA-9AA9-3B98-F386-309F2E93E0D5}"/>
+              <a16:creationId xmlns:a16="http://schemas.microsoft.com/office/drawing/2014/main" id="{AA3154CF-26CB-D7AE-BA98-99F4C0FAAA61}"/>
             </a:ext>
           </a:extLst>
         </p:cNvPr>
@@ -19509,7 +19537,7 @@
           <p:cNvPr id="2" name="Title 1">
             <a:extLst>
               <a:ext uri="{FF2B5EF4-FFF2-40B4-BE49-F238E27FC236}">
-                <a16:creationId xmlns:a16="http://schemas.microsoft.com/office/drawing/2014/main" id="{5C171AB3-AFB0-C3D9-939B-5AE1A3C238D8}"/>
+                <a16:creationId xmlns:a16="http://schemas.microsoft.com/office/drawing/2014/main" id="{61B62761-EAC6-1B4A-75BC-4B118B82F2CF}"/>
               </a:ext>
             </a:extLst>
           </p:cNvPr>
@@ -19532,9 +19560,89 @@
           </a:p>
         </p:txBody>
       </p:sp>
+      <p:sp>
+        <p:nvSpPr>
+          <p:cNvPr id="4" name="Slide Number Placeholder 3">
+            <a:extLst>
+              <a:ext uri="{FF2B5EF4-FFF2-40B4-BE49-F238E27FC236}">
+                <a16:creationId xmlns:a16="http://schemas.microsoft.com/office/drawing/2014/main" id="{2778DDBD-DFD4-6D10-3D74-83851A691A02}"/>
+              </a:ext>
+            </a:extLst>
+          </p:cNvPr>
+          <p:cNvSpPr>
+            <a:spLocks noGrp="1"/>
+          </p:cNvSpPr>
+          <p:nvPr>
+            <p:ph type="sldNum" sz="quarter" idx="11"/>
+          </p:nvPr>
+        </p:nvSpPr>
+        <p:spPr/>
+        <p:txBody>
+          <a:bodyPr/>
+          <a:lstStyle/>
+          <a:p>
+            <a:fld id="{450AD36E-3ACA-4EBB-9678-E39944C078A2}" type="slidenum">
+              <a:rPr lang="en-US" smtClean="0"/>
+              <a:pPr/>
+              <a:t>28</a:t>
+            </a:fld>
+            <a:endParaRPr lang="en-US" dirty="0"/>
+          </a:p>
+        </p:txBody>
+      </p:sp>
+      <p:sp>
+        <p:nvSpPr>
+          <p:cNvPr id="5" name="Content Placeholder 4">
+            <a:extLst>
+              <a:ext uri="{FF2B5EF4-FFF2-40B4-BE49-F238E27FC236}">
+                <a16:creationId xmlns:a16="http://schemas.microsoft.com/office/drawing/2014/main" id="{9485FDAC-B0BB-87E1-B996-B790D0D706BA}"/>
+              </a:ext>
+            </a:extLst>
+          </p:cNvPr>
+          <p:cNvSpPr>
+            <a:spLocks noGrp="1"/>
+          </p:cNvSpPr>
+          <p:nvPr>
+            <p:ph idx="1"/>
+          </p:nvPr>
+        </p:nvSpPr>
+        <p:spPr/>
+        <p:txBody>
+          <a:bodyPr/>
+          <a:lstStyle/>
+          <a:p>
+            <a:r>
+              <a:rPr lang="en-US" dirty="0"/>
+              <a:t>Actual electron configuration in 2</a:t>
+            </a:r>
+            <a:r>
+              <a:rPr lang="en-US" baseline="30000" dirty="0"/>
+              <a:t>nd</a:t>
+            </a:r>
+            <a:r>
+              <a:rPr lang="en-US" dirty="0"/>
+              <a:t> column</a:t>
+            </a:r>
+          </a:p>
+          <a:p>
+            <a:r>
+              <a:rPr lang="en-US" dirty="0"/>
+              <a:t>The 3</a:t>
+            </a:r>
+            <a:r>
+              <a:rPr lang="en-US" baseline="30000" dirty="0"/>
+              <a:t>rd</a:t>
+            </a:r>
+            <a:r>
+              <a:rPr lang="en-US" dirty="0"/>
+              <a:t> column shows the filling of orbitals according to Hund’s Rule</a:t>
+            </a:r>
+          </a:p>
+        </p:txBody>
+      </p:sp>
       <p:graphicFrame>
         <p:nvGraphicFramePr>
-          <p:cNvPr id="6" name="Content Placeholder 5">
+          <p:cNvPr id="7" name="Content Placeholder 5">
             <a:extLst>
               <a:ext uri="{FF2B5EF4-FFF2-40B4-BE49-F238E27FC236}">
                 <a16:creationId xmlns:a16="http://schemas.microsoft.com/office/drawing/2014/main" id="{A5B20AA7-E320-C587-B96F-4A28582127CD}"/>
@@ -19542,20 +19650,19 @@
             </a:extLst>
           </p:cNvPr>
           <p:cNvGraphicFramePr>
-            <a:graphicFrameLocks noGrp="1"/>
+            <a:graphicFrameLocks/>
           </p:cNvGraphicFramePr>
           <p:nvPr>
-            <p:ph idx="1"/>
             <p:extLst>
               <p:ext uri="{D42A27DB-BD31-4B8C-83A1-F6EECF244321}">
-                <p14:modId xmlns:p14="http://schemas.microsoft.com/office/powerpoint/2010/main" val="1761618217"/>
+                <p14:modId xmlns:p14="http://schemas.microsoft.com/office/powerpoint/2010/main" val="478463666"/>
               </p:ext>
             </p:extLst>
           </p:nvPr>
         </p:nvGraphicFramePr>
         <p:xfrm>
-          <a:off x="373063" y="1331913"/>
-          <a:ext cx="5170938" cy="2966720"/>
+          <a:off x="349955" y="2634602"/>
+          <a:ext cx="8386760" cy="3859610"/>
         </p:xfrm>
         <a:graphic>
           <a:graphicData uri="http://schemas.openxmlformats.org/drawingml/2006/table">
@@ -19564,22 +19671,29 @@
                 <a:tableStyleId>{C083E6E3-FA7D-4D7B-A595-EF9225AFEA82}</a:tableStyleId>
               </a:tblPr>
               <a:tblGrid>
-                <a:gridCol w="2585469">
+                <a:gridCol w="2203974">
                   <a:extLst>
                     <a:ext uri="{9D8B030D-6E8A-4147-A177-3AD203B41FA5}">
                       <a16:colId xmlns:a16="http://schemas.microsoft.com/office/drawing/2014/main" val="1677757503"/>
                     </a:ext>
                   </a:extLst>
                 </a:gridCol>
-                <a:gridCol w="2585469">
+                <a:gridCol w="2285963">
                   <a:extLst>
                     <a:ext uri="{9D8B030D-6E8A-4147-A177-3AD203B41FA5}">
                       <a16:colId xmlns:a16="http://schemas.microsoft.com/office/drawing/2014/main" val="3969071836"/>
                     </a:ext>
                   </a:extLst>
                 </a:gridCol>
+                <a:gridCol w="3896823">
+                  <a:extLst>
+                    <a:ext uri="{9D8B030D-6E8A-4147-A177-3AD203B41FA5}">
+                      <a16:colId xmlns:a16="http://schemas.microsoft.com/office/drawing/2014/main" val="3858478908"/>
+                    </a:ext>
+                  </a:extLst>
+                </a:gridCol>
               </a:tblGrid>
-              <a:tr h="370840">
+              <a:tr h="385961">
                 <a:tc>
                   <a:txBody>
                     <a:bodyPr/>
@@ -19588,7 +19702,7 @@
                       <a:r>
                         <a:rPr lang="en-US" b="0" dirty="0">
                           <a:solidFill>
-                            <a:schemeClr val="bg1"/>
+                            <a:srgbClr val="00FF00"/>
                           </a:solidFill>
                         </a:rPr>
                         <a:t>Hydrogen</a:t>
@@ -19622,13 +19736,27 @@
                   </a:txBody>
                   <a:tcPr/>
                 </a:tc>
+                <a:tc>
+                  <a:txBody>
+                    <a:bodyPr/>
+                    <a:lstStyle/>
+                    <a:p>
+                      <a:endParaRPr lang="en-US" b="0" baseline="30000" dirty="0">
+                        <a:solidFill>
+                          <a:schemeClr val="bg1"/>
+                        </a:solidFill>
+                      </a:endParaRPr>
+                    </a:p>
+                  </a:txBody>
+                  <a:tcPr/>
+                </a:tc>
                 <a:extLst>
                   <a:ext uri="{0D108BD9-81ED-4DB2-BD59-A6C34878D82A}">
                     <a16:rowId xmlns:a16="http://schemas.microsoft.com/office/drawing/2014/main" val="1229677592"/>
                   </a:ext>
                 </a:extLst>
               </a:tr>
-              <a:tr h="370840">
+              <a:tr h="385961">
                 <a:tc>
                   <a:txBody>
                     <a:bodyPr/>
@@ -19637,7 +19765,7 @@
                       <a:r>
                         <a:rPr lang="en-US" b="0" dirty="0">
                           <a:solidFill>
-                            <a:schemeClr val="bg1"/>
+                            <a:srgbClr val="00FF00"/>
                           </a:solidFill>
                         </a:rPr>
                         <a:t>Helium</a:t>
@@ -19671,13 +19799,27 @@
                   </a:txBody>
                   <a:tcPr/>
                 </a:tc>
+                <a:tc>
+                  <a:txBody>
+                    <a:bodyPr/>
+                    <a:lstStyle/>
+                    <a:p>
+                      <a:endParaRPr lang="en-US" b="0" baseline="30000" dirty="0">
+                        <a:solidFill>
+                          <a:schemeClr val="bg1"/>
+                        </a:solidFill>
+                      </a:endParaRPr>
+                    </a:p>
+                  </a:txBody>
+                  <a:tcPr/>
+                </a:tc>
                 <a:extLst>
                   <a:ext uri="{0D108BD9-81ED-4DB2-BD59-A6C34878D82A}">
                     <a16:rowId xmlns:a16="http://schemas.microsoft.com/office/drawing/2014/main" val="2496041364"/>
                   </a:ext>
                 </a:extLst>
               </a:tr>
-              <a:tr h="370840">
+              <a:tr h="385961">
                 <a:tc>
                   <a:txBody>
                     <a:bodyPr/>
@@ -19686,7 +19828,7 @@
                       <a:r>
                         <a:rPr lang="en-US" b="0" dirty="0">
                           <a:solidFill>
-                            <a:schemeClr val="bg1"/>
+                            <a:srgbClr val="00FF00"/>
                           </a:solidFill>
                         </a:rPr>
                         <a:t>Lithium</a:t>
@@ -19753,13 +19895,44 @@
                   </a:txBody>
                   <a:tcPr/>
                 </a:tc>
+                <a:tc>
+                  <a:txBody>
+                    <a:bodyPr/>
+                    <a:lstStyle/>
+                    <a:p>
+                      <a:pPr marL="0" marR="0" lvl="0" indent="0" algn="l" defTabSz="914400" rtl="0" eaLnBrk="1" fontAlgn="auto" latinLnBrk="0" hangingPunct="1">
+                        <a:lnSpc>
+                          <a:spcPct val="100000"/>
+                        </a:lnSpc>
+                        <a:spcBef>
+                          <a:spcPts val="0"/>
+                        </a:spcBef>
+                        <a:spcAft>
+                          <a:spcPts val="0"/>
+                        </a:spcAft>
+                        <a:buClrTx/>
+                        <a:buSzTx/>
+                        <a:buFontTx/>
+                        <a:buNone/>
+                        <a:tabLst/>
+                        <a:defRPr/>
+                      </a:pPr>
+                      <a:endParaRPr lang="en-US" b="0" baseline="30000" dirty="0">
+                        <a:solidFill>
+                          <a:schemeClr val="bg1"/>
+                        </a:solidFill>
+                      </a:endParaRPr>
+                    </a:p>
+                  </a:txBody>
+                  <a:tcPr/>
+                </a:tc>
                 <a:extLst>
                   <a:ext uri="{0D108BD9-81ED-4DB2-BD59-A6C34878D82A}">
                     <a16:rowId xmlns:a16="http://schemas.microsoft.com/office/drawing/2014/main" val="905602069"/>
                   </a:ext>
                 </a:extLst>
               </a:tr>
-              <a:tr h="370840">
+              <a:tr h="385961">
                 <a:tc>
                   <a:txBody>
                     <a:bodyPr/>
@@ -19768,7 +19941,7 @@
                       <a:r>
                         <a:rPr lang="en-US" b="0" dirty="0">
                           <a:solidFill>
-                            <a:schemeClr val="bg1"/>
+                            <a:srgbClr val="00FF00"/>
                           </a:solidFill>
                         </a:rPr>
                         <a:t>Beryllium</a:t>
@@ -19835,13 +20008,44 @@
                   </a:txBody>
                   <a:tcPr/>
                 </a:tc>
+                <a:tc>
+                  <a:txBody>
+                    <a:bodyPr/>
+                    <a:lstStyle/>
+                    <a:p>
+                      <a:pPr marL="0" marR="0" lvl="0" indent="0" algn="l" defTabSz="914400" rtl="0" eaLnBrk="1" fontAlgn="auto" latinLnBrk="0" hangingPunct="1">
+                        <a:lnSpc>
+                          <a:spcPct val="100000"/>
+                        </a:lnSpc>
+                        <a:spcBef>
+                          <a:spcPts val="0"/>
+                        </a:spcBef>
+                        <a:spcAft>
+                          <a:spcPts val="0"/>
+                        </a:spcAft>
+                        <a:buClrTx/>
+                        <a:buSzTx/>
+                        <a:buFontTx/>
+                        <a:buNone/>
+                        <a:tabLst/>
+                        <a:defRPr/>
+                      </a:pPr>
+                      <a:endParaRPr lang="en-US" b="0" baseline="30000" dirty="0">
+                        <a:solidFill>
+                          <a:schemeClr val="bg1"/>
+                        </a:solidFill>
+                      </a:endParaRPr>
+                    </a:p>
+                  </a:txBody>
+                  <a:tcPr/>
+                </a:tc>
                 <a:extLst>
                   <a:ext uri="{0D108BD9-81ED-4DB2-BD59-A6C34878D82A}">
                     <a16:rowId xmlns:a16="http://schemas.microsoft.com/office/drawing/2014/main" val="1134450380"/>
                   </a:ext>
                 </a:extLst>
               </a:tr>
-              <a:tr h="370840">
+              <a:tr h="385961">
                 <a:tc>
                   <a:txBody>
                     <a:bodyPr/>
@@ -19850,7 +20054,7 @@
                       <a:r>
                         <a:rPr lang="en-US" b="0" dirty="0">
                           <a:solidFill>
-                            <a:schemeClr val="bg1"/>
+                            <a:srgbClr val="00FF00"/>
                           </a:solidFill>
                         </a:rPr>
                         <a:t>Boron</a:t>
@@ -19864,11 +20068,136 @@
                     <a:bodyPr/>
                     <a:lstStyle/>
                     <a:p>
-                      <a:endParaRPr lang="en-US" b="0" baseline="30000" dirty="0">
-                        <a:solidFill>
-                          <a:schemeClr val="bg1"/>
-                        </a:solidFill>
-                      </a:endParaRPr>
+                      <a:r>
+                        <a:rPr lang="en-US" dirty="0">
+                          <a:solidFill>
+                            <a:schemeClr val="bg1"/>
+                          </a:solidFill>
+                        </a:rPr>
+                        <a:t>1s</a:t>
+                      </a:r>
+                      <a:r>
+                        <a:rPr lang="en-US" baseline="30000" dirty="0">
+                          <a:solidFill>
+                            <a:schemeClr val="bg1"/>
+                          </a:solidFill>
+                        </a:rPr>
+                        <a:t>2</a:t>
+                      </a:r>
+                      <a:r>
+                        <a:rPr lang="en-US" dirty="0">
+                          <a:solidFill>
+                            <a:schemeClr val="bg1"/>
+                          </a:solidFill>
+                        </a:rPr>
+                        <a:t>2s</a:t>
+                      </a:r>
+                      <a:r>
+                        <a:rPr lang="en-US" baseline="30000" dirty="0">
+                          <a:solidFill>
+                            <a:schemeClr val="bg1"/>
+                          </a:solidFill>
+                        </a:rPr>
+                        <a:t>2</a:t>
+                      </a:r>
+                      <a:r>
+                        <a:rPr lang="en-US" dirty="0">
+                          <a:solidFill>
+                            <a:schemeClr val="bg1"/>
+                          </a:solidFill>
+                        </a:rPr>
+                        <a:t>2p</a:t>
+                      </a:r>
+                      <a:r>
+                        <a:rPr lang="en-US" baseline="30000" dirty="0">
+                          <a:solidFill>
+                            <a:schemeClr val="bg1"/>
+                          </a:solidFill>
+                        </a:rPr>
+                        <a:t>1</a:t>
+                      </a:r>
+                    </a:p>
+                  </a:txBody>
+                  <a:tcPr/>
+                </a:tc>
+                <a:tc>
+                  <a:txBody>
+                    <a:bodyPr/>
+                    <a:lstStyle/>
+                    <a:p>
+                      <a:pPr marL="0" marR="0" lvl="0" indent="0" algn="l" defTabSz="914400" rtl="0" eaLnBrk="1" fontAlgn="auto" latinLnBrk="0" hangingPunct="1">
+                        <a:lnSpc>
+                          <a:spcPct val="100000"/>
+                        </a:lnSpc>
+                        <a:spcBef>
+                          <a:spcPts val="0"/>
+                        </a:spcBef>
+                        <a:spcAft>
+                          <a:spcPts val="0"/>
+                        </a:spcAft>
+                        <a:buClrTx/>
+                        <a:buSzTx/>
+                        <a:buFontTx/>
+                        <a:buNone/>
+                        <a:tabLst/>
+                        <a:defRPr/>
+                      </a:pPr>
+                      <a:r>
+                        <a:rPr lang="en-US" dirty="0">
+                          <a:solidFill>
+                            <a:srgbClr val="FFFF00"/>
+                          </a:solidFill>
+                        </a:rPr>
+                        <a:t>1s</a:t>
+                      </a:r>
+                      <a:r>
+                        <a:rPr lang="en-US" baseline="30000" dirty="0">
+                          <a:solidFill>
+                            <a:srgbClr val="FFFF00"/>
+                          </a:solidFill>
+                        </a:rPr>
+                        <a:t>2</a:t>
+                      </a:r>
+                      <a:r>
+                        <a:rPr lang="en-US" dirty="0">
+                          <a:solidFill>
+                            <a:srgbClr val="FFFF00"/>
+                          </a:solidFill>
+                        </a:rPr>
+                        <a:t>2s</a:t>
+                      </a:r>
+                      <a:r>
+                        <a:rPr lang="en-US" baseline="30000" dirty="0">
+                          <a:solidFill>
+                            <a:srgbClr val="FFFF00"/>
+                          </a:solidFill>
+                        </a:rPr>
+                        <a:t>2</a:t>
+                      </a:r>
+                      <a:r>
+                        <a:rPr lang="en-US" dirty="0">
+                          <a:solidFill>
+                            <a:srgbClr val="FFFF00"/>
+                          </a:solidFill>
+                        </a:rPr>
+                        <a:t>2p</a:t>
+                      </a:r>
+                      <a:r>
+                        <a:rPr lang="en-US" baseline="-25000" dirty="0">
+                          <a:solidFill>
+                            <a:srgbClr val="FFFF00"/>
+                          </a:solidFill>
+                        </a:rPr>
+                        <a:t>x</a:t>
+                      </a:r>
+                      <a:r>
+                        <a:rPr lang="en-US" baseline="30000" dirty="0">
+                          <a:solidFill>
+                            <a:srgbClr val="FFFF00"/>
+                          </a:solidFill>
+                        </a:rPr>
+                        <a:t>1</a:t>
+                      </a:r>
                     </a:p>
                   </a:txBody>
                   <a:tcPr/>
@@ -19879,7 +20208,7 @@
                   </a:ext>
                 </a:extLst>
               </a:tr>
-              <a:tr h="370840">
+              <a:tr h="385961">
                 <a:tc>
                   <a:txBody>
                     <a:bodyPr/>
@@ -19888,7 +20217,7 @@
                       <a:r>
                         <a:rPr lang="en-US" b="0" dirty="0">
                           <a:solidFill>
-                            <a:schemeClr val="bg1"/>
+                            <a:srgbClr val="00FF00"/>
                           </a:solidFill>
                         </a:rPr>
                         <a:t>Carbon</a:t>
@@ -19902,9 +20231,151 @@
                     <a:bodyPr/>
                     <a:lstStyle/>
                     <a:p>
-                      <a:endParaRPr lang="en-US" b="0" baseline="30000" dirty="0">
+                      <a:r>
+                        <a:rPr lang="en-US" dirty="0">
+                          <a:solidFill>
+                            <a:schemeClr val="bg1"/>
+                          </a:solidFill>
+                        </a:rPr>
+                        <a:t>1s</a:t>
+                      </a:r>
+                      <a:r>
+                        <a:rPr lang="en-US" baseline="30000" dirty="0">
+                          <a:solidFill>
+                            <a:schemeClr val="bg1"/>
+                          </a:solidFill>
+                        </a:rPr>
+                        <a:t>2</a:t>
+                      </a:r>
+                      <a:r>
+                        <a:rPr lang="en-US" dirty="0">
+                          <a:solidFill>
+                            <a:schemeClr val="bg1"/>
+                          </a:solidFill>
+                        </a:rPr>
+                        <a:t>2s</a:t>
+                      </a:r>
+                      <a:r>
+                        <a:rPr lang="en-US" baseline="30000" dirty="0">
+                          <a:solidFill>
+                            <a:schemeClr val="bg1"/>
+                          </a:solidFill>
+                        </a:rPr>
+                        <a:t>2</a:t>
+                      </a:r>
+                      <a:r>
+                        <a:rPr lang="en-US" dirty="0">
+                          <a:solidFill>
+                            <a:schemeClr val="bg1"/>
+                          </a:solidFill>
+                        </a:rPr>
+                        <a:t>2p</a:t>
+                      </a:r>
+                      <a:r>
+                        <a:rPr lang="en-US" baseline="30000" dirty="0">
+                          <a:solidFill>
+                            <a:schemeClr val="bg1"/>
+                          </a:solidFill>
+                        </a:rPr>
+                        <a:t>2</a:t>
+                      </a:r>
+                      <a:endParaRPr lang="en-US" dirty="0">
                         <a:solidFill>
                           <a:schemeClr val="bg1"/>
+                        </a:solidFill>
+                      </a:endParaRPr>
+                    </a:p>
+                  </a:txBody>
+                  <a:tcPr/>
+                </a:tc>
+                <a:tc>
+                  <a:txBody>
+                    <a:bodyPr/>
+                    <a:lstStyle/>
+                    <a:p>
+                      <a:r>
+                        <a:rPr lang="en-US" dirty="0">
+                          <a:solidFill>
+                            <a:srgbClr val="FFFF00"/>
+                          </a:solidFill>
+                        </a:rPr>
+                        <a:t>1s</a:t>
+                      </a:r>
+                      <a:r>
+                        <a:rPr lang="en-US" baseline="30000" dirty="0">
+                          <a:solidFill>
+                            <a:srgbClr val="FFFF00"/>
+                          </a:solidFill>
+                        </a:rPr>
+                        <a:t>2</a:t>
+                      </a:r>
+                      <a:r>
+                        <a:rPr lang="en-US" dirty="0">
+                          <a:solidFill>
+                            <a:srgbClr val="FFFF00"/>
+                          </a:solidFill>
+                        </a:rPr>
+                        <a:t>2s</a:t>
+                      </a:r>
+                      <a:r>
+                        <a:rPr lang="en-US" baseline="30000" dirty="0">
+                          <a:solidFill>
+                            <a:srgbClr val="FFFF00"/>
+                          </a:solidFill>
+                        </a:rPr>
+                        <a:t>2</a:t>
+                      </a:r>
+                      <a:r>
+                        <a:rPr lang="en-US" dirty="0">
+                          <a:solidFill>
+                            <a:srgbClr val="FFFF00"/>
+                          </a:solidFill>
+                        </a:rPr>
+                        <a:t>2p</a:t>
+                      </a:r>
+                      <a:r>
+                        <a:rPr lang="en-US" baseline="-25000" dirty="0">
+                          <a:solidFill>
+                            <a:srgbClr val="FFFF00"/>
+                          </a:solidFill>
+                        </a:rPr>
+                        <a:t>x</a:t>
+                      </a:r>
+                      <a:r>
+                        <a:rPr lang="en-US" baseline="30000" dirty="0">
+                          <a:solidFill>
+                            <a:srgbClr val="FFFF00"/>
+                          </a:solidFill>
+                        </a:rPr>
+                        <a:t>1</a:t>
+                      </a:r>
+                      <a:r>
+                        <a:rPr lang="en-US" dirty="0">
+                          <a:solidFill>
+                            <a:srgbClr val="FFFF00"/>
+                          </a:solidFill>
+                        </a:rPr>
+                        <a:t>p</a:t>
+                      </a:r>
+                      <a:r>
+                        <a:rPr lang="en-US" baseline="-25000" dirty="0">
+                          <a:solidFill>
+                            <a:srgbClr val="FFFF00"/>
+                          </a:solidFill>
+                        </a:rPr>
+                        <a:t>y</a:t>
+                      </a:r>
+                      <a:r>
+                        <a:rPr lang="en-US" baseline="30000" dirty="0">
+                          <a:solidFill>
+                            <a:srgbClr val="FFFF00"/>
+                          </a:solidFill>
+                        </a:rPr>
+                        <a:t>1</a:t>
+                      </a:r>
+                      <a:endParaRPr lang="en-US" dirty="0">
+                        <a:solidFill>
+                          <a:srgbClr val="FFFF00"/>
                         </a:solidFill>
                       </a:endParaRPr>
                     </a:p>
@@ -19917,7 +20388,7 @@
                   </a:ext>
                 </a:extLst>
               </a:tr>
-              <a:tr h="370840">
+              <a:tr h="385961">
                 <a:tc>
                   <a:txBody>
                     <a:bodyPr/>
@@ -19926,7 +20397,7 @@
                       <a:r>
                         <a:rPr lang="en-US" b="0" dirty="0">
                           <a:solidFill>
-                            <a:schemeClr val="bg1"/>
+                            <a:srgbClr val="00FF00"/>
                           </a:solidFill>
                         </a:rPr>
                         <a:t>Nitrogen</a:t>
@@ -19940,9 +20411,192 @@
                     <a:bodyPr/>
                     <a:lstStyle/>
                     <a:p>
-                      <a:endParaRPr lang="en-US" b="0" baseline="30000" dirty="0">
+                      <a:r>
+                        <a:rPr lang="en-US" dirty="0">
+                          <a:solidFill>
+                            <a:schemeClr val="bg1"/>
+                          </a:solidFill>
+                        </a:rPr>
+                        <a:t>1s</a:t>
+                      </a:r>
+                      <a:r>
+                        <a:rPr lang="en-US" baseline="30000" dirty="0">
+                          <a:solidFill>
+                            <a:schemeClr val="bg1"/>
+                          </a:solidFill>
+                        </a:rPr>
+                        <a:t>2</a:t>
+                      </a:r>
+                      <a:r>
+                        <a:rPr lang="en-US" dirty="0">
+                          <a:solidFill>
+                            <a:schemeClr val="bg1"/>
+                          </a:solidFill>
+                        </a:rPr>
+                        <a:t>2s</a:t>
+                      </a:r>
+                      <a:r>
+                        <a:rPr lang="en-US" baseline="30000" dirty="0">
+                          <a:solidFill>
+                            <a:schemeClr val="bg1"/>
+                          </a:solidFill>
+                        </a:rPr>
+                        <a:t>2</a:t>
+                      </a:r>
+                      <a:r>
+                        <a:rPr lang="en-US" dirty="0">
+                          <a:solidFill>
+                            <a:schemeClr val="bg1"/>
+                          </a:solidFill>
+                        </a:rPr>
+                        <a:t>2p</a:t>
+                      </a:r>
+                      <a:r>
+                        <a:rPr lang="en-US" baseline="30000" dirty="0">
+                          <a:solidFill>
+                            <a:schemeClr val="bg1"/>
+                          </a:solidFill>
+                        </a:rPr>
+                        <a:t>3</a:t>
+                      </a:r>
+                      <a:endParaRPr lang="en-US" dirty="0">
                         <a:solidFill>
                           <a:schemeClr val="bg1"/>
+                        </a:solidFill>
+                      </a:endParaRPr>
+                    </a:p>
+                  </a:txBody>
+                  <a:tcPr/>
+                </a:tc>
+                <a:tc>
+                  <a:txBody>
+                    <a:bodyPr/>
+                    <a:lstStyle/>
+                    <a:p>
+                      <a:pPr marL="0" marR="0" lvl="0" indent="0" algn="l" defTabSz="914400" rtl="0" eaLnBrk="1" fontAlgn="auto" latinLnBrk="0" hangingPunct="1">
+                        <a:lnSpc>
+                          <a:spcPct val="100000"/>
+                        </a:lnSpc>
+                        <a:spcBef>
+                          <a:spcPts val="0"/>
+                        </a:spcBef>
+                        <a:spcAft>
+                          <a:spcPts val="0"/>
+                        </a:spcAft>
+                        <a:buClrTx/>
+                        <a:buSzTx/>
+                        <a:buFontTx/>
+                        <a:buNone/>
+                        <a:tabLst/>
+                        <a:defRPr/>
+                      </a:pPr>
+                      <a:r>
+                        <a:rPr lang="en-US" dirty="0">
+                          <a:solidFill>
+                            <a:srgbClr val="FFFF00"/>
+                          </a:solidFill>
+                        </a:rPr>
+                        <a:t>1s</a:t>
+                      </a:r>
+                      <a:r>
+                        <a:rPr lang="en-US" baseline="30000" dirty="0">
+                          <a:solidFill>
+                            <a:srgbClr val="FFFF00"/>
+                          </a:solidFill>
+                        </a:rPr>
+                        <a:t>2</a:t>
+                      </a:r>
+                      <a:r>
+                        <a:rPr lang="en-US" dirty="0">
+                          <a:solidFill>
+                            <a:srgbClr val="FFFF00"/>
+                          </a:solidFill>
+                        </a:rPr>
+                        <a:t>2s</a:t>
+                      </a:r>
+                      <a:r>
+                        <a:rPr lang="en-US" baseline="30000" dirty="0">
+                          <a:solidFill>
+                            <a:srgbClr val="FFFF00"/>
+                          </a:solidFill>
+                        </a:rPr>
+                        <a:t>2</a:t>
+                      </a:r>
+                      <a:r>
+                        <a:rPr lang="en-US" dirty="0">
+                          <a:solidFill>
+                            <a:srgbClr val="FFFF00"/>
+                          </a:solidFill>
+                        </a:rPr>
+                        <a:t>2p</a:t>
+                      </a:r>
+                      <a:r>
+                        <a:rPr lang="en-US" baseline="-25000" dirty="0">
+                          <a:solidFill>
+                            <a:srgbClr val="FFFF00"/>
+                          </a:solidFill>
+                        </a:rPr>
+                        <a:t>x</a:t>
+                      </a:r>
+                      <a:r>
+                        <a:rPr lang="en-US" baseline="30000" dirty="0">
+                          <a:solidFill>
+                            <a:srgbClr val="FFFF00"/>
+                          </a:solidFill>
+                        </a:rPr>
+                        <a:t>1</a:t>
+                      </a:r>
+                      <a:r>
+                        <a:rPr lang="en-US" dirty="0">
+                          <a:solidFill>
+                            <a:srgbClr val="FFFF00"/>
+                          </a:solidFill>
+                        </a:rPr>
+                        <a:t>p</a:t>
+                      </a:r>
+                      <a:r>
+                        <a:rPr lang="en-US" baseline="-25000" dirty="0">
+                          <a:solidFill>
+                            <a:srgbClr val="FFFF00"/>
+                          </a:solidFill>
+                        </a:rPr>
+                        <a:t>y</a:t>
+                      </a:r>
+                      <a:r>
+                        <a:rPr lang="en-US" baseline="30000" dirty="0">
+                          <a:solidFill>
+                            <a:srgbClr val="FFFF00"/>
+                          </a:solidFill>
+                        </a:rPr>
+                        <a:t>1</a:t>
+                      </a:r>
+                      <a:r>
+                        <a:rPr lang="en-US" dirty="0">
+                          <a:solidFill>
+                            <a:srgbClr val="FFFF00"/>
+                          </a:solidFill>
+                        </a:rPr>
+                        <a:t>p</a:t>
+                      </a:r>
+                      <a:r>
+                        <a:rPr lang="en-US" baseline="-25000" dirty="0">
+                          <a:solidFill>
+                            <a:srgbClr val="FFFF00"/>
+                          </a:solidFill>
+                        </a:rPr>
+                        <a:t>z</a:t>
+                      </a:r>
+                      <a:r>
+                        <a:rPr lang="en-US" baseline="30000" dirty="0">
+                          <a:solidFill>
+                            <a:srgbClr val="FFFF00"/>
+                          </a:solidFill>
+                        </a:rPr>
+                        <a:t>1</a:t>
+                      </a:r>
+                      <a:endParaRPr lang="en-US" dirty="0">
+                        <a:solidFill>
+                          <a:srgbClr val="FFFF00"/>
                         </a:solidFill>
                       </a:endParaRPr>
                     </a:p>
@@ -19955,7 +20609,7 @@
                   </a:ext>
                 </a:extLst>
               </a:tr>
-              <a:tr h="370840">
+              <a:tr h="385961">
                 <a:tc>
                   <a:txBody>
                     <a:bodyPr/>
@@ -19964,7 +20618,7 @@
                       <a:r>
                         <a:rPr lang="en-US" b="0" dirty="0">
                           <a:solidFill>
-                            <a:schemeClr val="bg1"/>
+                            <a:srgbClr val="00FF00"/>
                           </a:solidFill>
                         </a:rPr>
                         <a:t>Oxygen</a:t>
@@ -19978,9 +20632,175 @@
                     <a:bodyPr/>
                     <a:lstStyle/>
                     <a:p>
-                      <a:endParaRPr lang="en-US" b="0" baseline="30000" dirty="0">
+                      <a:r>
+                        <a:rPr lang="en-US" dirty="0">
+                          <a:solidFill>
+                            <a:schemeClr val="bg1"/>
+                          </a:solidFill>
+                        </a:rPr>
+                        <a:t>1s</a:t>
+                      </a:r>
+                      <a:r>
+                        <a:rPr lang="en-US" baseline="30000" dirty="0">
+                          <a:solidFill>
+                            <a:schemeClr val="bg1"/>
+                          </a:solidFill>
+                        </a:rPr>
+                        <a:t>2</a:t>
+                      </a:r>
+                      <a:r>
+                        <a:rPr lang="en-US" dirty="0">
+                          <a:solidFill>
+                            <a:schemeClr val="bg1"/>
+                          </a:solidFill>
+                        </a:rPr>
+                        <a:t>2s</a:t>
+                      </a:r>
+                      <a:r>
+                        <a:rPr lang="en-US" baseline="30000" dirty="0">
+                          <a:solidFill>
+                            <a:schemeClr val="bg1"/>
+                          </a:solidFill>
+                        </a:rPr>
+                        <a:t>2</a:t>
+                      </a:r>
+                      <a:r>
+                        <a:rPr lang="en-US" dirty="0">
+                          <a:solidFill>
+                            <a:schemeClr val="bg1"/>
+                          </a:solidFill>
+                        </a:rPr>
+                        <a:t>2p</a:t>
+                      </a:r>
+                      <a:r>
+                        <a:rPr lang="en-US" baseline="30000" dirty="0">
+                          <a:solidFill>
+                            <a:schemeClr val="bg1"/>
+                          </a:solidFill>
+                        </a:rPr>
+                        <a:t>4</a:t>
+                      </a:r>
+                      <a:endParaRPr lang="en-US" dirty="0">
                         <a:solidFill>
                           <a:schemeClr val="bg1"/>
+                        </a:solidFill>
+                      </a:endParaRPr>
+                    </a:p>
+                  </a:txBody>
+                  <a:tcPr/>
+                </a:tc>
+                <a:tc>
+                  <a:txBody>
+                    <a:bodyPr/>
+                    <a:lstStyle/>
+                    <a:p>
+                      <a:r>
+                        <a:rPr lang="en-US" dirty="0">
+                          <a:solidFill>
+                            <a:srgbClr val="FFFF00"/>
+                          </a:solidFill>
+                        </a:rPr>
+                        <a:t>1s</a:t>
+                      </a:r>
+                      <a:r>
+                        <a:rPr lang="en-US" baseline="30000" dirty="0">
+                          <a:solidFill>
+                            <a:srgbClr val="FFFF00"/>
+                          </a:solidFill>
+                        </a:rPr>
+                        <a:t>2</a:t>
+                      </a:r>
+                      <a:r>
+                        <a:rPr lang="en-US" dirty="0">
+                          <a:solidFill>
+                            <a:srgbClr val="FFFF00"/>
+                          </a:solidFill>
+                        </a:rPr>
+                        <a:t>2s</a:t>
+                      </a:r>
+                      <a:r>
+                        <a:rPr lang="en-US" baseline="30000" dirty="0">
+                          <a:solidFill>
+                            <a:srgbClr val="FFFF00"/>
+                          </a:solidFill>
+                        </a:rPr>
+                        <a:t>2</a:t>
+                      </a:r>
+                      <a:r>
+                        <a:rPr lang="en-US" dirty="0">
+                          <a:solidFill>
+                            <a:srgbClr val="FFFF00"/>
+                          </a:solidFill>
+                        </a:rPr>
+                        <a:t>2p</a:t>
+                      </a:r>
+                      <a:r>
+                        <a:rPr lang="en-US" baseline="-25000" dirty="0">
+                          <a:solidFill>
+                            <a:srgbClr val="FFFF00"/>
+                          </a:solidFill>
+                        </a:rPr>
+                        <a:t>x</a:t>
+                      </a:r>
+                      <a:r>
+                        <a:rPr lang="en-US" baseline="30000" dirty="0">
+                          <a:solidFill>
+                            <a:srgbClr val="FFFF00"/>
+                          </a:solidFill>
+                        </a:rPr>
+                        <a:t>2</a:t>
+                      </a:r>
+                      <a:r>
+                        <a:rPr lang="en-US" dirty="0">
+                          <a:solidFill>
+                            <a:srgbClr val="FFFF00"/>
+                          </a:solidFill>
+                        </a:rPr>
+                        <a:t>p</a:t>
+                      </a:r>
+                      <a:r>
+                        <a:rPr lang="en-US" baseline="-25000" dirty="0">
+                          <a:solidFill>
+                            <a:srgbClr val="FFFF00"/>
+                          </a:solidFill>
+                        </a:rPr>
+                        <a:t>y</a:t>
+                      </a:r>
+                      <a:r>
+                        <a:rPr lang="en-US" baseline="30000" dirty="0">
+                          <a:solidFill>
+                            <a:srgbClr val="FFFF00"/>
+                          </a:solidFill>
+                        </a:rPr>
+                        <a:t>1</a:t>
+                      </a:r>
+                      <a:r>
+                        <a:rPr lang="en-US" dirty="0">
+                          <a:solidFill>
+                            <a:srgbClr val="FFFF00"/>
+                          </a:solidFill>
+                        </a:rPr>
+                        <a:t>p</a:t>
+                      </a:r>
+                      <a:r>
+                        <a:rPr lang="en-US" baseline="-25000" dirty="0">
+                          <a:solidFill>
+                            <a:srgbClr val="FFFF00"/>
+                          </a:solidFill>
+                        </a:rPr>
+                        <a:t>z</a:t>
+                      </a:r>
+                      <a:r>
+                        <a:rPr lang="en-US" baseline="30000" dirty="0">
+                          <a:solidFill>
+                            <a:srgbClr val="FFFF00"/>
+                          </a:solidFill>
+                        </a:rPr>
+                        <a:t>1</a:t>
+                      </a:r>
+                      <a:endParaRPr lang="en-US" dirty="0">
+                        <a:solidFill>
+                          <a:srgbClr val="FFFF00"/>
                         </a:solidFill>
                       </a:endParaRPr>
                     </a:p>
@@ -19993,16 +20813,597 @@
                   </a:ext>
                 </a:extLst>
               </a:tr>
+              <a:tr h="385961">
+                <a:tc>
+                  <a:txBody>
+                    <a:bodyPr/>
+                    <a:lstStyle/>
+                    <a:p>
+                      <a:r>
+                        <a:rPr lang="en-US" b="0" dirty="0">
+                          <a:solidFill>
+                            <a:srgbClr val="00FF00"/>
+                          </a:solidFill>
+                        </a:rPr>
+                        <a:t>Fluorine</a:t>
+                      </a:r>
+                    </a:p>
+                  </a:txBody>
+                  <a:tcPr/>
+                </a:tc>
+                <a:tc>
+                  <a:txBody>
+                    <a:bodyPr/>
+                    <a:lstStyle/>
+                    <a:p>
+                      <a:pPr marL="0" marR="0" lvl="0" indent="0" algn="l" defTabSz="914400" rtl="0" eaLnBrk="1" fontAlgn="auto" latinLnBrk="0" hangingPunct="1">
+                        <a:lnSpc>
+                          <a:spcPct val="100000"/>
+                        </a:lnSpc>
+                        <a:spcBef>
+                          <a:spcPts val="0"/>
+                        </a:spcBef>
+                        <a:spcAft>
+                          <a:spcPts val="0"/>
+                        </a:spcAft>
+                        <a:buClrTx/>
+                        <a:buSzTx/>
+                        <a:buFontTx/>
+                        <a:buNone/>
+                        <a:tabLst/>
+                        <a:defRPr/>
+                      </a:pPr>
+                      <a:r>
+                        <a:rPr lang="en-US" dirty="0">
+                          <a:solidFill>
+                            <a:schemeClr val="bg1"/>
+                          </a:solidFill>
+                        </a:rPr>
+                        <a:t>1s</a:t>
+                      </a:r>
+                      <a:r>
+                        <a:rPr lang="en-US" baseline="30000" dirty="0">
+                          <a:solidFill>
+                            <a:schemeClr val="bg1"/>
+                          </a:solidFill>
+                        </a:rPr>
+                        <a:t>2</a:t>
+                      </a:r>
+                      <a:r>
+                        <a:rPr lang="en-US" dirty="0">
+                          <a:solidFill>
+                            <a:schemeClr val="bg1"/>
+                          </a:solidFill>
+                        </a:rPr>
+                        <a:t>2s</a:t>
+                      </a:r>
+                      <a:r>
+                        <a:rPr lang="en-US" baseline="30000" dirty="0">
+                          <a:solidFill>
+                            <a:schemeClr val="bg1"/>
+                          </a:solidFill>
+                        </a:rPr>
+                        <a:t>2</a:t>
+                      </a:r>
+                      <a:r>
+                        <a:rPr lang="en-US" dirty="0">
+                          <a:solidFill>
+                            <a:schemeClr val="bg1"/>
+                          </a:solidFill>
+                        </a:rPr>
+                        <a:t>2p</a:t>
+                      </a:r>
+                      <a:r>
+                        <a:rPr lang="en-US" baseline="30000" dirty="0">
+                          <a:solidFill>
+                            <a:schemeClr val="bg1"/>
+                          </a:solidFill>
+                        </a:rPr>
+                        <a:t>5</a:t>
+                      </a:r>
+                      <a:endParaRPr lang="en-US" dirty="0">
+                        <a:solidFill>
+                          <a:schemeClr val="bg1"/>
+                        </a:solidFill>
+                      </a:endParaRPr>
+                    </a:p>
+                  </a:txBody>
+                  <a:tcPr/>
+                </a:tc>
+                <a:tc>
+                  <a:txBody>
+                    <a:bodyPr/>
+                    <a:lstStyle/>
+                    <a:p>
+                      <a:r>
+                        <a:rPr lang="en-US" dirty="0">
+                          <a:solidFill>
+                            <a:srgbClr val="FFFF00"/>
+                          </a:solidFill>
+                        </a:rPr>
+                        <a:t>1s</a:t>
+                      </a:r>
+                      <a:r>
+                        <a:rPr lang="en-US" baseline="30000" dirty="0">
+                          <a:solidFill>
+                            <a:srgbClr val="FFFF00"/>
+                          </a:solidFill>
+                        </a:rPr>
+                        <a:t>2</a:t>
+                      </a:r>
+                      <a:r>
+                        <a:rPr lang="en-US" dirty="0">
+                          <a:solidFill>
+                            <a:srgbClr val="FFFF00"/>
+                          </a:solidFill>
+                        </a:rPr>
+                        <a:t>2s</a:t>
+                      </a:r>
+                      <a:r>
+                        <a:rPr lang="en-US" baseline="30000" dirty="0">
+                          <a:solidFill>
+                            <a:srgbClr val="FFFF00"/>
+                          </a:solidFill>
+                        </a:rPr>
+                        <a:t>2</a:t>
+                      </a:r>
+                      <a:r>
+                        <a:rPr lang="en-US" dirty="0">
+                          <a:solidFill>
+                            <a:srgbClr val="FFFF00"/>
+                          </a:solidFill>
+                        </a:rPr>
+                        <a:t>2p</a:t>
+                      </a:r>
+                      <a:r>
+                        <a:rPr lang="en-US" baseline="-25000" dirty="0">
+                          <a:solidFill>
+                            <a:srgbClr val="FFFF00"/>
+                          </a:solidFill>
+                        </a:rPr>
+                        <a:t>x</a:t>
+                      </a:r>
+                      <a:r>
+                        <a:rPr lang="en-US" baseline="30000" dirty="0">
+                          <a:solidFill>
+                            <a:srgbClr val="FFFF00"/>
+                          </a:solidFill>
+                        </a:rPr>
+                        <a:t>2</a:t>
+                      </a:r>
+                      <a:r>
+                        <a:rPr lang="en-US" dirty="0">
+                          <a:solidFill>
+                            <a:srgbClr val="FFFF00"/>
+                          </a:solidFill>
+                        </a:rPr>
+                        <a:t>p</a:t>
+                      </a:r>
+                      <a:r>
+                        <a:rPr lang="en-US" baseline="-25000" dirty="0">
+                          <a:solidFill>
+                            <a:srgbClr val="FFFF00"/>
+                          </a:solidFill>
+                        </a:rPr>
+                        <a:t>y</a:t>
+                      </a:r>
+                      <a:r>
+                        <a:rPr lang="en-US" baseline="30000" dirty="0">
+                          <a:solidFill>
+                            <a:srgbClr val="FFFF00"/>
+                          </a:solidFill>
+                        </a:rPr>
+                        <a:t>2</a:t>
+                      </a:r>
+                      <a:r>
+                        <a:rPr lang="en-US" dirty="0">
+                          <a:solidFill>
+                            <a:srgbClr val="FFFF00"/>
+                          </a:solidFill>
+                        </a:rPr>
+                        <a:t>p</a:t>
+                      </a:r>
+                      <a:r>
+                        <a:rPr lang="en-US" baseline="-25000" dirty="0">
+                          <a:solidFill>
+                            <a:srgbClr val="FFFF00"/>
+                          </a:solidFill>
+                        </a:rPr>
+                        <a:t>z</a:t>
+                      </a:r>
+                      <a:r>
+                        <a:rPr lang="en-US" baseline="30000" dirty="0">
+                          <a:solidFill>
+                            <a:srgbClr val="FFFF00"/>
+                          </a:solidFill>
+                        </a:rPr>
+                        <a:t>1</a:t>
+                      </a:r>
+                      <a:endParaRPr lang="en-US" dirty="0">
+                        <a:solidFill>
+                          <a:srgbClr val="FFFF00"/>
+                        </a:solidFill>
+                      </a:endParaRPr>
+                    </a:p>
+                  </a:txBody>
+                  <a:tcPr/>
+                </a:tc>
+                <a:extLst>
+                  <a:ext uri="{0D108BD9-81ED-4DB2-BD59-A6C34878D82A}">
+                    <a16:rowId xmlns:a16="http://schemas.microsoft.com/office/drawing/2014/main" val="1258199776"/>
+                  </a:ext>
+                </a:extLst>
+              </a:tr>
+              <a:tr h="385961">
+                <a:tc>
+                  <a:txBody>
+                    <a:bodyPr/>
+                    <a:lstStyle/>
+                    <a:p>
+                      <a:r>
+                        <a:rPr lang="en-US" b="0" dirty="0">
+                          <a:solidFill>
+                            <a:srgbClr val="00FF00"/>
+                          </a:solidFill>
+                        </a:rPr>
+                        <a:t>Neon</a:t>
+                      </a:r>
+                    </a:p>
+                  </a:txBody>
+                  <a:tcPr/>
+                </a:tc>
+                <a:tc>
+                  <a:txBody>
+                    <a:bodyPr/>
+                    <a:lstStyle/>
+                    <a:p>
+                      <a:pPr marL="0" marR="0" lvl="0" indent="0" algn="l" defTabSz="914400" rtl="0" eaLnBrk="1" fontAlgn="auto" latinLnBrk="0" hangingPunct="1">
+                        <a:lnSpc>
+                          <a:spcPct val="100000"/>
+                        </a:lnSpc>
+                        <a:spcBef>
+                          <a:spcPts val="0"/>
+                        </a:spcBef>
+                        <a:spcAft>
+                          <a:spcPts val="0"/>
+                        </a:spcAft>
+                        <a:buClrTx/>
+                        <a:buSzTx/>
+                        <a:buFontTx/>
+                        <a:buNone/>
+                        <a:tabLst/>
+                        <a:defRPr/>
+                      </a:pPr>
+                      <a:r>
+                        <a:rPr lang="en-US" dirty="0">
+                          <a:solidFill>
+                            <a:schemeClr val="bg1"/>
+                          </a:solidFill>
+                        </a:rPr>
+                        <a:t>1s</a:t>
+                      </a:r>
+                      <a:r>
+                        <a:rPr lang="en-US" baseline="30000" dirty="0">
+                          <a:solidFill>
+                            <a:schemeClr val="bg1"/>
+                          </a:solidFill>
+                        </a:rPr>
+                        <a:t>2</a:t>
+                      </a:r>
+                      <a:r>
+                        <a:rPr lang="en-US" dirty="0">
+                          <a:solidFill>
+                            <a:schemeClr val="bg1"/>
+                          </a:solidFill>
+                        </a:rPr>
+                        <a:t>2s</a:t>
+                      </a:r>
+                      <a:r>
+                        <a:rPr lang="en-US" baseline="30000" dirty="0">
+                          <a:solidFill>
+                            <a:schemeClr val="bg1"/>
+                          </a:solidFill>
+                        </a:rPr>
+                        <a:t>2</a:t>
+                      </a:r>
+                      <a:r>
+                        <a:rPr lang="en-US" dirty="0">
+                          <a:solidFill>
+                            <a:schemeClr val="bg1"/>
+                          </a:solidFill>
+                        </a:rPr>
+                        <a:t>2p</a:t>
+                      </a:r>
+                      <a:r>
+                        <a:rPr lang="en-US" baseline="30000" dirty="0">
+                          <a:solidFill>
+                            <a:schemeClr val="bg1"/>
+                          </a:solidFill>
+                        </a:rPr>
+                        <a:t>6</a:t>
+                      </a:r>
+                      <a:endParaRPr lang="en-US" dirty="0">
+                        <a:solidFill>
+                          <a:schemeClr val="bg1"/>
+                        </a:solidFill>
+                      </a:endParaRPr>
+                    </a:p>
+                  </a:txBody>
+                  <a:tcPr/>
+                </a:tc>
+                <a:tc>
+                  <a:txBody>
+                    <a:bodyPr/>
+                    <a:lstStyle/>
+                    <a:p>
+                      <a:r>
+                        <a:rPr lang="en-US" dirty="0">
+                          <a:solidFill>
+                            <a:srgbClr val="FFFF00"/>
+                          </a:solidFill>
+                        </a:rPr>
+                        <a:t>1s</a:t>
+                      </a:r>
+                      <a:r>
+                        <a:rPr lang="en-US" baseline="30000" dirty="0">
+                          <a:solidFill>
+                            <a:srgbClr val="FFFF00"/>
+                          </a:solidFill>
+                        </a:rPr>
+                        <a:t>2</a:t>
+                      </a:r>
+                      <a:r>
+                        <a:rPr lang="en-US" dirty="0">
+                          <a:solidFill>
+                            <a:srgbClr val="FFFF00"/>
+                          </a:solidFill>
+                        </a:rPr>
+                        <a:t>2s</a:t>
+                      </a:r>
+                      <a:r>
+                        <a:rPr lang="en-US" baseline="30000" dirty="0">
+                          <a:solidFill>
+                            <a:srgbClr val="FFFF00"/>
+                          </a:solidFill>
+                        </a:rPr>
+                        <a:t>2</a:t>
+                      </a:r>
+                      <a:r>
+                        <a:rPr lang="en-US" dirty="0">
+                          <a:solidFill>
+                            <a:srgbClr val="FFFF00"/>
+                          </a:solidFill>
+                        </a:rPr>
+                        <a:t>2p</a:t>
+                      </a:r>
+                      <a:r>
+                        <a:rPr lang="en-US" baseline="-25000" dirty="0">
+                          <a:solidFill>
+                            <a:srgbClr val="FFFF00"/>
+                          </a:solidFill>
+                        </a:rPr>
+                        <a:t>x</a:t>
+                      </a:r>
+                      <a:r>
+                        <a:rPr lang="en-US" baseline="30000" dirty="0">
+                          <a:solidFill>
+                            <a:srgbClr val="FFFF00"/>
+                          </a:solidFill>
+                        </a:rPr>
+                        <a:t>2</a:t>
+                      </a:r>
+                      <a:r>
+                        <a:rPr lang="en-US" dirty="0">
+                          <a:solidFill>
+                            <a:srgbClr val="FFFF00"/>
+                          </a:solidFill>
+                        </a:rPr>
+                        <a:t>p</a:t>
+                      </a:r>
+                      <a:r>
+                        <a:rPr lang="en-US" baseline="-25000" dirty="0">
+                          <a:solidFill>
+                            <a:srgbClr val="FFFF00"/>
+                          </a:solidFill>
+                        </a:rPr>
+                        <a:t>y</a:t>
+                      </a:r>
+                      <a:r>
+                        <a:rPr lang="en-US" baseline="30000" dirty="0">
+                          <a:solidFill>
+                            <a:srgbClr val="FFFF00"/>
+                          </a:solidFill>
+                        </a:rPr>
+                        <a:t>2</a:t>
+                      </a:r>
+                      <a:r>
+                        <a:rPr lang="en-US" dirty="0">
+                          <a:solidFill>
+                            <a:srgbClr val="FFFF00"/>
+                          </a:solidFill>
+                        </a:rPr>
+                        <a:t>p</a:t>
+                      </a:r>
+                      <a:r>
+                        <a:rPr lang="en-US" baseline="-25000" dirty="0">
+                          <a:solidFill>
+                            <a:srgbClr val="FFFF00"/>
+                          </a:solidFill>
+                        </a:rPr>
+                        <a:t>z</a:t>
+                      </a:r>
+                      <a:r>
+                        <a:rPr lang="en-US" baseline="30000" dirty="0">
+                          <a:solidFill>
+                            <a:srgbClr val="FFFF00"/>
+                          </a:solidFill>
+                        </a:rPr>
+                        <a:t>2</a:t>
+                      </a:r>
+                      <a:endParaRPr lang="en-US" dirty="0">
+                        <a:solidFill>
+                          <a:srgbClr val="FFFF00"/>
+                        </a:solidFill>
+                      </a:endParaRPr>
+                    </a:p>
+                  </a:txBody>
+                  <a:tcPr/>
+                </a:tc>
+                <a:extLst>
+                  <a:ext uri="{0D108BD9-81ED-4DB2-BD59-A6C34878D82A}">
+                    <a16:rowId xmlns:a16="http://schemas.microsoft.com/office/drawing/2014/main" val="2078117213"/>
+                  </a:ext>
+                </a:extLst>
+              </a:tr>
             </a:tbl>
           </a:graphicData>
         </a:graphic>
       </p:graphicFrame>
+    </p:spTree>
+    <p:extLst>
+      <p:ext uri="{BB962C8B-B14F-4D97-AF65-F5344CB8AC3E}">
+        <p14:creationId xmlns:p14="http://schemas.microsoft.com/office/powerpoint/2010/main" val="2895407616"/>
+      </p:ext>
+    </p:extLst>
+  </p:cSld>
+  <p:clrMapOvr>
+    <a:masterClrMapping/>
+  </p:clrMapOvr>
+</p:sld>
+</file>
+
+<file path=ppt/slides/slide29.xml><?xml version="1.0" encoding="utf-8"?>
+<p:sld xmlns:a="http://schemas.openxmlformats.org/drawingml/2006/main" xmlns:r="http://schemas.openxmlformats.org/officeDocument/2006/relationships" xmlns:p="http://schemas.openxmlformats.org/presentationml/2006/main">
+  <p:cSld>
+    <p:spTree>
+      <p:nvGrpSpPr>
+        <p:cNvPr id="1" name="">
+          <a:extLst>
+            <a:ext uri="{FF2B5EF4-FFF2-40B4-BE49-F238E27FC236}">
+              <a16:creationId xmlns:a16="http://schemas.microsoft.com/office/drawing/2014/main" id="{586E211F-5955-24CD-A0BC-F19AA3F16314}"/>
+            </a:ext>
+          </a:extLst>
+        </p:cNvPr>
+        <p:cNvGrpSpPr/>
+        <p:nvPr/>
+      </p:nvGrpSpPr>
+      <p:grpSpPr>
+        <a:xfrm>
+          <a:off x="0" y="0"/>
+          <a:ext cx="0" cy="0"/>
+          <a:chOff x="0" y="0"/>
+          <a:chExt cx="0" cy="0"/>
+        </a:xfrm>
+      </p:grpSpPr>
+      <p:sp>
+        <p:nvSpPr>
+          <p:cNvPr id="2" name="Title 1">
+            <a:extLst>
+              <a:ext uri="{FF2B5EF4-FFF2-40B4-BE49-F238E27FC236}">
+                <a16:creationId xmlns:a16="http://schemas.microsoft.com/office/drawing/2014/main" id="{1BEBA6CD-9B26-BB66-7ED5-C31F43BE198A}"/>
+              </a:ext>
+            </a:extLst>
+          </p:cNvPr>
+          <p:cNvSpPr>
+            <a:spLocks noGrp="1"/>
+          </p:cNvSpPr>
+          <p:nvPr>
+            <p:ph type="title"/>
+          </p:nvPr>
+        </p:nvSpPr>
+        <p:spPr>
+          <a:xfrm>
+            <a:off x="349955" y="246630"/>
+            <a:ext cx="8421512" cy="707886"/>
+          </a:xfrm>
+        </p:spPr>
+        <p:txBody>
+          <a:bodyPr/>
+          <a:lstStyle/>
+          <a:p>
+            <a:r>
+              <a:rPr lang="en-US" sz="4000" dirty="0"/>
+              <a:t>Core and Valence Electrons</a:t>
+            </a:r>
+          </a:p>
+        </p:txBody>
+      </p:sp>
+      <p:sp>
+        <p:nvSpPr>
+          <p:cNvPr id="3" name="Content Placeholder 2">
+            <a:extLst>
+              <a:ext uri="{FF2B5EF4-FFF2-40B4-BE49-F238E27FC236}">
+                <a16:creationId xmlns:a16="http://schemas.microsoft.com/office/drawing/2014/main" id="{6E163DF7-ADA2-6F12-37C1-38B9039F0883}"/>
+              </a:ext>
+            </a:extLst>
+          </p:cNvPr>
+          <p:cNvSpPr>
+            <a:spLocks noGrp="1"/>
+          </p:cNvSpPr>
+          <p:nvPr>
+            <p:ph idx="1"/>
+          </p:nvPr>
+        </p:nvSpPr>
+        <p:spPr>
+          <a:xfrm>
+            <a:off x="372533" y="954516"/>
+            <a:ext cx="8387645" cy="5593039"/>
+          </a:xfrm>
+        </p:spPr>
+        <p:txBody>
+          <a:bodyPr/>
+          <a:lstStyle/>
+          <a:p>
+            <a:r>
+              <a:rPr lang="en-US" dirty="0"/>
+              <a:t>The outermost shell (shells designated by the </a:t>
+            </a:r>
+            <a:r>
+              <a:rPr lang="en-US" b="1" i="1" dirty="0">
+                <a:solidFill>
+                  <a:schemeClr val="accent1">
+                    <a:lumMod val="60000"/>
+                    <a:lumOff val="40000"/>
+                  </a:schemeClr>
+                </a:solidFill>
+              </a:rPr>
+              <a:t>n </a:t>
+            </a:r>
+            <a:r>
+              <a:rPr lang="en-US" dirty="0"/>
+              <a:t>value) of the atom contains electrons called the </a:t>
+            </a:r>
+            <a:r>
+              <a:rPr lang="en-US" dirty="0">
+                <a:solidFill>
+                  <a:srgbClr val="00FF00"/>
+                </a:solidFill>
+              </a:rPr>
+              <a:t>valence electrons</a:t>
+            </a:r>
+          </a:p>
+          <a:p>
+            <a:r>
+              <a:rPr lang="en-US" dirty="0"/>
+              <a:t>All other (inner) shells form the </a:t>
+            </a:r>
+            <a:r>
+              <a:rPr lang="en-US" dirty="0">
+                <a:solidFill>
+                  <a:srgbClr val="00FF00"/>
+                </a:solidFill>
+              </a:rPr>
+              <a:t>core electrons</a:t>
+            </a:r>
+          </a:p>
+        </p:txBody>
+      </p:sp>
       <p:sp>
         <p:nvSpPr>
           <p:cNvPr id="4" name="Slide Number Placeholder 3">
             <a:extLst>
               <a:ext uri="{FF2B5EF4-FFF2-40B4-BE49-F238E27FC236}">
-                <a16:creationId xmlns:a16="http://schemas.microsoft.com/office/drawing/2014/main" id="{2989C46F-6454-CF38-9FC0-2AB8DAC4DBE2}"/>
+                <a16:creationId xmlns:a16="http://schemas.microsoft.com/office/drawing/2014/main" id="{DB399692-A43F-B23F-4898-468129A726AC}"/>
               </a:ext>
             </a:extLst>
           </p:cNvPr>
@@ -20027,10 +21428,70 @@
           </a:p>
         </p:txBody>
       </p:sp>
+      <p:pic>
+        <p:nvPicPr>
+          <p:cNvPr id="8" name="Picture 7">
+            <a:extLst>
+              <a:ext uri="{FF2B5EF4-FFF2-40B4-BE49-F238E27FC236}">
+                <a16:creationId xmlns:a16="http://schemas.microsoft.com/office/drawing/2014/main" id="{99DE1469-376E-9F52-1B4B-34292C7E8B3B}"/>
+              </a:ext>
+            </a:extLst>
+          </p:cNvPr>
+          <p:cNvPicPr>
+            <a:picLocks noChangeAspect="1"/>
+          </p:cNvPicPr>
+          <p:nvPr/>
+        </p:nvPicPr>
+        <p:blipFill>
+          <a:blip r:embed="rId2"/>
+          <a:stretch>
+            <a:fillRect/>
+          </a:stretch>
+        </p:blipFill>
+        <p:spPr>
+          <a:xfrm>
+            <a:off x="1173903" y="2623041"/>
+            <a:ext cx="6562725" cy="2390775"/>
+          </a:xfrm>
+          <a:prstGeom prst="rect">
+            <a:avLst/>
+          </a:prstGeom>
+        </p:spPr>
+      </p:pic>
+      <p:pic>
+        <p:nvPicPr>
+          <p:cNvPr id="10" name="Picture 9">
+            <a:extLst>
+              <a:ext uri="{FF2B5EF4-FFF2-40B4-BE49-F238E27FC236}">
+                <a16:creationId xmlns:a16="http://schemas.microsoft.com/office/drawing/2014/main" id="{CA7BCF14-8B03-C382-A329-D8CB10D423B5}"/>
+              </a:ext>
+            </a:extLst>
+          </p:cNvPr>
+          <p:cNvPicPr>
+            <a:picLocks noChangeAspect="1"/>
+          </p:cNvPicPr>
+          <p:nvPr/>
+        </p:nvPicPr>
+        <p:blipFill>
+          <a:blip r:embed="rId3"/>
+          <a:stretch>
+            <a:fillRect/>
+          </a:stretch>
+        </p:blipFill>
+        <p:spPr>
+          <a:xfrm>
+            <a:off x="744761" y="5077631"/>
+            <a:ext cx="7421011" cy="1533739"/>
+          </a:xfrm>
+          <a:prstGeom prst="rect">
+            <a:avLst/>
+          </a:prstGeom>
+        </p:spPr>
+      </p:pic>
     </p:spTree>
     <p:extLst>
       <p:ext uri="{BB962C8B-B14F-4D97-AF65-F5344CB8AC3E}">
-        <p14:creationId xmlns:p14="http://schemas.microsoft.com/office/powerpoint/2010/main" val="983403464"/>
+        <p14:creationId xmlns:p14="http://schemas.microsoft.com/office/powerpoint/2010/main" val="1416723445"/>
       </p:ext>
     </p:extLst>
   </p:cSld>
@@ -20252,6 +21713,1495 @@
         <p:cNvPr id="1" name="">
           <a:extLst>
             <a:ext uri="{FF2B5EF4-FFF2-40B4-BE49-F238E27FC236}">
+              <a16:creationId xmlns:a16="http://schemas.microsoft.com/office/drawing/2014/main" id="{4349E4CF-EEBF-F82F-7B1D-66D8B74C9131}"/>
+            </a:ext>
+          </a:extLst>
+        </p:cNvPr>
+        <p:cNvGrpSpPr/>
+        <p:nvPr/>
+      </p:nvGrpSpPr>
+      <p:grpSpPr>
+        <a:xfrm>
+          <a:off x="0" y="0"/>
+          <a:ext cx="0" cy="0"/>
+          <a:chOff x="0" y="0"/>
+          <a:chExt cx="0" cy="0"/>
+        </a:xfrm>
+      </p:grpSpPr>
+      <p:sp>
+        <p:nvSpPr>
+          <p:cNvPr id="2" name="Title 1">
+            <a:extLst>
+              <a:ext uri="{FF2B5EF4-FFF2-40B4-BE49-F238E27FC236}">
+                <a16:creationId xmlns:a16="http://schemas.microsoft.com/office/drawing/2014/main" id="{EBAB3C07-6C9B-5BEF-90A0-734D266355A2}"/>
+              </a:ext>
+            </a:extLst>
+          </p:cNvPr>
+          <p:cNvSpPr>
+            <a:spLocks noGrp="1"/>
+          </p:cNvSpPr>
+          <p:nvPr>
+            <p:ph type="title"/>
+          </p:nvPr>
+        </p:nvSpPr>
+        <p:spPr/>
+        <p:txBody>
+          <a:bodyPr/>
+          <a:lstStyle/>
+          <a:p>
+            <a:r>
+              <a:rPr lang="en-US" dirty="0"/>
+              <a:t>Electron Configurations</a:t>
+            </a:r>
+          </a:p>
+        </p:txBody>
+      </p:sp>
+      <p:sp>
+        <p:nvSpPr>
+          <p:cNvPr id="4" name="Slide Number Placeholder 3">
+            <a:extLst>
+              <a:ext uri="{FF2B5EF4-FFF2-40B4-BE49-F238E27FC236}">
+                <a16:creationId xmlns:a16="http://schemas.microsoft.com/office/drawing/2014/main" id="{9DBA0F9A-8C73-D6EF-12AD-40B5DEACD98B}"/>
+              </a:ext>
+            </a:extLst>
+          </p:cNvPr>
+          <p:cNvSpPr>
+            <a:spLocks noGrp="1"/>
+          </p:cNvSpPr>
+          <p:nvPr>
+            <p:ph type="sldNum" sz="quarter" idx="11"/>
+          </p:nvPr>
+        </p:nvSpPr>
+        <p:spPr/>
+        <p:txBody>
+          <a:bodyPr/>
+          <a:lstStyle/>
+          <a:p>
+            <a:fld id="{450AD36E-3ACA-4EBB-9678-E39944C078A2}" type="slidenum">
+              <a:rPr lang="en-US" smtClean="0"/>
+              <a:pPr/>
+              <a:t>30</a:t>
+            </a:fld>
+            <a:endParaRPr lang="en-US" dirty="0"/>
+          </a:p>
+        </p:txBody>
+      </p:sp>
+      <p:sp>
+        <p:nvSpPr>
+          <p:cNvPr id="5" name="Content Placeholder 4">
+            <a:extLst>
+              <a:ext uri="{FF2B5EF4-FFF2-40B4-BE49-F238E27FC236}">
+                <a16:creationId xmlns:a16="http://schemas.microsoft.com/office/drawing/2014/main" id="{7CDE1183-CD71-F1C7-836B-0FD4F6835415}"/>
+              </a:ext>
+            </a:extLst>
+          </p:cNvPr>
+          <p:cNvSpPr>
+            <a:spLocks noGrp="1"/>
+          </p:cNvSpPr>
+          <p:nvPr>
+            <p:ph idx="1"/>
+          </p:nvPr>
+        </p:nvSpPr>
+        <p:spPr>
+          <a:xfrm>
+            <a:off x="349955" y="4143983"/>
+            <a:ext cx="8455380" cy="2490280"/>
+          </a:xfrm>
+        </p:spPr>
+        <p:txBody>
+          <a:bodyPr/>
+          <a:lstStyle/>
+          <a:p>
+            <a:r>
+              <a:rPr lang="en-US" sz="2000" dirty="0"/>
+              <a:t>Copper: (move 4</a:t>
+            </a:r>
+            <a:r>
+              <a:rPr lang="en-US" sz="2000" i="1" dirty="0"/>
+              <a:t>s</a:t>
+            </a:r>
+            <a:r>
+              <a:rPr lang="en-US" sz="2000" dirty="0"/>
+              <a:t> electron to 3</a:t>
+            </a:r>
+            <a:r>
+              <a:rPr lang="en-US" sz="2000" i="1" dirty="0"/>
+              <a:t>d</a:t>
+            </a:r>
+            <a:r>
+              <a:rPr lang="en-US" sz="2000" dirty="0"/>
+              <a:t>!) making 3d</a:t>
+            </a:r>
+            <a:r>
+              <a:rPr lang="en-US" sz="2000" baseline="30000" dirty="0"/>
+              <a:t>10</a:t>
+            </a:r>
+            <a:r>
+              <a:rPr lang="en-US" sz="2000" dirty="0"/>
+              <a:t>4s</a:t>
+            </a:r>
+            <a:r>
+              <a:rPr lang="en-US" sz="2000" baseline="30000" dirty="0"/>
+              <a:t>1</a:t>
+            </a:r>
+            <a:r>
+              <a:rPr lang="en-US" sz="2000" dirty="0"/>
+              <a:t> is more energetically stable than expect 3d</a:t>
+            </a:r>
+            <a:r>
+              <a:rPr lang="en-US" sz="2000" baseline="30000" dirty="0"/>
+              <a:t>9</a:t>
+            </a:r>
+            <a:r>
+              <a:rPr lang="en-US" sz="2000" dirty="0"/>
+              <a:t>4s</a:t>
+            </a:r>
+            <a:r>
+              <a:rPr lang="en-US" sz="2000" baseline="30000" dirty="0"/>
+              <a:t>2</a:t>
+            </a:r>
+          </a:p>
+          <a:p>
+            <a:r>
+              <a:rPr lang="en-US" sz="2000" dirty="0"/>
+              <a:t>Zinc: not a transition metal (!) according to IUPAC</a:t>
+            </a:r>
+          </a:p>
+          <a:p>
+            <a:r>
+              <a:rPr lang="en-US" sz="2000" dirty="0"/>
+              <a:t>Silver: like copper in filling the </a:t>
+            </a:r>
+            <a:r>
+              <a:rPr lang="en-US" sz="2000" i="1" dirty="0"/>
+              <a:t>d</a:t>
+            </a:r>
+            <a:r>
+              <a:rPr lang="en-US" sz="2000" dirty="0"/>
+              <a:t>-subshell</a:t>
+            </a:r>
+          </a:p>
+          <a:p>
+            <a:r>
+              <a:rPr lang="en-US" sz="2000" dirty="0"/>
+              <a:t>Platinum: big exception in stabilizing 5</a:t>
+            </a:r>
+            <a:r>
+              <a:rPr lang="en-US" sz="2000" i="1" dirty="0"/>
+              <a:t>d</a:t>
+            </a:r>
+            <a:r>
+              <a:rPr lang="en-US" sz="2000" dirty="0"/>
+              <a:t> subshell</a:t>
+            </a:r>
+          </a:p>
+          <a:p>
+            <a:r>
+              <a:rPr lang="en-US" sz="2000" dirty="0"/>
+              <a:t>Gold: Move from 6</a:t>
+            </a:r>
+            <a:r>
+              <a:rPr lang="en-US" sz="2000" i="1" dirty="0"/>
+              <a:t>s</a:t>
+            </a:r>
+            <a:r>
+              <a:rPr lang="en-US" sz="2000" dirty="0"/>
+              <a:t> to 5</a:t>
+            </a:r>
+            <a:r>
+              <a:rPr lang="en-US" sz="2000" i="1" dirty="0"/>
+              <a:t>d</a:t>
+            </a:r>
+            <a:r>
+              <a:rPr lang="en-US" sz="2000" dirty="0"/>
+              <a:t> completes the 5</a:t>
+            </a:r>
+            <a:r>
+              <a:rPr lang="en-US" sz="2000" i="1" dirty="0"/>
+              <a:t>d</a:t>
+            </a:r>
+            <a:r>
+              <a:rPr lang="en-US" sz="2000" dirty="0"/>
+              <a:t> subshell!</a:t>
+            </a:r>
+          </a:p>
+        </p:txBody>
+      </p:sp>
+      <p:graphicFrame>
+        <p:nvGraphicFramePr>
+          <p:cNvPr id="7" name="Content Placeholder 5">
+            <a:extLst>
+              <a:ext uri="{FF2B5EF4-FFF2-40B4-BE49-F238E27FC236}">
+                <a16:creationId xmlns:a16="http://schemas.microsoft.com/office/drawing/2014/main" id="{A086CACD-004C-0FE5-3B64-B08A6D03F447}"/>
+              </a:ext>
+            </a:extLst>
+          </p:cNvPr>
+          <p:cNvGraphicFramePr>
+            <a:graphicFrameLocks/>
+          </p:cNvGraphicFramePr>
+          <p:nvPr>
+            <p:extLst>
+              <p:ext uri="{D42A27DB-BD31-4B8C-83A1-F6EECF244321}">
+                <p14:modId xmlns:p14="http://schemas.microsoft.com/office/powerpoint/2010/main" val="2836490824"/>
+              </p:ext>
+            </p:extLst>
+          </p:nvPr>
+        </p:nvGraphicFramePr>
+        <p:xfrm>
+          <a:off x="338665" y="1332091"/>
+          <a:ext cx="8421513" cy="2346960"/>
+        </p:xfrm>
+        <a:graphic>
+          <a:graphicData uri="http://schemas.openxmlformats.org/drawingml/2006/table">
+            <a:tbl>
+              <a:tblPr firstRow="1" bandRow="1">
+                <a:tableStyleId>{C083E6E3-FA7D-4D7B-A595-EF9225AFEA82}</a:tableStyleId>
+              </a:tblPr>
+              <a:tblGrid>
+                <a:gridCol w="2130598">
+                  <a:extLst>
+                    <a:ext uri="{9D8B030D-6E8A-4147-A177-3AD203B41FA5}">
+                      <a16:colId xmlns:a16="http://schemas.microsoft.com/office/drawing/2014/main" val="1677757503"/>
+                    </a:ext>
+                  </a:extLst>
+                </a:gridCol>
+                <a:gridCol w="1809345">
+                  <a:extLst>
+                    <a:ext uri="{9D8B030D-6E8A-4147-A177-3AD203B41FA5}">
+                      <a16:colId xmlns:a16="http://schemas.microsoft.com/office/drawing/2014/main" val="3969071836"/>
+                    </a:ext>
+                  </a:extLst>
+                </a:gridCol>
+                <a:gridCol w="2178996">
+                  <a:extLst>
+                    <a:ext uri="{9D8B030D-6E8A-4147-A177-3AD203B41FA5}">
+                      <a16:colId xmlns:a16="http://schemas.microsoft.com/office/drawing/2014/main" val="810695934"/>
+                    </a:ext>
+                  </a:extLst>
+                </a:gridCol>
+                <a:gridCol w="2302574">
+                  <a:extLst>
+                    <a:ext uri="{9D8B030D-6E8A-4147-A177-3AD203B41FA5}">
+                      <a16:colId xmlns:a16="http://schemas.microsoft.com/office/drawing/2014/main" val="1385682510"/>
+                    </a:ext>
+                  </a:extLst>
+                </a:gridCol>
+              </a:tblGrid>
+              <a:tr h="286357">
+                <a:tc>
+                  <a:txBody>
+                    <a:bodyPr/>
+                    <a:lstStyle/>
+                    <a:p>
+                      <a:r>
+                        <a:rPr lang="en-US" sz="1600" b="0" dirty="0">
+                          <a:solidFill>
+                            <a:srgbClr val="00FF00"/>
+                          </a:solidFill>
+                        </a:rPr>
+                        <a:t>Hydrogen (H)</a:t>
+                      </a:r>
+                    </a:p>
+                  </a:txBody>
+                  <a:tcPr/>
+                </a:tc>
+                <a:tc>
+                  <a:txBody>
+                    <a:bodyPr/>
+                    <a:lstStyle/>
+                    <a:p>
+                      <a:r>
+                        <a:rPr lang="en-US" sz="1600" b="0" dirty="0">
+                          <a:solidFill>
+                            <a:schemeClr val="bg1"/>
+                          </a:solidFill>
+                        </a:rPr>
+                        <a:t>1s</a:t>
+                      </a:r>
+                      <a:r>
+                        <a:rPr lang="en-US" sz="1600" b="0" baseline="30000" dirty="0">
+                          <a:solidFill>
+                            <a:schemeClr val="bg1"/>
+                          </a:solidFill>
+                        </a:rPr>
+                        <a:t>1</a:t>
+                      </a:r>
+                    </a:p>
+                  </a:txBody>
+                  <a:tcPr/>
+                </a:tc>
+                <a:tc>
+                  <a:txBody>
+                    <a:bodyPr/>
+                    <a:lstStyle/>
+                    <a:p>
+                      <a:pPr marL="0" marR="0" lvl="0" indent="0" algn="l" defTabSz="914400" rtl="0" eaLnBrk="1" fontAlgn="auto" latinLnBrk="0" hangingPunct="1">
+                        <a:lnSpc>
+                          <a:spcPct val="100000"/>
+                        </a:lnSpc>
+                        <a:spcBef>
+                          <a:spcPts val="0"/>
+                        </a:spcBef>
+                        <a:spcAft>
+                          <a:spcPts val="0"/>
+                        </a:spcAft>
+                        <a:buClrTx/>
+                        <a:buSzTx/>
+                        <a:buFontTx/>
+                        <a:buNone/>
+                        <a:tabLst/>
+                        <a:defRPr/>
+                      </a:pPr>
+                      <a:r>
+                        <a:rPr lang="en-US" sz="1600" b="0" dirty="0">
+                          <a:solidFill>
+                            <a:srgbClr val="00FF00"/>
+                          </a:solidFill>
+                        </a:rPr>
+                        <a:t>Iron (Fe)</a:t>
+                      </a:r>
+                    </a:p>
+                  </a:txBody>
+                  <a:tcPr/>
+                </a:tc>
+                <a:tc>
+                  <a:txBody>
+                    <a:bodyPr/>
+                    <a:lstStyle/>
+                    <a:p>
+                      <a:pPr marL="0" marR="0" lvl="0" indent="0" algn="l" defTabSz="914400" rtl="0" eaLnBrk="1" fontAlgn="auto" latinLnBrk="0" hangingPunct="1">
+                        <a:lnSpc>
+                          <a:spcPct val="100000"/>
+                        </a:lnSpc>
+                        <a:spcBef>
+                          <a:spcPts val="0"/>
+                        </a:spcBef>
+                        <a:spcAft>
+                          <a:spcPts val="0"/>
+                        </a:spcAft>
+                        <a:buClrTx/>
+                        <a:buSzTx/>
+                        <a:buFontTx/>
+                        <a:buNone/>
+                        <a:tabLst/>
+                        <a:defRPr/>
+                      </a:pPr>
+                      <a:r>
+                        <a:rPr lang="en-US" sz="1600" b="0" dirty="0">
+                          <a:solidFill>
+                            <a:schemeClr val="bg1"/>
+                          </a:solidFill>
+                        </a:rPr>
+                        <a:t>[</a:t>
+                      </a:r>
+                      <a:r>
+                        <a:rPr lang="en-US" sz="1600" b="0" dirty="0" err="1">
+                          <a:solidFill>
+                            <a:schemeClr val="bg1"/>
+                          </a:solidFill>
+                        </a:rPr>
+                        <a:t>Ar</a:t>
+                      </a:r>
+                      <a:r>
+                        <a:rPr lang="en-US" sz="1600" b="0" dirty="0">
+                          <a:solidFill>
+                            <a:schemeClr val="bg1"/>
+                          </a:solidFill>
+                        </a:rPr>
+                        <a:t>]3d</a:t>
+                      </a:r>
+                      <a:r>
+                        <a:rPr lang="en-US" sz="1600" b="0" baseline="30000" dirty="0">
+                          <a:solidFill>
+                            <a:schemeClr val="bg1"/>
+                          </a:solidFill>
+                        </a:rPr>
+                        <a:t>6</a:t>
+                      </a:r>
+                      <a:r>
+                        <a:rPr lang="en-US" sz="1600" b="0" dirty="0">
+                          <a:solidFill>
+                            <a:schemeClr val="bg1"/>
+                          </a:solidFill>
+                        </a:rPr>
+                        <a:t>4s</a:t>
+                      </a:r>
+                      <a:r>
+                        <a:rPr lang="en-US" sz="1600" b="0" baseline="30000" dirty="0">
+                          <a:solidFill>
+                            <a:schemeClr val="bg1"/>
+                          </a:solidFill>
+                        </a:rPr>
+                        <a:t>2</a:t>
+                      </a:r>
+                      <a:endParaRPr lang="en-US" sz="1600" b="0" dirty="0">
+                        <a:solidFill>
+                          <a:schemeClr val="bg1"/>
+                        </a:solidFill>
+                      </a:endParaRPr>
+                    </a:p>
+                  </a:txBody>
+                  <a:tcPr/>
+                </a:tc>
+                <a:extLst>
+                  <a:ext uri="{0D108BD9-81ED-4DB2-BD59-A6C34878D82A}">
+                    <a16:rowId xmlns:a16="http://schemas.microsoft.com/office/drawing/2014/main" val="1229677592"/>
+                  </a:ext>
+                </a:extLst>
+              </a:tr>
+              <a:tr h="286357">
+                <a:tc>
+                  <a:txBody>
+                    <a:bodyPr/>
+                    <a:lstStyle/>
+                    <a:p>
+                      <a:r>
+                        <a:rPr lang="en-US" sz="1600" b="0" dirty="0">
+                          <a:solidFill>
+                            <a:srgbClr val="00FF00"/>
+                          </a:solidFill>
+                        </a:rPr>
+                        <a:t>Helium (He]</a:t>
+                      </a:r>
+                    </a:p>
+                  </a:txBody>
+                  <a:tcPr/>
+                </a:tc>
+                <a:tc>
+                  <a:txBody>
+                    <a:bodyPr/>
+                    <a:lstStyle/>
+                    <a:p>
+                      <a:r>
+                        <a:rPr lang="en-US" sz="1600" b="0" dirty="0">
+                          <a:solidFill>
+                            <a:schemeClr val="bg1"/>
+                          </a:solidFill>
+                        </a:rPr>
+                        <a:t>1s</a:t>
+                      </a:r>
+                      <a:r>
+                        <a:rPr lang="en-US" sz="1600" b="0" baseline="30000" dirty="0">
+                          <a:solidFill>
+                            <a:schemeClr val="bg1"/>
+                          </a:solidFill>
+                        </a:rPr>
+                        <a:t>2</a:t>
+                      </a:r>
+                    </a:p>
+                  </a:txBody>
+                  <a:tcPr/>
+                </a:tc>
+                <a:tc>
+                  <a:txBody>
+                    <a:bodyPr/>
+                    <a:lstStyle/>
+                    <a:p>
+                      <a:pPr marL="0" marR="0" lvl="0" indent="0" algn="l" defTabSz="914400" rtl="0" eaLnBrk="1" fontAlgn="auto" latinLnBrk="0" hangingPunct="1">
+                        <a:lnSpc>
+                          <a:spcPct val="100000"/>
+                        </a:lnSpc>
+                        <a:spcBef>
+                          <a:spcPts val="0"/>
+                        </a:spcBef>
+                        <a:spcAft>
+                          <a:spcPts val="0"/>
+                        </a:spcAft>
+                        <a:buClrTx/>
+                        <a:buSzTx/>
+                        <a:buFontTx/>
+                        <a:buNone/>
+                        <a:tabLst/>
+                        <a:defRPr/>
+                      </a:pPr>
+                      <a:r>
+                        <a:rPr lang="en-US" sz="1600" b="0" dirty="0">
+                          <a:solidFill>
+                            <a:srgbClr val="00FF00"/>
+                          </a:solidFill>
+                        </a:rPr>
+                        <a:t>Copper (Cu)</a:t>
+                      </a:r>
+                    </a:p>
+                  </a:txBody>
+                  <a:tcPr/>
+                </a:tc>
+                <a:tc>
+                  <a:txBody>
+                    <a:bodyPr/>
+                    <a:lstStyle/>
+                    <a:p>
+                      <a:pPr marL="0" marR="0" lvl="0" indent="0" algn="l" defTabSz="914400" rtl="0" eaLnBrk="1" fontAlgn="auto" latinLnBrk="0" hangingPunct="1">
+                        <a:lnSpc>
+                          <a:spcPct val="100000"/>
+                        </a:lnSpc>
+                        <a:spcBef>
+                          <a:spcPts val="0"/>
+                        </a:spcBef>
+                        <a:spcAft>
+                          <a:spcPts val="0"/>
+                        </a:spcAft>
+                        <a:buClrTx/>
+                        <a:buSzTx/>
+                        <a:buFontTx/>
+                        <a:buNone/>
+                        <a:tabLst/>
+                        <a:defRPr/>
+                      </a:pPr>
+                      <a:r>
+                        <a:rPr lang="en-US" sz="1600" b="0" dirty="0">
+                          <a:solidFill>
+                            <a:schemeClr val="bg1"/>
+                          </a:solidFill>
+                        </a:rPr>
+                        <a:t>[</a:t>
+                      </a:r>
+                      <a:r>
+                        <a:rPr lang="en-US" sz="1600" b="0" dirty="0" err="1">
+                          <a:solidFill>
+                            <a:schemeClr val="bg1"/>
+                          </a:solidFill>
+                        </a:rPr>
+                        <a:t>Ar</a:t>
+                      </a:r>
+                      <a:r>
+                        <a:rPr lang="en-US" sz="1600" b="0" dirty="0">
+                          <a:solidFill>
+                            <a:schemeClr val="bg1"/>
+                          </a:solidFill>
+                        </a:rPr>
+                        <a:t>] 3d</a:t>
+                      </a:r>
+                      <a:r>
+                        <a:rPr lang="en-US" sz="1600" b="0" baseline="30000" dirty="0">
+                          <a:solidFill>
+                            <a:schemeClr val="bg1"/>
+                          </a:solidFill>
+                        </a:rPr>
+                        <a:t>10</a:t>
+                      </a:r>
+                      <a:r>
+                        <a:rPr lang="en-US" sz="1600" b="0" dirty="0">
+                          <a:solidFill>
+                            <a:schemeClr val="bg1"/>
+                          </a:solidFill>
+                        </a:rPr>
+                        <a:t>4s</a:t>
+                      </a:r>
+                      <a:r>
+                        <a:rPr lang="en-US" sz="1600" b="0" baseline="30000" dirty="0">
+                          <a:solidFill>
+                            <a:schemeClr val="bg1"/>
+                          </a:solidFill>
+                        </a:rPr>
+                        <a:t>1</a:t>
+                      </a:r>
+                      <a:endParaRPr lang="en-US" sz="1600" b="0" dirty="0">
+                        <a:solidFill>
+                          <a:schemeClr val="bg1"/>
+                        </a:solidFill>
+                      </a:endParaRPr>
+                    </a:p>
+                  </a:txBody>
+                  <a:tcPr/>
+                </a:tc>
+                <a:extLst>
+                  <a:ext uri="{0D108BD9-81ED-4DB2-BD59-A6C34878D82A}">
+                    <a16:rowId xmlns:a16="http://schemas.microsoft.com/office/drawing/2014/main" val="2496041364"/>
+                  </a:ext>
+                </a:extLst>
+              </a:tr>
+              <a:tr h="286357">
+                <a:tc>
+                  <a:txBody>
+                    <a:bodyPr/>
+                    <a:lstStyle/>
+                    <a:p>
+                      <a:r>
+                        <a:rPr lang="en-US" sz="1600" b="0" dirty="0">
+                          <a:solidFill>
+                            <a:srgbClr val="00FF00"/>
+                          </a:solidFill>
+                        </a:rPr>
+                        <a:t>Lithium (Li)</a:t>
+                      </a:r>
+                    </a:p>
+                  </a:txBody>
+                  <a:tcPr/>
+                </a:tc>
+                <a:tc>
+                  <a:txBody>
+                    <a:bodyPr/>
+                    <a:lstStyle/>
+                    <a:p>
+                      <a:pPr marL="0" marR="0" lvl="0" indent="0" algn="l" defTabSz="914400" rtl="0" eaLnBrk="1" fontAlgn="auto" latinLnBrk="0" hangingPunct="1">
+                        <a:lnSpc>
+                          <a:spcPct val="100000"/>
+                        </a:lnSpc>
+                        <a:spcBef>
+                          <a:spcPts val="0"/>
+                        </a:spcBef>
+                        <a:spcAft>
+                          <a:spcPts val="0"/>
+                        </a:spcAft>
+                        <a:buClrTx/>
+                        <a:buSzTx/>
+                        <a:buFontTx/>
+                        <a:buNone/>
+                        <a:tabLst/>
+                        <a:defRPr/>
+                      </a:pPr>
+                      <a:r>
+                        <a:rPr lang="en-US" sz="1600" b="0" dirty="0">
+                          <a:solidFill>
+                            <a:schemeClr val="bg1"/>
+                          </a:solidFill>
+                        </a:rPr>
+                        <a:t>[He]2s</a:t>
+                      </a:r>
+                      <a:r>
+                        <a:rPr lang="en-US" sz="1600" b="0" baseline="30000" dirty="0">
+                          <a:solidFill>
+                            <a:schemeClr val="bg1"/>
+                          </a:solidFill>
+                        </a:rPr>
+                        <a:t>1</a:t>
+                      </a:r>
+                    </a:p>
+                  </a:txBody>
+                  <a:tcPr/>
+                </a:tc>
+                <a:tc>
+                  <a:txBody>
+                    <a:bodyPr/>
+                    <a:lstStyle/>
+                    <a:p>
+                      <a:pPr marL="0" marR="0" lvl="0" indent="0" algn="l" defTabSz="914400" rtl="0" eaLnBrk="1" fontAlgn="auto" latinLnBrk="0" hangingPunct="1">
+                        <a:lnSpc>
+                          <a:spcPct val="100000"/>
+                        </a:lnSpc>
+                        <a:spcBef>
+                          <a:spcPts val="0"/>
+                        </a:spcBef>
+                        <a:spcAft>
+                          <a:spcPts val="0"/>
+                        </a:spcAft>
+                        <a:buClrTx/>
+                        <a:buSzTx/>
+                        <a:buFontTx/>
+                        <a:buNone/>
+                        <a:tabLst/>
+                        <a:defRPr/>
+                      </a:pPr>
+                      <a:r>
+                        <a:rPr lang="en-US" sz="1600" b="0" dirty="0">
+                          <a:solidFill>
+                            <a:srgbClr val="00FF00"/>
+                          </a:solidFill>
+                        </a:rPr>
+                        <a:t>Zinc (Zn)</a:t>
+                      </a:r>
+                      <a:endParaRPr lang="en-US" sz="1600" b="0" baseline="30000" dirty="0">
+                        <a:solidFill>
+                          <a:schemeClr val="bg1"/>
+                        </a:solidFill>
+                      </a:endParaRPr>
+                    </a:p>
+                  </a:txBody>
+                  <a:tcPr/>
+                </a:tc>
+                <a:tc>
+                  <a:txBody>
+                    <a:bodyPr/>
+                    <a:lstStyle/>
+                    <a:p>
+                      <a:pPr marL="0" marR="0" lvl="0" indent="0" algn="l" defTabSz="914400" rtl="0" eaLnBrk="1" fontAlgn="auto" latinLnBrk="0" hangingPunct="1">
+                        <a:lnSpc>
+                          <a:spcPct val="100000"/>
+                        </a:lnSpc>
+                        <a:spcBef>
+                          <a:spcPts val="0"/>
+                        </a:spcBef>
+                        <a:spcAft>
+                          <a:spcPts val="0"/>
+                        </a:spcAft>
+                        <a:buClrTx/>
+                        <a:buSzTx/>
+                        <a:buFontTx/>
+                        <a:buNone/>
+                        <a:tabLst/>
+                        <a:defRPr/>
+                      </a:pPr>
+                      <a:r>
+                        <a:rPr lang="en-US" sz="1600" b="0" dirty="0">
+                          <a:solidFill>
+                            <a:schemeClr val="bg1"/>
+                          </a:solidFill>
+                        </a:rPr>
+                        <a:t>[</a:t>
+                      </a:r>
+                      <a:r>
+                        <a:rPr lang="en-US" sz="1600" b="0" dirty="0" err="1">
+                          <a:solidFill>
+                            <a:schemeClr val="bg1"/>
+                          </a:solidFill>
+                        </a:rPr>
+                        <a:t>Ar</a:t>
+                      </a:r>
+                      <a:r>
+                        <a:rPr lang="en-US" sz="1600" b="0" dirty="0">
+                          <a:solidFill>
+                            <a:schemeClr val="bg1"/>
+                          </a:solidFill>
+                        </a:rPr>
+                        <a:t>]4s</a:t>
+                      </a:r>
+                      <a:r>
+                        <a:rPr lang="en-US" sz="1600" b="0" baseline="30000" dirty="0">
+                          <a:solidFill>
+                            <a:schemeClr val="bg1"/>
+                          </a:solidFill>
+                        </a:rPr>
+                        <a:t>2</a:t>
+                      </a:r>
+                      <a:r>
+                        <a:rPr lang="en-US" sz="1600" b="0" dirty="0">
+                          <a:solidFill>
+                            <a:schemeClr val="bg1"/>
+                          </a:solidFill>
+                        </a:rPr>
+                        <a:t>3d</a:t>
+                      </a:r>
+                      <a:r>
+                        <a:rPr lang="en-US" sz="1600" b="0" baseline="30000" dirty="0">
+                          <a:solidFill>
+                            <a:schemeClr val="bg1"/>
+                          </a:solidFill>
+                        </a:rPr>
+                        <a:t>10</a:t>
+                      </a:r>
+                      <a:endParaRPr lang="en-US" sz="1600" b="0" dirty="0">
+                        <a:solidFill>
+                          <a:schemeClr val="bg1"/>
+                        </a:solidFill>
+                      </a:endParaRPr>
+                    </a:p>
+                  </a:txBody>
+                  <a:tcPr/>
+                </a:tc>
+                <a:extLst>
+                  <a:ext uri="{0D108BD9-81ED-4DB2-BD59-A6C34878D82A}">
+                    <a16:rowId xmlns:a16="http://schemas.microsoft.com/office/drawing/2014/main" val="905602069"/>
+                  </a:ext>
+                </a:extLst>
+              </a:tr>
+              <a:tr h="286357">
+                <a:tc>
+                  <a:txBody>
+                    <a:bodyPr/>
+                    <a:lstStyle/>
+                    <a:p>
+                      <a:r>
+                        <a:rPr lang="en-US" sz="1600" b="0" dirty="0">
+                          <a:solidFill>
+                            <a:srgbClr val="00FF00"/>
+                          </a:solidFill>
+                        </a:rPr>
+                        <a:t>Boron (B)</a:t>
+                      </a:r>
+                    </a:p>
+                  </a:txBody>
+                  <a:tcPr/>
+                </a:tc>
+                <a:tc>
+                  <a:txBody>
+                    <a:bodyPr/>
+                    <a:lstStyle/>
+                    <a:p>
+                      <a:r>
+                        <a:rPr lang="en-US" sz="1600" dirty="0">
+                          <a:solidFill>
+                            <a:schemeClr val="bg1"/>
+                          </a:solidFill>
+                        </a:rPr>
+                        <a:t>[He]2s</a:t>
+                      </a:r>
+                      <a:r>
+                        <a:rPr lang="en-US" sz="1600" baseline="30000" dirty="0">
+                          <a:solidFill>
+                            <a:schemeClr val="bg1"/>
+                          </a:solidFill>
+                        </a:rPr>
+                        <a:t>2</a:t>
+                      </a:r>
+                      <a:r>
+                        <a:rPr lang="en-US" sz="1600" dirty="0">
+                          <a:solidFill>
+                            <a:schemeClr val="bg1"/>
+                          </a:solidFill>
+                        </a:rPr>
+                        <a:t>2p</a:t>
+                      </a:r>
+                      <a:r>
+                        <a:rPr lang="en-US" sz="1600" baseline="30000" dirty="0">
+                          <a:solidFill>
+                            <a:schemeClr val="bg1"/>
+                          </a:solidFill>
+                        </a:rPr>
+                        <a:t>1</a:t>
+                      </a:r>
+                    </a:p>
+                  </a:txBody>
+                  <a:tcPr/>
+                </a:tc>
+                <a:tc>
+                  <a:txBody>
+                    <a:bodyPr/>
+                    <a:lstStyle/>
+                    <a:p>
+                      <a:pPr marL="0" marR="0" lvl="0" indent="0" algn="l" defTabSz="914400" rtl="0" eaLnBrk="1" fontAlgn="auto" latinLnBrk="0" hangingPunct="1">
+                        <a:lnSpc>
+                          <a:spcPct val="100000"/>
+                        </a:lnSpc>
+                        <a:spcBef>
+                          <a:spcPts val="0"/>
+                        </a:spcBef>
+                        <a:spcAft>
+                          <a:spcPts val="0"/>
+                        </a:spcAft>
+                        <a:buClrTx/>
+                        <a:buSzTx/>
+                        <a:buFontTx/>
+                        <a:buNone/>
+                        <a:tabLst/>
+                        <a:defRPr/>
+                      </a:pPr>
+                      <a:r>
+                        <a:rPr lang="en-US" sz="1600" b="0" dirty="0">
+                          <a:solidFill>
+                            <a:srgbClr val="00FF00"/>
+                          </a:solidFill>
+                        </a:rPr>
+                        <a:t>Silver (Ag)</a:t>
+                      </a:r>
+                      <a:endParaRPr lang="en-US" sz="1600" baseline="30000" dirty="0">
+                        <a:solidFill>
+                          <a:schemeClr val="bg1"/>
+                        </a:solidFill>
+                      </a:endParaRPr>
+                    </a:p>
+                  </a:txBody>
+                  <a:tcPr/>
+                </a:tc>
+                <a:tc>
+                  <a:txBody>
+                    <a:bodyPr/>
+                    <a:lstStyle/>
+                    <a:p>
+                      <a:r>
+                        <a:rPr lang="en-US" sz="1600" b="0" dirty="0">
+                          <a:solidFill>
+                            <a:schemeClr val="bg1"/>
+                          </a:solidFill>
+                        </a:rPr>
+                        <a:t>[Kr]5s</a:t>
+                      </a:r>
+                      <a:r>
+                        <a:rPr lang="en-US" sz="1600" b="0" baseline="30000" dirty="0">
+                          <a:solidFill>
+                            <a:schemeClr val="bg1"/>
+                          </a:solidFill>
+                        </a:rPr>
+                        <a:t>1</a:t>
+                      </a:r>
+                      <a:r>
+                        <a:rPr lang="en-US" sz="1600" b="0" dirty="0">
+                          <a:solidFill>
+                            <a:schemeClr val="bg1"/>
+                          </a:solidFill>
+                        </a:rPr>
+                        <a:t>4d</a:t>
+                      </a:r>
+                      <a:r>
+                        <a:rPr lang="en-US" sz="1600" b="0" baseline="30000" dirty="0">
+                          <a:solidFill>
+                            <a:schemeClr val="bg1"/>
+                          </a:solidFill>
+                        </a:rPr>
+                        <a:t>10</a:t>
+                      </a:r>
+                      <a:endParaRPr lang="en-US" sz="1600" baseline="30000" dirty="0">
+                        <a:solidFill>
+                          <a:schemeClr val="bg1"/>
+                        </a:solidFill>
+                      </a:endParaRPr>
+                    </a:p>
+                  </a:txBody>
+                  <a:tcPr/>
+                </a:tc>
+                <a:extLst>
+                  <a:ext uri="{0D108BD9-81ED-4DB2-BD59-A6C34878D82A}">
+                    <a16:rowId xmlns:a16="http://schemas.microsoft.com/office/drawing/2014/main" val="1105172967"/>
+                  </a:ext>
+                </a:extLst>
+              </a:tr>
+              <a:tr h="286357">
+                <a:tc>
+                  <a:txBody>
+                    <a:bodyPr/>
+                    <a:lstStyle/>
+                    <a:p>
+                      <a:r>
+                        <a:rPr lang="en-US" sz="1600" b="0" dirty="0">
+                          <a:solidFill>
+                            <a:srgbClr val="00FF00"/>
+                          </a:solidFill>
+                        </a:rPr>
+                        <a:t>Carbon (C)</a:t>
+                      </a:r>
+                    </a:p>
+                  </a:txBody>
+                  <a:tcPr/>
+                </a:tc>
+                <a:tc>
+                  <a:txBody>
+                    <a:bodyPr/>
+                    <a:lstStyle/>
+                    <a:p>
+                      <a:r>
+                        <a:rPr lang="en-US" sz="1600" dirty="0">
+                          <a:solidFill>
+                            <a:schemeClr val="bg1"/>
+                          </a:solidFill>
+                        </a:rPr>
+                        <a:t>[He]2s</a:t>
+                      </a:r>
+                      <a:r>
+                        <a:rPr lang="en-US" sz="1600" baseline="30000" dirty="0">
+                          <a:solidFill>
+                            <a:schemeClr val="bg1"/>
+                          </a:solidFill>
+                        </a:rPr>
+                        <a:t>2</a:t>
+                      </a:r>
+                      <a:r>
+                        <a:rPr lang="en-US" sz="1600" dirty="0">
+                          <a:solidFill>
+                            <a:schemeClr val="bg1"/>
+                          </a:solidFill>
+                        </a:rPr>
+                        <a:t>2p</a:t>
+                      </a:r>
+                      <a:r>
+                        <a:rPr lang="en-US" sz="1600" baseline="30000" dirty="0">
+                          <a:solidFill>
+                            <a:schemeClr val="bg1"/>
+                          </a:solidFill>
+                        </a:rPr>
+                        <a:t>3</a:t>
+                      </a:r>
+                      <a:endParaRPr lang="en-US" sz="1600" dirty="0">
+                        <a:solidFill>
+                          <a:schemeClr val="bg1"/>
+                        </a:solidFill>
+                      </a:endParaRPr>
+                    </a:p>
+                  </a:txBody>
+                  <a:tcPr/>
+                </a:tc>
+                <a:tc>
+                  <a:txBody>
+                    <a:bodyPr/>
+                    <a:lstStyle/>
+                    <a:p>
+                      <a:pPr marL="0" marR="0" lvl="0" indent="0" algn="l" defTabSz="914400" rtl="0" eaLnBrk="1" fontAlgn="auto" latinLnBrk="0" hangingPunct="1">
+                        <a:lnSpc>
+                          <a:spcPct val="100000"/>
+                        </a:lnSpc>
+                        <a:spcBef>
+                          <a:spcPts val="0"/>
+                        </a:spcBef>
+                        <a:spcAft>
+                          <a:spcPts val="0"/>
+                        </a:spcAft>
+                        <a:buClrTx/>
+                        <a:buSzTx/>
+                        <a:buFontTx/>
+                        <a:buNone/>
+                        <a:tabLst/>
+                        <a:defRPr/>
+                      </a:pPr>
+                      <a:r>
+                        <a:rPr lang="en-US" sz="1600" b="0" dirty="0">
+                          <a:solidFill>
+                            <a:srgbClr val="00FF00"/>
+                          </a:solidFill>
+                        </a:rPr>
+                        <a:t>Platinum (Pt)</a:t>
+                      </a:r>
+                      <a:endParaRPr lang="en-US" sz="1600" dirty="0">
+                        <a:solidFill>
+                          <a:schemeClr val="bg1"/>
+                        </a:solidFill>
+                      </a:endParaRPr>
+                    </a:p>
+                  </a:txBody>
+                  <a:tcPr/>
+                </a:tc>
+                <a:tc>
+                  <a:txBody>
+                    <a:bodyPr/>
+                    <a:lstStyle/>
+                    <a:p>
+                      <a:pPr marL="0" marR="0" lvl="0" indent="0" algn="l" defTabSz="914400" rtl="0" eaLnBrk="1" fontAlgn="auto" latinLnBrk="0" hangingPunct="1">
+                        <a:lnSpc>
+                          <a:spcPct val="100000"/>
+                        </a:lnSpc>
+                        <a:spcBef>
+                          <a:spcPts val="0"/>
+                        </a:spcBef>
+                        <a:spcAft>
+                          <a:spcPts val="0"/>
+                        </a:spcAft>
+                        <a:buClrTx/>
+                        <a:buSzTx/>
+                        <a:buFontTx/>
+                        <a:buNone/>
+                        <a:tabLst/>
+                        <a:defRPr/>
+                      </a:pPr>
+                      <a:r>
+                        <a:rPr lang="en-US" sz="1600" b="0" dirty="0">
+                          <a:solidFill>
+                            <a:schemeClr val="bg1"/>
+                          </a:solidFill>
+                        </a:rPr>
+                        <a:t>[Xe]4f</a:t>
+                      </a:r>
+                      <a:r>
+                        <a:rPr lang="en-US" sz="1600" b="0" baseline="30000" dirty="0">
+                          <a:solidFill>
+                            <a:schemeClr val="bg1"/>
+                          </a:solidFill>
+                        </a:rPr>
+                        <a:t>14</a:t>
+                      </a:r>
+                      <a:r>
+                        <a:rPr lang="en-US" sz="1600" b="0" dirty="0">
+                          <a:solidFill>
+                            <a:schemeClr val="bg1"/>
+                          </a:solidFill>
+                        </a:rPr>
+                        <a:t>5d</a:t>
+                      </a:r>
+                      <a:r>
+                        <a:rPr lang="en-US" sz="1600" b="0" baseline="30000" dirty="0">
+                          <a:solidFill>
+                            <a:schemeClr val="bg1"/>
+                          </a:solidFill>
+                        </a:rPr>
+                        <a:t>9</a:t>
+                      </a:r>
+                      <a:r>
+                        <a:rPr lang="en-US" sz="1600" b="0" dirty="0">
+                          <a:solidFill>
+                            <a:schemeClr val="bg1"/>
+                          </a:solidFill>
+                        </a:rPr>
+                        <a:t>6s</a:t>
+                      </a:r>
+                      <a:r>
+                        <a:rPr lang="en-US" sz="1600" b="0" baseline="30000" dirty="0">
+                          <a:solidFill>
+                            <a:schemeClr val="bg1"/>
+                          </a:solidFill>
+                        </a:rPr>
+                        <a:t>1</a:t>
+                      </a:r>
+                      <a:endParaRPr lang="en-US" sz="1600" baseline="30000" dirty="0">
+                        <a:solidFill>
+                          <a:schemeClr val="bg1"/>
+                        </a:solidFill>
+                      </a:endParaRPr>
+                    </a:p>
+                  </a:txBody>
+                  <a:tcPr/>
+                </a:tc>
+                <a:extLst>
+                  <a:ext uri="{0D108BD9-81ED-4DB2-BD59-A6C34878D82A}">
+                    <a16:rowId xmlns:a16="http://schemas.microsoft.com/office/drawing/2014/main" val="3880807697"/>
+                  </a:ext>
+                </a:extLst>
+              </a:tr>
+              <a:tr h="286357">
+                <a:tc>
+                  <a:txBody>
+                    <a:bodyPr/>
+                    <a:lstStyle/>
+                    <a:p>
+                      <a:r>
+                        <a:rPr lang="en-US" sz="1600" b="0" dirty="0">
+                          <a:solidFill>
+                            <a:srgbClr val="00FF00"/>
+                          </a:solidFill>
+                        </a:rPr>
+                        <a:t>Sodium (Na)</a:t>
+                      </a:r>
+                    </a:p>
+                  </a:txBody>
+                  <a:tcPr/>
+                </a:tc>
+                <a:tc>
+                  <a:txBody>
+                    <a:bodyPr/>
+                    <a:lstStyle/>
+                    <a:p>
+                      <a:r>
+                        <a:rPr lang="en-US" sz="1600" dirty="0">
+                          <a:solidFill>
+                            <a:schemeClr val="bg1"/>
+                          </a:solidFill>
+                        </a:rPr>
+                        <a:t>[Ne]3s</a:t>
+                      </a:r>
+                      <a:r>
+                        <a:rPr lang="en-US" sz="1600" baseline="30000" dirty="0">
+                          <a:solidFill>
+                            <a:schemeClr val="bg1"/>
+                          </a:solidFill>
+                        </a:rPr>
+                        <a:t>1</a:t>
+                      </a:r>
+                      <a:endParaRPr lang="en-US" sz="1600" dirty="0">
+                        <a:solidFill>
+                          <a:schemeClr val="bg1"/>
+                        </a:solidFill>
+                      </a:endParaRPr>
+                    </a:p>
+                  </a:txBody>
+                  <a:tcPr/>
+                </a:tc>
+                <a:tc>
+                  <a:txBody>
+                    <a:bodyPr/>
+                    <a:lstStyle/>
+                    <a:p>
+                      <a:pPr marL="0" marR="0" lvl="0" indent="0" algn="l" defTabSz="914400" rtl="0" eaLnBrk="1" fontAlgn="auto" latinLnBrk="0" hangingPunct="1">
+                        <a:lnSpc>
+                          <a:spcPct val="100000"/>
+                        </a:lnSpc>
+                        <a:spcBef>
+                          <a:spcPts val="0"/>
+                        </a:spcBef>
+                        <a:spcAft>
+                          <a:spcPts val="0"/>
+                        </a:spcAft>
+                        <a:buClrTx/>
+                        <a:buSzTx/>
+                        <a:buFontTx/>
+                        <a:buNone/>
+                        <a:tabLst/>
+                        <a:defRPr/>
+                      </a:pPr>
+                      <a:r>
+                        <a:rPr lang="en-US" sz="1600" b="0" dirty="0">
+                          <a:solidFill>
+                            <a:srgbClr val="00FF00"/>
+                          </a:solidFill>
+                        </a:rPr>
+                        <a:t>Gold (Au)</a:t>
+                      </a:r>
+                      <a:endParaRPr lang="en-US" sz="1600" dirty="0">
+                        <a:solidFill>
+                          <a:schemeClr val="bg1"/>
+                        </a:solidFill>
+                      </a:endParaRPr>
+                    </a:p>
+                  </a:txBody>
+                  <a:tcPr/>
+                </a:tc>
+                <a:tc>
+                  <a:txBody>
+                    <a:bodyPr/>
+                    <a:lstStyle/>
+                    <a:p>
+                      <a:pPr marL="0" marR="0" lvl="0" indent="0" algn="l" defTabSz="914400" rtl="0" eaLnBrk="1" fontAlgn="auto" latinLnBrk="0" hangingPunct="1">
+                        <a:lnSpc>
+                          <a:spcPct val="100000"/>
+                        </a:lnSpc>
+                        <a:spcBef>
+                          <a:spcPts val="0"/>
+                        </a:spcBef>
+                        <a:spcAft>
+                          <a:spcPts val="0"/>
+                        </a:spcAft>
+                        <a:buClrTx/>
+                        <a:buSzTx/>
+                        <a:buFontTx/>
+                        <a:buNone/>
+                        <a:tabLst/>
+                        <a:defRPr/>
+                      </a:pPr>
+                      <a:r>
+                        <a:rPr lang="en-US" sz="1600" b="0" dirty="0">
+                          <a:solidFill>
+                            <a:schemeClr val="bg1"/>
+                          </a:solidFill>
+                        </a:rPr>
+                        <a:t>[Xe] 4f</a:t>
+                      </a:r>
+                      <a:r>
+                        <a:rPr lang="en-US" sz="1600" b="0" baseline="30000" dirty="0">
+                          <a:solidFill>
+                            <a:schemeClr val="bg1"/>
+                          </a:solidFill>
+                        </a:rPr>
+                        <a:t>14</a:t>
+                      </a:r>
+                      <a:r>
+                        <a:rPr lang="en-US" sz="1600" b="0" dirty="0">
+                          <a:solidFill>
+                            <a:schemeClr val="bg1"/>
+                          </a:solidFill>
+                        </a:rPr>
+                        <a:t>5d</a:t>
+                      </a:r>
+                      <a:r>
+                        <a:rPr lang="en-US" sz="1600" b="0" baseline="30000" dirty="0">
+                          <a:solidFill>
+                            <a:schemeClr val="bg1"/>
+                          </a:solidFill>
+                        </a:rPr>
+                        <a:t>10</a:t>
+                      </a:r>
+                      <a:r>
+                        <a:rPr lang="en-US" sz="1600" b="0" dirty="0">
+                          <a:solidFill>
+                            <a:schemeClr val="bg1"/>
+                          </a:solidFill>
+                        </a:rPr>
+                        <a:t>6s</a:t>
+                      </a:r>
+                      <a:r>
+                        <a:rPr lang="en-US" sz="1600" b="0" baseline="30000" dirty="0">
+                          <a:solidFill>
+                            <a:schemeClr val="bg1"/>
+                          </a:solidFill>
+                        </a:rPr>
+                        <a:t>1</a:t>
+                      </a:r>
+                      <a:endParaRPr lang="en-US" sz="1600" baseline="30000" dirty="0">
+                        <a:solidFill>
+                          <a:schemeClr val="bg1"/>
+                        </a:solidFill>
+                      </a:endParaRPr>
+                    </a:p>
+                  </a:txBody>
+                  <a:tcPr/>
+                </a:tc>
+                <a:extLst>
+                  <a:ext uri="{0D108BD9-81ED-4DB2-BD59-A6C34878D82A}">
+                    <a16:rowId xmlns:a16="http://schemas.microsoft.com/office/drawing/2014/main" val="1777641282"/>
+                  </a:ext>
+                </a:extLst>
+              </a:tr>
+              <a:tr h="286357">
+                <a:tc>
+                  <a:txBody>
+                    <a:bodyPr/>
+                    <a:lstStyle/>
+                    <a:p>
+                      <a:r>
+                        <a:rPr lang="en-US" sz="1600" b="0" dirty="0">
+                          <a:solidFill>
+                            <a:srgbClr val="00FF00"/>
+                          </a:solidFill>
+                        </a:rPr>
+                        <a:t>Magnesium (Mg)</a:t>
+                      </a:r>
+                    </a:p>
+                  </a:txBody>
+                  <a:tcPr/>
+                </a:tc>
+                <a:tc>
+                  <a:txBody>
+                    <a:bodyPr/>
+                    <a:lstStyle/>
+                    <a:p>
+                      <a:r>
+                        <a:rPr lang="en-US" sz="1600" dirty="0">
+                          <a:solidFill>
+                            <a:schemeClr val="bg1"/>
+                          </a:solidFill>
+                        </a:rPr>
+                        <a:t>[Ne]3s</a:t>
+                      </a:r>
+                      <a:r>
+                        <a:rPr lang="en-US" sz="1600" baseline="30000" dirty="0">
+                          <a:solidFill>
+                            <a:schemeClr val="bg1"/>
+                          </a:solidFill>
+                        </a:rPr>
+                        <a:t>2</a:t>
+                      </a:r>
+                      <a:endParaRPr lang="en-US" sz="1600" dirty="0">
+                        <a:solidFill>
+                          <a:schemeClr val="bg1"/>
+                        </a:solidFill>
+                      </a:endParaRPr>
+                    </a:p>
+                  </a:txBody>
+                  <a:tcPr/>
+                </a:tc>
+                <a:tc>
+                  <a:txBody>
+                    <a:bodyPr/>
+                    <a:lstStyle/>
+                    <a:p>
+                      <a:pPr marL="0" marR="0" lvl="0" indent="0" algn="l" defTabSz="914400" rtl="0" eaLnBrk="1" fontAlgn="auto" latinLnBrk="0" hangingPunct="1">
+                        <a:lnSpc>
+                          <a:spcPct val="100000"/>
+                        </a:lnSpc>
+                        <a:spcBef>
+                          <a:spcPts val="0"/>
+                        </a:spcBef>
+                        <a:spcAft>
+                          <a:spcPts val="0"/>
+                        </a:spcAft>
+                        <a:buClrTx/>
+                        <a:buSzTx/>
+                        <a:buFontTx/>
+                        <a:buNone/>
+                        <a:tabLst/>
+                        <a:defRPr/>
+                      </a:pPr>
+                      <a:r>
+                        <a:rPr lang="en-US" sz="1600" b="0" dirty="0">
+                          <a:solidFill>
+                            <a:srgbClr val="00FF00"/>
+                          </a:solidFill>
+                        </a:rPr>
+                        <a:t>Mercury (Hg)</a:t>
+                      </a:r>
+                      <a:endParaRPr lang="en-US" sz="1600" dirty="0">
+                        <a:solidFill>
+                          <a:schemeClr val="bg1"/>
+                        </a:solidFill>
+                      </a:endParaRPr>
+                    </a:p>
+                  </a:txBody>
+                  <a:tcPr/>
+                </a:tc>
+                <a:tc>
+                  <a:txBody>
+                    <a:bodyPr/>
+                    <a:lstStyle/>
+                    <a:p>
+                      <a:pPr marL="0" marR="0" lvl="0" indent="0" algn="l" defTabSz="914400" rtl="0" eaLnBrk="1" fontAlgn="auto" latinLnBrk="0" hangingPunct="1">
+                        <a:lnSpc>
+                          <a:spcPct val="100000"/>
+                        </a:lnSpc>
+                        <a:spcBef>
+                          <a:spcPts val="0"/>
+                        </a:spcBef>
+                        <a:spcAft>
+                          <a:spcPts val="0"/>
+                        </a:spcAft>
+                        <a:buClrTx/>
+                        <a:buSzTx/>
+                        <a:buFontTx/>
+                        <a:buNone/>
+                        <a:tabLst/>
+                        <a:defRPr/>
+                      </a:pPr>
+                      <a:r>
+                        <a:rPr lang="en-US" sz="1600" b="0" dirty="0">
+                          <a:solidFill>
+                            <a:schemeClr val="bg1"/>
+                          </a:solidFill>
+                        </a:rPr>
+                        <a:t>[Xe] 4f</a:t>
+                      </a:r>
+                      <a:r>
+                        <a:rPr lang="en-US" sz="1600" b="0" baseline="30000" dirty="0">
+                          <a:solidFill>
+                            <a:schemeClr val="bg1"/>
+                          </a:solidFill>
+                        </a:rPr>
+                        <a:t>14</a:t>
+                      </a:r>
+                      <a:r>
+                        <a:rPr lang="en-US" sz="1600" b="0" dirty="0">
+                          <a:solidFill>
+                            <a:schemeClr val="bg1"/>
+                          </a:solidFill>
+                        </a:rPr>
+                        <a:t>5d</a:t>
+                      </a:r>
+                      <a:r>
+                        <a:rPr lang="en-US" sz="1600" b="0" baseline="30000" dirty="0">
+                          <a:solidFill>
+                            <a:schemeClr val="bg1"/>
+                          </a:solidFill>
+                        </a:rPr>
+                        <a:t>9</a:t>
+                      </a:r>
+                      <a:r>
+                        <a:rPr lang="en-US" sz="1600" b="0" dirty="0">
+                          <a:solidFill>
+                            <a:schemeClr val="bg1"/>
+                          </a:solidFill>
+                        </a:rPr>
+                        <a:t>6s</a:t>
+                      </a:r>
+                      <a:r>
+                        <a:rPr lang="en-US" sz="1600" b="0" baseline="30000" dirty="0">
+                          <a:solidFill>
+                            <a:schemeClr val="bg1"/>
+                          </a:solidFill>
+                        </a:rPr>
+                        <a:t>1</a:t>
+                      </a:r>
+                      <a:endParaRPr lang="en-US" sz="1600" baseline="30000" dirty="0">
+                        <a:solidFill>
+                          <a:schemeClr val="bg1"/>
+                        </a:solidFill>
+                      </a:endParaRPr>
+                    </a:p>
+                  </a:txBody>
+                  <a:tcPr/>
+                </a:tc>
+                <a:extLst>
+                  <a:ext uri="{0D108BD9-81ED-4DB2-BD59-A6C34878D82A}">
+                    <a16:rowId xmlns:a16="http://schemas.microsoft.com/office/drawing/2014/main" val="1178062730"/>
+                  </a:ext>
+                </a:extLst>
+              </a:tr>
+            </a:tbl>
+          </a:graphicData>
+        </a:graphic>
+      </p:graphicFrame>
+    </p:spTree>
+    <p:extLst>
+      <p:ext uri="{BB962C8B-B14F-4D97-AF65-F5344CB8AC3E}">
+        <p14:creationId xmlns:p14="http://schemas.microsoft.com/office/powerpoint/2010/main" val="3386833931"/>
+      </p:ext>
+    </p:extLst>
+  </p:cSld>
+  <p:clrMapOvr>
+    <a:masterClrMapping/>
+  </p:clrMapOvr>
+</p:sld>
+</file>
+
+<file path=ppt/slides/slide31.xml><?xml version="1.0" encoding="utf-8"?>
+<p:sld xmlns:a="http://schemas.openxmlformats.org/drawingml/2006/main" xmlns:r="http://schemas.openxmlformats.org/officeDocument/2006/relationships" xmlns:p="http://schemas.openxmlformats.org/presentationml/2006/main">
+  <p:cSld>
+    <p:spTree>
+      <p:nvGrpSpPr>
+        <p:cNvPr id="1" name="">
+          <a:extLst>
+            <a:ext uri="{FF2B5EF4-FFF2-40B4-BE49-F238E27FC236}">
               <a16:creationId xmlns:a16="http://schemas.microsoft.com/office/drawing/2014/main" id="{512C4C91-E92F-48C7-D18F-F2CD93EC8C66}"/>
             </a:ext>
           </a:extLst>
@@ -20324,7 +23274,7 @@
             <a:fld id="{450AD36E-3ACA-4EBB-9678-E39944C078A2}" type="slidenum">
               <a:rPr lang="en-US" smtClean="0"/>
               <a:pPr/>
-              <a:t>30</a:t>
+              <a:t>31</a:t>
             </a:fld>
             <a:endParaRPr lang="en-US" dirty="0"/>
           </a:p>
@@ -20476,330 +23426,7 @@
 </p:sld>
 </file>
 
-<file path=ppt/slides/slide31.xml><?xml version="1.0" encoding="utf-8"?>
-<p:sld xmlns:a="http://schemas.openxmlformats.org/drawingml/2006/main" xmlns:r="http://schemas.openxmlformats.org/officeDocument/2006/relationships" xmlns:p="http://schemas.openxmlformats.org/presentationml/2006/main">
-  <p:cSld>
-    <p:spTree>
-      <p:nvGrpSpPr>
-        <p:cNvPr id="1" name=""/>
-        <p:cNvGrpSpPr/>
-        <p:nvPr/>
-      </p:nvGrpSpPr>
-      <p:grpSpPr>
-        <a:xfrm>
-          <a:off x="0" y="0"/>
-          <a:ext cx="0" cy="0"/>
-          <a:chOff x="0" y="0"/>
-          <a:chExt cx="0" cy="0"/>
-        </a:xfrm>
-      </p:grpSpPr>
-      <p:sp>
-        <p:nvSpPr>
-          <p:cNvPr id="2" name="Title 1">
-            <a:extLst>
-              <a:ext uri="{FF2B5EF4-FFF2-40B4-BE49-F238E27FC236}">
-                <a16:creationId xmlns:a16="http://schemas.microsoft.com/office/drawing/2014/main" id="{6D14B0F1-CBF1-161D-ACEF-7236D07938C1}"/>
-              </a:ext>
-            </a:extLst>
-          </p:cNvPr>
-          <p:cNvSpPr>
-            <a:spLocks noGrp="1"/>
-          </p:cNvSpPr>
-          <p:nvPr>
-            <p:ph type="title"/>
-          </p:nvPr>
-        </p:nvSpPr>
-        <p:spPr>
-          <a:xfrm>
-            <a:off x="349955" y="486898"/>
-            <a:ext cx="8421512" cy="584775"/>
-          </a:xfrm>
-        </p:spPr>
-        <p:txBody>
-          <a:bodyPr/>
-          <a:lstStyle/>
-          <a:p>
-            <a:r>
-              <a:rPr lang="en-US" sz="3200" dirty="0"/>
-              <a:t>Electron Configurations and Periodic Table</a:t>
-            </a:r>
-            <a:endParaRPr lang="en-US" dirty="0"/>
-          </a:p>
-        </p:txBody>
-      </p:sp>
-      <p:sp>
-        <p:nvSpPr>
-          <p:cNvPr id="3" name="Content Placeholder 2">
-            <a:extLst>
-              <a:ext uri="{FF2B5EF4-FFF2-40B4-BE49-F238E27FC236}">
-                <a16:creationId xmlns:a16="http://schemas.microsoft.com/office/drawing/2014/main" id="{73CA2C7C-E607-F9DB-1C1D-A0937678F1FE}"/>
-              </a:ext>
-            </a:extLst>
-          </p:cNvPr>
-          <p:cNvSpPr>
-            <a:spLocks noGrp="1"/>
-          </p:cNvSpPr>
-          <p:nvPr>
-            <p:ph idx="1"/>
-          </p:nvPr>
-        </p:nvSpPr>
-        <p:spPr/>
-        <p:txBody>
-          <a:bodyPr/>
-          <a:lstStyle/>
-          <a:p>
-            <a:endParaRPr lang="en-US"/>
-          </a:p>
-        </p:txBody>
-      </p:sp>
-      <p:sp>
-        <p:nvSpPr>
-          <p:cNvPr id="4" name="Slide Number Placeholder 3">
-            <a:extLst>
-              <a:ext uri="{FF2B5EF4-FFF2-40B4-BE49-F238E27FC236}">
-                <a16:creationId xmlns:a16="http://schemas.microsoft.com/office/drawing/2014/main" id="{DBC9E2A4-A6E7-46E3-3B66-73FE219C581B}"/>
-              </a:ext>
-            </a:extLst>
-          </p:cNvPr>
-          <p:cNvSpPr>
-            <a:spLocks noGrp="1"/>
-          </p:cNvSpPr>
-          <p:nvPr>
-            <p:ph type="sldNum" sz="quarter" idx="11"/>
-          </p:nvPr>
-        </p:nvSpPr>
-        <p:spPr/>
-        <p:txBody>
-          <a:bodyPr/>
-          <a:lstStyle/>
-          <a:p>
-            <a:fld id="{450AD36E-3ACA-4EBB-9678-E39944C078A2}" type="slidenum">
-              <a:rPr lang="en-US" smtClean="0"/>
-              <a:pPr/>
-              <a:t>31</a:t>
-            </a:fld>
-            <a:endParaRPr lang="en-US" dirty="0"/>
-          </a:p>
-        </p:txBody>
-      </p:sp>
-      <p:pic>
-        <p:nvPicPr>
-          <p:cNvPr id="6" name="Content Placeholder 5">
-            <a:extLst>
-              <a:ext uri="{FF2B5EF4-FFF2-40B4-BE49-F238E27FC236}">
-                <a16:creationId xmlns:a16="http://schemas.microsoft.com/office/drawing/2014/main" id="{F424ABE3-1288-A58E-66A9-3CE2FD0002D9}"/>
-              </a:ext>
-            </a:extLst>
-          </p:cNvPr>
-          <p:cNvPicPr>
-            <a:picLocks noChangeAspect="1"/>
-          </p:cNvPicPr>
-          <p:nvPr/>
-        </p:nvPicPr>
-        <p:blipFill>
-          <a:blip r:embed="rId2"/>
-          <a:stretch>
-            <a:fillRect/>
-          </a:stretch>
-        </p:blipFill>
-        <p:spPr bwMode="auto">
-          <a:xfrm>
-            <a:off x="349955" y="1210563"/>
-            <a:ext cx="4146667" cy="2438777"/>
-          </a:xfrm>
-          <a:prstGeom prst="rect">
-            <a:avLst/>
-          </a:prstGeom>
-          <a:noFill/>
-          <a:ln w="9525">
-            <a:noFill/>
-            <a:miter lim="800000"/>
-            <a:headEnd/>
-            <a:tailEnd/>
-          </a:ln>
-          <a:effectLst/>
-        </p:spPr>
-      </p:pic>
-      <p:pic>
-        <p:nvPicPr>
-          <p:cNvPr id="5" name="Picture 4">
-            <a:extLst>
-              <a:ext uri="{FF2B5EF4-FFF2-40B4-BE49-F238E27FC236}">
-                <a16:creationId xmlns:a16="http://schemas.microsoft.com/office/drawing/2014/main" id="{392E8928-9635-1C45-FA92-5EFF7704913C}"/>
-              </a:ext>
-            </a:extLst>
-          </p:cNvPr>
-          <p:cNvPicPr>
-            <a:picLocks noChangeAspect="1"/>
-          </p:cNvPicPr>
-          <p:nvPr/>
-        </p:nvPicPr>
-        <p:blipFill>
-          <a:blip r:embed="rId3"/>
-          <a:stretch>
-            <a:fillRect/>
-          </a:stretch>
-        </p:blipFill>
-        <p:spPr>
-          <a:xfrm>
-            <a:off x="5181599" y="3939822"/>
-            <a:ext cx="3444107" cy="2526382"/>
-          </a:xfrm>
-          <a:prstGeom prst="rect">
-            <a:avLst/>
-          </a:prstGeom>
-        </p:spPr>
-      </p:pic>
-    </p:spTree>
-    <p:extLst>
-      <p:ext uri="{BB962C8B-B14F-4D97-AF65-F5344CB8AC3E}">
-        <p14:creationId xmlns:p14="http://schemas.microsoft.com/office/powerpoint/2010/main" val="3108514384"/>
-      </p:ext>
-    </p:extLst>
-  </p:cSld>
-  <p:clrMapOvr>
-    <a:masterClrMapping/>
-  </p:clrMapOvr>
-</p:sld>
-</file>
-
 <file path=ppt/slides/slide32.xml><?xml version="1.0" encoding="utf-8"?>
-<p:sld xmlns:a="http://schemas.openxmlformats.org/drawingml/2006/main" xmlns:r="http://schemas.openxmlformats.org/officeDocument/2006/relationships" xmlns:p="http://schemas.openxmlformats.org/presentationml/2006/main">
-  <p:cSld>
-    <p:spTree>
-      <p:nvGrpSpPr>
-        <p:cNvPr id="1" name="">
-          <a:extLst>
-            <a:ext uri="{FF2B5EF4-FFF2-40B4-BE49-F238E27FC236}">
-              <a16:creationId xmlns:a16="http://schemas.microsoft.com/office/drawing/2014/main" id="{586E211F-5955-24CD-A0BC-F19AA3F16314}"/>
-            </a:ext>
-          </a:extLst>
-        </p:cNvPr>
-        <p:cNvGrpSpPr/>
-        <p:nvPr/>
-      </p:nvGrpSpPr>
-      <p:grpSpPr>
-        <a:xfrm>
-          <a:off x="0" y="0"/>
-          <a:ext cx="0" cy="0"/>
-          <a:chOff x="0" y="0"/>
-          <a:chExt cx="0" cy="0"/>
-        </a:xfrm>
-      </p:grpSpPr>
-      <p:sp>
-        <p:nvSpPr>
-          <p:cNvPr id="2" name="Title 1">
-            <a:extLst>
-              <a:ext uri="{FF2B5EF4-FFF2-40B4-BE49-F238E27FC236}">
-                <a16:creationId xmlns:a16="http://schemas.microsoft.com/office/drawing/2014/main" id="{1BEBA6CD-9B26-BB66-7ED5-C31F43BE198A}"/>
-              </a:ext>
-            </a:extLst>
-          </p:cNvPr>
-          <p:cNvSpPr>
-            <a:spLocks noGrp="1"/>
-          </p:cNvSpPr>
-          <p:nvPr>
-            <p:ph type="title"/>
-          </p:nvPr>
-        </p:nvSpPr>
-        <p:spPr>
-          <a:xfrm>
-            <a:off x="338666" y="341223"/>
-            <a:ext cx="8421512" cy="707886"/>
-          </a:xfrm>
-        </p:spPr>
-        <p:txBody>
-          <a:bodyPr/>
-          <a:lstStyle/>
-          <a:p>
-            <a:r>
-              <a:rPr lang="en-US" sz="4000" dirty="0"/>
-              <a:t>Core and Valence Electrons</a:t>
-            </a:r>
-          </a:p>
-        </p:txBody>
-      </p:sp>
-      <p:sp>
-        <p:nvSpPr>
-          <p:cNvPr id="3" name="Content Placeholder 2">
-            <a:extLst>
-              <a:ext uri="{FF2B5EF4-FFF2-40B4-BE49-F238E27FC236}">
-                <a16:creationId xmlns:a16="http://schemas.microsoft.com/office/drawing/2014/main" id="{6E163DF7-ADA2-6F12-37C1-38B9039F0883}"/>
-              </a:ext>
-            </a:extLst>
-          </p:cNvPr>
-          <p:cNvSpPr>
-            <a:spLocks noGrp="1"/>
-          </p:cNvSpPr>
-          <p:nvPr>
-            <p:ph idx="1"/>
-          </p:nvPr>
-        </p:nvSpPr>
-        <p:spPr/>
-        <p:txBody>
-          <a:bodyPr/>
-          <a:lstStyle/>
-          <a:p>
-            <a:r>
-              <a:rPr lang="en-US" dirty="0"/>
-              <a:t>Core Electrons</a:t>
-            </a:r>
-          </a:p>
-          <a:p>
-            <a:r>
-              <a:rPr lang="en-US" dirty="0"/>
-              <a:t>Valence Electrons</a:t>
-            </a:r>
-          </a:p>
-          <a:p>
-            <a:endParaRPr lang="en-US" dirty="0"/>
-          </a:p>
-        </p:txBody>
-      </p:sp>
-      <p:sp>
-        <p:nvSpPr>
-          <p:cNvPr id="4" name="Slide Number Placeholder 3">
-            <a:extLst>
-              <a:ext uri="{FF2B5EF4-FFF2-40B4-BE49-F238E27FC236}">
-                <a16:creationId xmlns:a16="http://schemas.microsoft.com/office/drawing/2014/main" id="{DB399692-A43F-B23F-4898-468129A726AC}"/>
-              </a:ext>
-            </a:extLst>
-          </p:cNvPr>
-          <p:cNvSpPr>
-            <a:spLocks noGrp="1"/>
-          </p:cNvSpPr>
-          <p:nvPr>
-            <p:ph type="sldNum" sz="quarter" idx="11"/>
-          </p:nvPr>
-        </p:nvSpPr>
-        <p:spPr/>
-        <p:txBody>
-          <a:bodyPr/>
-          <a:lstStyle/>
-          <a:p>
-            <a:fld id="{450AD36E-3ACA-4EBB-9678-E39944C078A2}" type="slidenum">
-              <a:rPr lang="en-US" smtClean="0"/>
-              <a:pPr/>
-              <a:t>32</a:t>
-            </a:fld>
-            <a:endParaRPr lang="en-US" dirty="0"/>
-          </a:p>
-        </p:txBody>
-      </p:sp>
-    </p:spTree>
-    <p:extLst>
-      <p:ext uri="{BB962C8B-B14F-4D97-AF65-F5344CB8AC3E}">
-        <p14:creationId xmlns:p14="http://schemas.microsoft.com/office/powerpoint/2010/main" val="1416723445"/>
-      </p:ext>
-    </p:extLst>
-  </p:cSld>
-  <p:clrMapOvr>
-    <a:masterClrMapping/>
-  </p:clrMapOvr>
-</p:sld>
-</file>
-
-<file path=ppt/slides/slide33.xml><?xml version="1.0" encoding="utf-8"?>
 <p:sld xmlns:a="http://schemas.openxmlformats.org/drawingml/2006/main" xmlns:r="http://schemas.openxmlformats.org/officeDocument/2006/relationships" xmlns:p="http://schemas.openxmlformats.org/presentationml/2006/main">
   <p:cSld>
     <p:spTree>
@@ -20942,7 +23569,7 @@
             <a:fld id="{450AD36E-3ACA-4EBB-9678-E39944C078A2}" type="slidenum">
               <a:rPr lang="en-US" smtClean="0"/>
               <a:pPr/>
-              <a:t>33</a:t>
+              <a:t>32</a:t>
             </a:fld>
             <a:endParaRPr lang="en-US" dirty="0"/>
           </a:p>
@@ -20991,7 +23618,1903 @@
 </p:sld>
 </file>
 
+<file path=ppt/slides/slide33.xml><?xml version="1.0" encoding="utf-8"?>
+<p:sld xmlns:a="http://schemas.openxmlformats.org/drawingml/2006/main" xmlns:r="http://schemas.openxmlformats.org/officeDocument/2006/relationships" xmlns:p="http://schemas.openxmlformats.org/presentationml/2006/main">
+  <p:cSld>
+    <p:spTree>
+      <p:nvGrpSpPr>
+        <p:cNvPr id="1" name=""/>
+        <p:cNvGrpSpPr/>
+        <p:nvPr/>
+      </p:nvGrpSpPr>
+      <p:grpSpPr>
+        <a:xfrm>
+          <a:off x="0" y="0"/>
+          <a:ext cx="0" cy="0"/>
+          <a:chOff x="0" y="0"/>
+          <a:chExt cx="0" cy="0"/>
+        </a:xfrm>
+      </p:grpSpPr>
+      <p:sp>
+        <p:nvSpPr>
+          <p:cNvPr id="2" name="Title 1">
+            <a:extLst>
+              <a:ext uri="{FF2B5EF4-FFF2-40B4-BE49-F238E27FC236}">
+                <a16:creationId xmlns:a16="http://schemas.microsoft.com/office/drawing/2014/main" id="{6D14B0F1-CBF1-161D-ACEF-7236D07938C1}"/>
+              </a:ext>
+            </a:extLst>
+          </p:cNvPr>
+          <p:cNvSpPr>
+            <a:spLocks noGrp="1"/>
+          </p:cNvSpPr>
+          <p:nvPr>
+            <p:ph type="title"/>
+          </p:nvPr>
+        </p:nvSpPr>
+        <p:spPr>
+          <a:xfrm>
+            <a:off x="349955" y="486898"/>
+            <a:ext cx="8421512" cy="584775"/>
+          </a:xfrm>
+        </p:spPr>
+        <p:txBody>
+          <a:bodyPr/>
+          <a:lstStyle/>
+          <a:p>
+            <a:r>
+              <a:rPr lang="en-US" sz="3200" dirty="0"/>
+              <a:t>Electron Configurations and Periodic Table</a:t>
+            </a:r>
+            <a:endParaRPr lang="en-US" dirty="0"/>
+          </a:p>
+        </p:txBody>
+      </p:sp>
+      <p:sp>
+        <p:nvSpPr>
+          <p:cNvPr id="3" name="Content Placeholder 2">
+            <a:extLst>
+              <a:ext uri="{FF2B5EF4-FFF2-40B4-BE49-F238E27FC236}">
+                <a16:creationId xmlns:a16="http://schemas.microsoft.com/office/drawing/2014/main" id="{73CA2C7C-E607-F9DB-1C1D-A0937678F1FE}"/>
+              </a:ext>
+            </a:extLst>
+          </p:cNvPr>
+          <p:cNvSpPr>
+            <a:spLocks noGrp="1"/>
+          </p:cNvSpPr>
+          <p:nvPr>
+            <p:ph idx="1"/>
+          </p:nvPr>
+        </p:nvSpPr>
+        <p:spPr>
+          <a:xfrm>
+            <a:off x="372534" y="3712779"/>
+            <a:ext cx="4727612" cy="2834776"/>
+          </a:xfrm>
+        </p:spPr>
+        <p:txBody>
+          <a:bodyPr/>
+          <a:lstStyle/>
+          <a:p>
+            <a:pPr marL="0" indent="0">
+              <a:buNone/>
+            </a:pPr>
+            <a:r>
+              <a:rPr lang="en-US" dirty="0"/>
+              <a:t>Note how </a:t>
+            </a:r>
+            <a:r>
+              <a:rPr lang="en-US" b="1" i="1" dirty="0">
+                <a:solidFill>
+                  <a:srgbClr val="00FF00"/>
+                </a:solidFill>
+              </a:rPr>
+              <a:t>3d</a:t>
+            </a:r>
+            <a:r>
+              <a:rPr lang="en-US" dirty="0"/>
+              <a:t> is in the 4</a:t>
+            </a:r>
+            <a:r>
+              <a:rPr lang="en-US" baseline="30000" dirty="0"/>
+              <a:t>th</a:t>
+            </a:r>
+            <a:r>
+              <a:rPr lang="en-US" dirty="0"/>
+              <a:t> period and </a:t>
+            </a:r>
+            <a:r>
+              <a:rPr lang="en-US" b="1" i="1" dirty="0">
+                <a:solidFill>
+                  <a:srgbClr val="00FF00"/>
+                </a:solidFill>
+              </a:rPr>
+              <a:t>4f</a:t>
+            </a:r>
+            <a:r>
+              <a:rPr lang="en-US" dirty="0"/>
+              <a:t> actually starts in the 6</a:t>
+            </a:r>
+            <a:r>
+              <a:rPr lang="en-US" baseline="30000" dirty="0"/>
+              <a:t>th</a:t>
+            </a:r>
+            <a:r>
+              <a:rPr lang="en-US" dirty="0"/>
+              <a:t> period!</a:t>
+            </a:r>
+          </a:p>
+          <a:p>
+            <a:pPr marL="0" indent="0">
+              <a:buNone/>
+            </a:pPr>
+            <a:endParaRPr lang="en-US" dirty="0"/>
+          </a:p>
+          <a:p>
+            <a:pPr marL="0" indent="0">
+              <a:buNone/>
+            </a:pPr>
+            <a:r>
+              <a:rPr lang="en-US" dirty="0"/>
+              <a:t>Why??</a:t>
+            </a:r>
+          </a:p>
+        </p:txBody>
+      </p:sp>
+      <p:sp>
+        <p:nvSpPr>
+          <p:cNvPr id="4" name="Slide Number Placeholder 3">
+            <a:extLst>
+              <a:ext uri="{FF2B5EF4-FFF2-40B4-BE49-F238E27FC236}">
+                <a16:creationId xmlns:a16="http://schemas.microsoft.com/office/drawing/2014/main" id="{DBC9E2A4-A6E7-46E3-3B66-73FE219C581B}"/>
+              </a:ext>
+            </a:extLst>
+          </p:cNvPr>
+          <p:cNvSpPr>
+            <a:spLocks noGrp="1"/>
+          </p:cNvSpPr>
+          <p:nvPr>
+            <p:ph type="sldNum" sz="quarter" idx="11"/>
+          </p:nvPr>
+        </p:nvSpPr>
+        <p:spPr/>
+        <p:txBody>
+          <a:bodyPr/>
+          <a:lstStyle/>
+          <a:p>
+            <a:fld id="{450AD36E-3ACA-4EBB-9678-E39944C078A2}" type="slidenum">
+              <a:rPr lang="en-US" smtClean="0"/>
+              <a:pPr/>
+              <a:t>33</a:t>
+            </a:fld>
+            <a:endParaRPr lang="en-US" dirty="0"/>
+          </a:p>
+        </p:txBody>
+      </p:sp>
+      <p:pic>
+        <p:nvPicPr>
+          <p:cNvPr id="6" name="Content Placeholder 5">
+            <a:extLst>
+              <a:ext uri="{FF2B5EF4-FFF2-40B4-BE49-F238E27FC236}">
+                <a16:creationId xmlns:a16="http://schemas.microsoft.com/office/drawing/2014/main" id="{F424ABE3-1288-A58E-66A9-3CE2FD0002D9}"/>
+              </a:ext>
+            </a:extLst>
+          </p:cNvPr>
+          <p:cNvPicPr>
+            <a:picLocks noChangeAspect="1"/>
+          </p:cNvPicPr>
+          <p:nvPr/>
+        </p:nvPicPr>
+        <p:blipFill>
+          <a:blip r:embed="rId2"/>
+          <a:stretch>
+            <a:fillRect/>
+          </a:stretch>
+        </p:blipFill>
+        <p:spPr bwMode="auto">
+          <a:xfrm>
+            <a:off x="349955" y="1210563"/>
+            <a:ext cx="4146667" cy="2438777"/>
+          </a:xfrm>
+          <a:prstGeom prst="rect">
+            <a:avLst/>
+          </a:prstGeom>
+          <a:noFill/>
+          <a:ln w="9525">
+            <a:noFill/>
+            <a:miter lim="800000"/>
+            <a:headEnd/>
+            <a:tailEnd/>
+          </a:ln>
+          <a:effectLst/>
+        </p:spPr>
+      </p:pic>
+      <p:sp>
+        <p:nvSpPr>
+          <p:cNvPr id="7" name="Content Placeholder 2">
+            <a:extLst>
+              <a:ext uri="{FF2B5EF4-FFF2-40B4-BE49-F238E27FC236}">
+                <a16:creationId xmlns:a16="http://schemas.microsoft.com/office/drawing/2014/main" id="{3306C723-1EB7-FD98-D3C2-51B32EE62D89}"/>
+              </a:ext>
+            </a:extLst>
+          </p:cNvPr>
+          <p:cNvSpPr txBox="1">
+            <a:spLocks/>
+          </p:cNvSpPr>
+          <p:nvPr/>
+        </p:nvSpPr>
+        <p:spPr bwMode="auto">
+          <a:xfrm>
+            <a:off x="4496621" y="1088359"/>
+            <a:ext cx="4455787" cy="2624420"/>
+          </a:xfrm>
+          <a:prstGeom prst="rect">
+            <a:avLst/>
+          </a:prstGeom>
+          <a:noFill/>
+          <a:ln w="9525">
+            <a:noFill/>
+            <a:miter lim="800000"/>
+            <a:headEnd/>
+            <a:tailEnd/>
+          </a:ln>
+          <a:effectLst/>
+        </p:spPr>
+        <p:txBody>
+          <a:bodyPr vert="horz" wrap="square" lIns="91440" tIns="45720" rIns="91440" bIns="45720" numCol="1" anchor="t" anchorCtr="0" compatLnSpc="1">
+            <a:prstTxWarp prst="textNoShape">
+              <a:avLst/>
+            </a:prstTxWarp>
+          </a:bodyPr>
+          <a:lstStyle>
+            <a:lvl1pPr marL="282575" indent="-282575" algn="l" rtl="0" eaLnBrk="1" fontAlgn="base" hangingPunct="1">
+              <a:spcBef>
+                <a:spcPct val="20000"/>
+              </a:spcBef>
+              <a:spcAft>
+                <a:spcPct val="0"/>
+              </a:spcAft>
+              <a:buChar char="•"/>
+              <a:defRPr sz="2400">
+                <a:solidFill>
+                  <a:schemeClr val="bg1"/>
+                </a:solidFill>
+                <a:latin typeface="+mn-lt"/>
+                <a:ea typeface="+mn-ea"/>
+                <a:cs typeface="+mn-cs"/>
+              </a:defRPr>
+            </a:lvl1pPr>
+            <a:lvl2pPr marL="519113" indent="-287338" algn="l" rtl="0" eaLnBrk="1" fontAlgn="base" hangingPunct="1">
+              <a:spcBef>
+                <a:spcPct val="20000"/>
+              </a:spcBef>
+              <a:spcAft>
+                <a:spcPct val="0"/>
+              </a:spcAft>
+              <a:buFont typeface="Wingdings" pitchFamily="2" charset="2"/>
+              <a:buChar char="§"/>
+              <a:defRPr sz="2000">
+                <a:solidFill>
+                  <a:schemeClr val="bg1"/>
+                </a:solidFill>
+                <a:latin typeface="+mn-lt"/>
+              </a:defRPr>
+            </a:lvl2pPr>
+            <a:lvl3pPr marL="801688" indent="-225425" algn="l" rtl="0" eaLnBrk="1" fontAlgn="base" hangingPunct="1">
+              <a:spcBef>
+                <a:spcPct val="20000"/>
+              </a:spcBef>
+              <a:spcAft>
+                <a:spcPct val="0"/>
+              </a:spcAft>
+              <a:buFont typeface="Courier New" panose="02070309020205020404" pitchFamily="49" charset="0"/>
+              <a:buChar char="o"/>
+              <a:defRPr sz="1800">
+                <a:solidFill>
+                  <a:schemeClr val="bg1"/>
+                </a:solidFill>
+                <a:latin typeface="+mn-lt"/>
+              </a:defRPr>
+            </a:lvl3pPr>
+            <a:lvl4pPr marL="1084263" indent="-288925" algn="l" rtl="0" eaLnBrk="1" fontAlgn="base" hangingPunct="1">
+              <a:spcBef>
+                <a:spcPct val="20000"/>
+              </a:spcBef>
+              <a:spcAft>
+                <a:spcPct val="0"/>
+              </a:spcAft>
+              <a:buFont typeface="Wingdings" panose="05000000000000000000" pitchFamily="2" charset="2"/>
+              <a:buChar char="q"/>
+              <a:defRPr sz="1600">
+                <a:solidFill>
+                  <a:schemeClr val="bg1"/>
+                </a:solidFill>
+                <a:latin typeface="+mn-lt"/>
+              </a:defRPr>
+            </a:lvl4pPr>
+            <a:lvl5pPr marL="1377950" indent="-293688" algn="l" rtl="0" eaLnBrk="1" fontAlgn="base" hangingPunct="1">
+              <a:spcBef>
+                <a:spcPct val="20000"/>
+              </a:spcBef>
+              <a:spcAft>
+                <a:spcPct val="0"/>
+              </a:spcAft>
+              <a:buFont typeface="Wingdings" panose="05000000000000000000" pitchFamily="2" charset="2"/>
+              <a:buChar char="§"/>
+              <a:defRPr sz="1400">
+                <a:solidFill>
+                  <a:schemeClr val="bg1"/>
+                </a:solidFill>
+                <a:latin typeface="+mn-lt"/>
+              </a:defRPr>
+            </a:lvl5pPr>
+            <a:lvl6pPr marL="2514600" indent="-228600" algn="l" rtl="0" eaLnBrk="1" fontAlgn="base" hangingPunct="1">
+              <a:spcBef>
+                <a:spcPct val="20000"/>
+              </a:spcBef>
+              <a:spcAft>
+                <a:spcPct val="0"/>
+              </a:spcAft>
+              <a:buChar char="»"/>
+              <a:defRPr sz="2000">
+                <a:solidFill>
+                  <a:schemeClr val="bg1"/>
+                </a:solidFill>
+                <a:latin typeface="+mn-lt"/>
+              </a:defRPr>
+            </a:lvl6pPr>
+            <a:lvl7pPr marL="2971800" indent="-228600" algn="l" rtl="0" eaLnBrk="1" fontAlgn="base" hangingPunct="1">
+              <a:spcBef>
+                <a:spcPct val="20000"/>
+              </a:spcBef>
+              <a:spcAft>
+                <a:spcPct val="0"/>
+              </a:spcAft>
+              <a:buChar char="»"/>
+              <a:defRPr sz="2000">
+                <a:solidFill>
+                  <a:schemeClr val="bg1"/>
+                </a:solidFill>
+                <a:latin typeface="+mn-lt"/>
+              </a:defRPr>
+            </a:lvl7pPr>
+            <a:lvl8pPr marL="3429000" indent="-228600" algn="l" rtl="0" eaLnBrk="1" fontAlgn="base" hangingPunct="1">
+              <a:spcBef>
+                <a:spcPct val="20000"/>
+              </a:spcBef>
+              <a:spcAft>
+                <a:spcPct val="0"/>
+              </a:spcAft>
+              <a:buChar char="»"/>
+              <a:defRPr sz="2000">
+                <a:solidFill>
+                  <a:schemeClr val="bg1"/>
+                </a:solidFill>
+                <a:latin typeface="+mn-lt"/>
+              </a:defRPr>
+            </a:lvl8pPr>
+            <a:lvl9pPr marL="3886200" indent="-228600" algn="l" rtl="0" eaLnBrk="1" fontAlgn="base" hangingPunct="1">
+              <a:spcBef>
+                <a:spcPct val="20000"/>
+              </a:spcBef>
+              <a:spcAft>
+                <a:spcPct val="0"/>
+              </a:spcAft>
+              <a:buChar char="»"/>
+              <a:defRPr sz="2000">
+                <a:solidFill>
+                  <a:schemeClr val="bg1"/>
+                </a:solidFill>
+                <a:latin typeface="+mn-lt"/>
+              </a:defRPr>
+            </a:lvl9pPr>
+          </a:lstStyle>
+          <a:p>
+            <a:r>
+              <a:rPr lang="en-US" kern="0" dirty="0"/>
+              <a:t>Subshells important</a:t>
+            </a:r>
+          </a:p>
+          <a:p>
+            <a:r>
+              <a:rPr lang="en-US" i="1" kern="0" dirty="0">
+                <a:solidFill>
+                  <a:srgbClr val="00FF00"/>
+                </a:solidFill>
+              </a:rPr>
+              <a:t>s</a:t>
+            </a:r>
+            <a:r>
+              <a:rPr lang="en-US" kern="0" dirty="0"/>
+              <a:t> </a:t>
+            </a:r>
+            <a:r>
+              <a:rPr lang="en-US" kern="0" dirty="0">
+                <a:sym typeface="Wingdings" panose="05000000000000000000" pitchFamily="2" charset="2"/>
+              </a:rPr>
+              <a:t> </a:t>
+            </a:r>
+            <a:r>
+              <a:rPr lang="en-US" kern="0" dirty="0">
+                <a:solidFill>
+                  <a:srgbClr val="FFFF00"/>
+                </a:solidFill>
+                <a:sym typeface="Wingdings" panose="05000000000000000000" pitchFamily="2" charset="2"/>
+              </a:rPr>
+              <a:t>1</a:t>
+            </a:r>
+            <a:r>
+              <a:rPr lang="en-US" kern="0" dirty="0">
+                <a:sym typeface="Wingdings" panose="05000000000000000000" pitchFamily="2" charset="2"/>
+              </a:rPr>
+              <a:t> = 1 x 2e</a:t>
+            </a:r>
+            <a:r>
+              <a:rPr lang="en-US" kern="0" baseline="30000" dirty="0">
+                <a:sym typeface="Wingdings" panose="05000000000000000000" pitchFamily="2" charset="2"/>
+              </a:rPr>
+              <a:t>-</a:t>
+            </a:r>
+            <a:r>
+              <a:rPr lang="en-US" kern="0" dirty="0">
+                <a:sym typeface="Wingdings" panose="05000000000000000000" pitchFamily="2" charset="2"/>
+              </a:rPr>
+              <a:t> = 2e</a:t>
+            </a:r>
+            <a:r>
+              <a:rPr lang="en-US" kern="0" baseline="30000" dirty="0">
+                <a:sym typeface="Wingdings" panose="05000000000000000000" pitchFamily="2" charset="2"/>
+              </a:rPr>
+              <a:t>-</a:t>
+            </a:r>
+          </a:p>
+          <a:p>
+            <a:r>
+              <a:rPr lang="en-US" i="1" kern="0" dirty="0">
+                <a:solidFill>
+                  <a:srgbClr val="00FF00"/>
+                </a:solidFill>
+              </a:rPr>
+              <a:t>p</a:t>
+            </a:r>
+            <a:r>
+              <a:rPr lang="en-US" kern="0" dirty="0"/>
+              <a:t> </a:t>
+            </a:r>
+            <a:r>
+              <a:rPr lang="en-US" kern="0" dirty="0">
+                <a:sym typeface="Wingdings" panose="05000000000000000000" pitchFamily="2" charset="2"/>
+              </a:rPr>
+              <a:t> </a:t>
+            </a:r>
+            <a:r>
+              <a:rPr lang="en-US" kern="0" dirty="0">
+                <a:solidFill>
+                  <a:srgbClr val="FFFF00"/>
+                </a:solidFill>
+                <a:sym typeface="Wingdings" panose="05000000000000000000" pitchFamily="2" charset="2"/>
+              </a:rPr>
+              <a:t>3</a:t>
+            </a:r>
+            <a:r>
+              <a:rPr lang="en-US" kern="0" dirty="0">
+                <a:sym typeface="Wingdings" panose="05000000000000000000" pitchFamily="2" charset="2"/>
+              </a:rPr>
+              <a:t> = 3 x 2e</a:t>
+            </a:r>
+            <a:r>
+              <a:rPr lang="en-US" kern="0" baseline="30000" dirty="0">
+                <a:sym typeface="Wingdings" panose="05000000000000000000" pitchFamily="2" charset="2"/>
+              </a:rPr>
+              <a:t>-</a:t>
+            </a:r>
+            <a:r>
+              <a:rPr lang="en-US" kern="0" dirty="0">
+                <a:sym typeface="Wingdings" panose="05000000000000000000" pitchFamily="2" charset="2"/>
+              </a:rPr>
+              <a:t> = 6e</a:t>
+            </a:r>
+            <a:r>
+              <a:rPr lang="en-US" kern="0" baseline="30000" dirty="0">
+                <a:sym typeface="Wingdings" panose="05000000000000000000" pitchFamily="2" charset="2"/>
+              </a:rPr>
+              <a:t>-</a:t>
+            </a:r>
+            <a:endParaRPr lang="en-US" kern="0" dirty="0">
+              <a:sym typeface="Wingdings" panose="05000000000000000000" pitchFamily="2" charset="2"/>
+            </a:endParaRPr>
+          </a:p>
+          <a:p>
+            <a:r>
+              <a:rPr lang="en-US" i="1" kern="0" dirty="0">
+                <a:solidFill>
+                  <a:srgbClr val="00FF00"/>
+                </a:solidFill>
+                <a:sym typeface="Wingdings" panose="05000000000000000000" pitchFamily="2" charset="2"/>
+              </a:rPr>
+              <a:t>d</a:t>
+            </a:r>
+            <a:r>
+              <a:rPr lang="en-US" kern="0" dirty="0">
+                <a:sym typeface="Wingdings" panose="05000000000000000000" pitchFamily="2" charset="2"/>
+              </a:rPr>
+              <a:t>  </a:t>
+            </a:r>
+            <a:r>
+              <a:rPr lang="en-US" kern="0" dirty="0">
+                <a:solidFill>
+                  <a:srgbClr val="FFFF00"/>
+                </a:solidFill>
+                <a:sym typeface="Wingdings" panose="05000000000000000000" pitchFamily="2" charset="2"/>
+              </a:rPr>
+              <a:t>5</a:t>
+            </a:r>
+            <a:r>
+              <a:rPr lang="en-US" kern="0" dirty="0">
+                <a:sym typeface="Wingdings" panose="05000000000000000000" pitchFamily="2" charset="2"/>
+              </a:rPr>
+              <a:t> = 5 x 2e</a:t>
+            </a:r>
+            <a:r>
+              <a:rPr lang="en-US" kern="0" baseline="30000" dirty="0">
+                <a:sym typeface="Wingdings" panose="05000000000000000000" pitchFamily="2" charset="2"/>
+              </a:rPr>
+              <a:t>-</a:t>
+            </a:r>
+            <a:r>
+              <a:rPr lang="en-US" kern="0" dirty="0">
+                <a:sym typeface="Wingdings" panose="05000000000000000000" pitchFamily="2" charset="2"/>
+              </a:rPr>
+              <a:t> = 10e</a:t>
+            </a:r>
+            <a:r>
+              <a:rPr lang="en-US" kern="0" baseline="30000" dirty="0">
+                <a:sym typeface="Wingdings" panose="05000000000000000000" pitchFamily="2" charset="2"/>
+              </a:rPr>
+              <a:t>-</a:t>
+            </a:r>
+            <a:endParaRPr lang="en-US" kern="0" dirty="0">
+              <a:sym typeface="Wingdings" panose="05000000000000000000" pitchFamily="2" charset="2"/>
+            </a:endParaRPr>
+          </a:p>
+          <a:p>
+            <a:r>
+              <a:rPr lang="en-US" i="1" kern="0" dirty="0">
+                <a:solidFill>
+                  <a:srgbClr val="00FF00"/>
+                </a:solidFill>
+                <a:sym typeface="Wingdings" panose="05000000000000000000" pitchFamily="2" charset="2"/>
+              </a:rPr>
+              <a:t>f</a:t>
+            </a:r>
+            <a:r>
+              <a:rPr lang="en-US" kern="0" dirty="0">
+                <a:sym typeface="Wingdings" panose="05000000000000000000" pitchFamily="2" charset="2"/>
+              </a:rPr>
+              <a:t>  </a:t>
+            </a:r>
+            <a:r>
+              <a:rPr lang="en-US" kern="0" dirty="0">
+                <a:solidFill>
+                  <a:srgbClr val="FFFF00"/>
+                </a:solidFill>
+                <a:sym typeface="Wingdings" panose="05000000000000000000" pitchFamily="2" charset="2"/>
+              </a:rPr>
+              <a:t>7</a:t>
+            </a:r>
+            <a:r>
+              <a:rPr lang="en-US" kern="0" dirty="0">
+                <a:sym typeface="Wingdings" panose="05000000000000000000" pitchFamily="2" charset="2"/>
+              </a:rPr>
+              <a:t> = 7 x 2e</a:t>
+            </a:r>
+            <a:r>
+              <a:rPr lang="en-US" kern="0" baseline="30000" dirty="0">
+                <a:sym typeface="Wingdings" panose="05000000000000000000" pitchFamily="2" charset="2"/>
+              </a:rPr>
+              <a:t>-</a:t>
+            </a:r>
+            <a:r>
+              <a:rPr lang="en-US" kern="0" dirty="0">
+                <a:sym typeface="Wingdings" panose="05000000000000000000" pitchFamily="2" charset="2"/>
+              </a:rPr>
+              <a:t> = 14e</a:t>
+            </a:r>
+            <a:r>
+              <a:rPr lang="en-US" kern="0" baseline="30000" dirty="0">
+                <a:sym typeface="Wingdings" panose="05000000000000000000" pitchFamily="2" charset="2"/>
+              </a:rPr>
+              <a:t>-</a:t>
+            </a:r>
+            <a:endParaRPr lang="en-US" kern="0" dirty="0">
+              <a:sym typeface="Wingdings" panose="05000000000000000000" pitchFamily="2" charset="2"/>
+            </a:endParaRPr>
+          </a:p>
+          <a:p>
+            <a:endParaRPr lang="en-US" kern="0" dirty="0">
+              <a:sym typeface="Wingdings" panose="05000000000000000000" pitchFamily="2" charset="2"/>
+            </a:endParaRPr>
+          </a:p>
+          <a:p>
+            <a:endParaRPr lang="en-US" kern="0" dirty="0">
+              <a:sym typeface="Wingdings" panose="05000000000000000000" pitchFamily="2" charset="2"/>
+            </a:endParaRPr>
+          </a:p>
+        </p:txBody>
+      </p:sp>
+      <p:pic>
+        <p:nvPicPr>
+          <p:cNvPr id="9" name="Picture 8">
+            <a:extLst>
+              <a:ext uri="{FF2B5EF4-FFF2-40B4-BE49-F238E27FC236}">
+                <a16:creationId xmlns:a16="http://schemas.microsoft.com/office/drawing/2014/main" id="{65852223-E3C8-0317-BFA0-44A41887487F}"/>
+              </a:ext>
+            </a:extLst>
+          </p:cNvPr>
+          <p:cNvPicPr>
+            <a:picLocks noChangeAspect="1"/>
+          </p:cNvPicPr>
+          <p:nvPr/>
+        </p:nvPicPr>
+        <p:blipFill>
+          <a:blip r:embed="rId3"/>
+          <a:stretch>
+            <a:fillRect/>
+          </a:stretch>
+        </p:blipFill>
+        <p:spPr>
+          <a:xfrm>
+            <a:off x="5037083" y="3729876"/>
+            <a:ext cx="3835489" cy="2818504"/>
+          </a:xfrm>
+          <a:prstGeom prst="rect">
+            <a:avLst/>
+          </a:prstGeom>
+        </p:spPr>
+      </p:pic>
+    </p:spTree>
+    <p:extLst>
+      <p:ext uri="{BB962C8B-B14F-4D97-AF65-F5344CB8AC3E}">
+        <p14:creationId xmlns:p14="http://schemas.microsoft.com/office/powerpoint/2010/main" val="3108514384"/>
+      </p:ext>
+    </p:extLst>
+  </p:cSld>
+  <p:clrMapOvr>
+    <a:masterClrMapping/>
+  </p:clrMapOvr>
+</p:sld>
+</file>
+
 <file path=ppt/slides/slide34.xml><?xml version="1.0" encoding="utf-8"?>
+<p:sld xmlns:a="http://schemas.openxmlformats.org/drawingml/2006/main" xmlns:r="http://schemas.openxmlformats.org/officeDocument/2006/relationships" xmlns:p="http://schemas.openxmlformats.org/presentationml/2006/main">
+  <p:cSld>
+    <p:spTree>
+      <p:nvGrpSpPr>
+        <p:cNvPr id="1" name="">
+          <a:extLst>
+            <a:ext uri="{FF2B5EF4-FFF2-40B4-BE49-F238E27FC236}">
+              <a16:creationId xmlns:a16="http://schemas.microsoft.com/office/drawing/2014/main" id="{D97EB076-C6C2-D892-474C-AB8358CBB4A1}"/>
+            </a:ext>
+          </a:extLst>
+        </p:cNvPr>
+        <p:cNvGrpSpPr/>
+        <p:nvPr/>
+      </p:nvGrpSpPr>
+      <p:grpSpPr>
+        <a:xfrm>
+          <a:off x="0" y="0"/>
+          <a:ext cx="0" cy="0"/>
+          <a:chOff x="0" y="0"/>
+          <a:chExt cx="0" cy="0"/>
+        </a:xfrm>
+      </p:grpSpPr>
+      <p:sp>
+        <p:nvSpPr>
+          <p:cNvPr id="2" name="Title 1">
+            <a:extLst>
+              <a:ext uri="{FF2B5EF4-FFF2-40B4-BE49-F238E27FC236}">
+                <a16:creationId xmlns:a16="http://schemas.microsoft.com/office/drawing/2014/main" id="{420AADFB-D4C8-38FB-B86F-7677C4D54E2C}"/>
+              </a:ext>
+            </a:extLst>
+          </p:cNvPr>
+          <p:cNvSpPr>
+            <a:spLocks noGrp="1"/>
+          </p:cNvSpPr>
+          <p:nvPr>
+            <p:ph type="title"/>
+          </p:nvPr>
+        </p:nvSpPr>
+        <p:spPr>
+          <a:xfrm>
+            <a:off x="349955" y="310445"/>
+            <a:ext cx="8421512" cy="707886"/>
+          </a:xfrm>
+        </p:spPr>
+        <p:txBody>
+          <a:bodyPr/>
+          <a:lstStyle/>
+          <a:p>
+            <a:pPr>
+              <a:tabLst>
+                <a:tab pos="8118475" algn="r"/>
+              </a:tabLst>
+            </a:pPr>
+            <a:r>
+              <a:rPr lang="en-US" sz="3200" dirty="0"/>
+              <a:t>The </a:t>
+            </a:r>
+            <a:r>
+              <a:rPr lang="en-US" sz="4000" i="1" dirty="0">
+                <a:solidFill>
+                  <a:srgbClr val="00FF00"/>
+                </a:solidFill>
+                <a:latin typeface="Times New Roman" panose="02020603050405020304" pitchFamily="18" charset="0"/>
+                <a:cs typeface="Times New Roman" panose="02020603050405020304" pitchFamily="18" charset="0"/>
+              </a:rPr>
+              <a:t>n + l</a:t>
+            </a:r>
+            <a:r>
+              <a:rPr lang="en-US" sz="3200" dirty="0"/>
+              <a:t> Rule	</a:t>
+            </a:r>
+            <a:r>
+              <a:rPr lang="en-US" sz="2400" dirty="0"/>
+              <a:t>(Aufbau Principle Reiterated)</a:t>
+            </a:r>
+            <a:endParaRPr lang="en-US" dirty="0"/>
+          </a:p>
+        </p:txBody>
+      </p:sp>
+      <p:sp>
+        <p:nvSpPr>
+          <p:cNvPr id="3" name="Content Placeholder 2">
+            <a:extLst>
+              <a:ext uri="{FF2B5EF4-FFF2-40B4-BE49-F238E27FC236}">
+                <a16:creationId xmlns:a16="http://schemas.microsoft.com/office/drawing/2014/main" id="{F8F9D5B8-3CA1-E3FA-80AD-40B738418B24}"/>
+              </a:ext>
+            </a:extLst>
+          </p:cNvPr>
+          <p:cNvSpPr>
+            <a:spLocks noGrp="1"/>
+          </p:cNvSpPr>
+          <p:nvPr>
+            <p:ph idx="1"/>
+          </p:nvPr>
+        </p:nvSpPr>
+        <p:spPr>
+          <a:xfrm>
+            <a:off x="372533" y="1072055"/>
+            <a:ext cx="8203908" cy="5475500"/>
+          </a:xfrm>
+        </p:spPr>
+        <p:txBody>
+          <a:bodyPr/>
+          <a:lstStyle/>
+          <a:p>
+            <a:pPr marL="0" indent="0">
+              <a:buNone/>
+            </a:pPr>
+            <a:r>
+              <a:rPr lang="en-US" sz="2000" dirty="0">
+                <a:solidFill>
+                  <a:srgbClr val="92D050"/>
+                </a:solidFill>
+              </a:rPr>
+              <a:t>Why does </a:t>
+            </a:r>
+            <a:r>
+              <a:rPr lang="en-US" sz="2000" i="1" dirty="0">
+                <a:solidFill>
+                  <a:srgbClr val="92D050"/>
+                </a:solidFill>
+              </a:rPr>
+              <a:t>3d</a:t>
+            </a:r>
+            <a:r>
+              <a:rPr lang="en-US" sz="2000" dirty="0">
+                <a:solidFill>
+                  <a:srgbClr val="92D050"/>
+                </a:solidFill>
+              </a:rPr>
+              <a:t> occur in the 4</a:t>
+            </a:r>
+            <a:r>
+              <a:rPr lang="en-US" sz="2000" baseline="30000" dirty="0">
+                <a:solidFill>
+                  <a:srgbClr val="92D050"/>
+                </a:solidFill>
+              </a:rPr>
+              <a:t>th</a:t>
+            </a:r>
+            <a:r>
+              <a:rPr lang="en-US" sz="2000" dirty="0">
+                <a:solidFill>
+                  <a:srgbClr val="92D050"/>
+                </a:solidFill>
+              </a:rPr>
+              <a:t> period and </a:t>
+            </a:r>
+            <a:r>
+              <a:rPr lang="en-US" sz="2000" i="1" dirty="0">
+                <a:solidFill>
+                  <a:srgbClr val="92D050"/>
+                </a:solidFill>
+              </a:rPr>
+              <a:t>4f</a:t>
+            </a:r>
+            <a:r>
+              <a:rPr lang="en-US" sz="2000" dirty="0">
+                <a:solidFill>
+                  <a:srgbClr val="92D050"/>
+                </a:solidFill>
+              </a:rPr>
+              <a:t> occur in the 6</a:t>
+            </a:r>
+            <a:r>
+              <a:rPr lang="en-US" sz="2000" baseline="30000" dirty="0">
+                <a:solidFill>
+                  <a:srgbClr val="92D050"/>
+                </a:solidFill>
+              </a:rPr>
+              <a:t>th</a:t>
+            </a:r>
+            <a:r>
+              <a:rPr lang="en-US" sz="2000" dirty="0">
+                <a:solidFill>
+                  <a:srgbClr val="92D050"/>
+                </a:solidFill>
+              </a:rPr>
+              <a:t> period?</a:t>
+            </a:r>
+          </a:p>
+          <a:p>
+            <a:pPr marL="457200" indent="-457200">
+              <a:buFont typeface="+mj-lt"/>
+              <a:buAutoNum type="arabicPeriod"/>
+            </a:pPr>
+            <a:r>
+              <a:rPr lang="en-US" dirty="0"/>
+              <a:t>Orbitals with lowest </a:t>
+            </a:r>
+            <a:r>
+              <a:rPr lang="en-US" i="1" dirty="0">
+                <a:solidFill>
+                  <a:srgbClr val="00FF00"/>
+                </a:solidFill>
+                <a:latin typeface="Times New Roman" panose="02020603050405020304" pitchFamily="18" charset="0"/>
+                <a:cs typeface="Times New Roman" panose="02020603050405020304" pitchFamily="18" charset="0"/>
+              </a:rPr>
+              <a:t>n + l</a:t>
+            </a:r>
+            <a:r>
+              <a:rPr lang="en-US" sz="1800" dirty="0"/>
+              <a:t>  </a:t>
+            </a:r>
+            <a:r>
+              <a:rPr lang="en-US" dirty="0"/>
+              <a:t>get filled first</a:t>
+            </a:r>
+          </a:p>
+          <a:p>
+            <a:pPr marL="457200" indent="-457200">
+              <a:buFont typeface="+mj-lt"/>
+              <a:buAutoNum type="arabicPeriod"/>
+            </a:pPr>
+            <a:r>
+              <a:rPr lang="en-US" dirty="0"/>
+              <a:t>If two orbitals have same </a:t>
+            </a:r>
+            <a:r>
+              <a:rPr lang="en-US" i="1" dirty="0">
+                <a:solidFill>
+                  <a:srgbClr val="00FF00"/>
+                </a:solidFill>
+                <a:latin typeface="Times New Roman" panose="02020603050405020304" pitchFamily="18" charset="0"/>
+                <a:cs typeface="Times New Roman" panose="02020603050405020304" pitchFamily="18" charset="0"/>
+              </a:rPr>
+              <a:t>n + l </a:t>
+            </a:r>
+            <a:r>
+              <a:rPr lang="en-US" dirty="0"/>
+              <a:t>the one with smaller </a:t>
+            </a:r>
+            <a:r>
+              <a:rPr lang="en-US" i="1" dirty="0">
+                <a:solidFill>
+                  <a:srgbClr val="00FF00"/>
+                </a:solidFill>
+                <a:latin typeface="Times New Roman" panose="02020603050405020304" pitchFamily="18" charset="0"/>
+                <a:cs typeface="Times New Roman" panose="02020603050405020304" pitchFamily="18" charset="0"/>
+              </a:rPr>
+              <a:t>n</a:t>
+            </a:r>
+            <a:r>
+              <a:rPr lang="en-US" dirty="0"/>
+              <a:t> fills first</a:t>
+            </a:r>
+          </a:p>
+          <a:p>
+            <a:pPr marL="0" indent="0">
+              <a:buNone/>
+            </a:pPr>
+            <a:endParaRPr lang="pt-BR" dirty="0"/>
+          </a:p>
+          <a:p>
+            <a:pPr marL="0" indent="0">
+              <a:buNone/>
+            </a:pPr>
+            <a:r>
+              <a:rPr lang="pt-BR" dirty="0"/>
+              <a:t>4s (</a:t>
+            </a:r>
+            <a:r>
+              <a:rPr lang="en-US" i="1" dirty="0">
+                <a:solidFill>
+                  <a:srgbClr val="00FF00"/>
+                </a:solidFill>
+                <a:latin typeface="Times New Roman" panose="02020603050405020304" pitchFamily="18" charset="0"/>
+                <a:cs typeface="Times New Roman" panose="02020603050405020304" pitchFamily="18" charset="0"/>
+              </a:rPr>
+              <a:t>n </a:t>
+            </a:r>
+            <a:r>
+              <a:rPr lang="pt-BR" dirty="0"/>
+              <a:t>=4, </a:t>
+            </a:r>
+            <a:r>
+              <a:rPr lang="en-US" i="1" dirty="0">
+                <a:solidFill>
+                  <a:srgbClr val="00FF00"/>
+                </a:solidFill>
+                <a:latin typeface="Times New Roman" panose="02020603050405020304" pitchFamily="18" charset="0"/>
+                <a:cs typeface="Times New Roman" panose="02020603050405020304" pitchFamily="18" charset="0"/>
+              </a:rPr>
+              <a:t>l </a:t>
+            </a:r>
+            <a:r>
+              <a:rPr lang="pt-BR" dirty="0"/>
+              <a:t>=0) → </a:t>
+            </a:r>
+            <a:r>
+              <a:rPr lang="en-US" i="1" dirty="0">
+                <a:solidFill>
+                  <a:srgbClr val="00FF00"/>
+                </a:solidFill>
+                <a:latin typeface="Times New Roman" panose="02020603050405020304" pitchFamily="18" charset="0"/>
+                <a:cs typeface="Times New Roman" panose="02020603050405020304" pitchFamily="18" charset="0"/>
+              </a:rPr>
+              <a:t>n + l</a:t>
+            </a:r>
+            <a:r>
+              <a:rPr lang="pt-BR" dirty="0"/>
+              <a:t> = 4</a:t>
+            </a:r>
+          </a:p>
+          <a:p>
+            <a:pPr marL="0" indent="0">
+              <a:buNone/>
+            </a:pPr>
+            <a:r>
+              <a:rPr lang="pt-BR" dirty="0"/>
+              <a:t>3d (</a:t>
+            </a:r>
+            <a:r>
+              <a:rPr lang="en-US" i="1" dirty="0">
+                <a:solidFill>
+                  <a:srgbClr val="00FF00"/>
+                </a:solidFill>
+                <a:latin typeface="Times New Roman" panose="02020603050405020304" pitchFamily="18" charset="0"/>
+                <a:cs typeface="Times New Roman" panose="02020603050405020304" pitchFamily="18" charset="0"/>
+              </a:rPr>
+              <a:t>n </a:t>
+            </a:r>
+            <a:r>
+              <a:rPr lang="pt-BR" dirty="0"/>
+              <a:t>=3, </a:t>
+            </a:r>
+            <a:r>
+              <a:rPr lang="en-US" i="1" dirty="0">
+                <a:solidFill>
+                  <a:srgbClr val="00FF00"/>
+                </a:solidFill>
+                <a:latin typeface="Times New Roman" panose="02020603050405020304" pitchFamily="18" charset="0"/>
+                <a:cs typeface="Times New Roman" panose="02020603050405020304" pitchFamily="18" charset="0"/>
+              </a:rPr>
+              <a:t>l </a:t>
+            </a:r>
+            <a:r>
+              <a:rPr lang="pt-BR" dirty="0"/>
+              <a:t>=2) → </a:t>
+            </a:r>
+            <a:r>
+              <a:rPr lang="en-US" i="1" dirty="0">
+                <a:solidFill>
+                  <a:srgbClr val="00FF00"/>
+                </a:solidFill>
+                <a:latin typeface="Times New Roman" panose="02020603050405020304" pitchFamily="18" charset="0"/>
+                <a:cs typeface="Times New Roman" panose="02020603050405020304" pitchFamily="18" charset="0"/>
+              </a:rPr>
+              <a:t>n + l</a:t>
+            </a:r>
+            <a:r>
+              <a:rPr lang="pt-BR" dirty="0"/>
+              <a:t> = 5</a:t>
+            </a:r>
+          </a:p>
+          <a:p>
+            <a:pPr marL="0" indent="0">
+              <a:buNone/>
+            </a:pPr>
+            <a:endParaRPr lang="pt-BR" sz="1200" dirty="0"/>
+          </a:p>
+          <a:p>
+            <a:pPr marL="0" indent="0">
+              <a:buNone/>
+            </a:pPr>
+            <a:r>
+              <a:rPr lang="pt-BR" dirty="0"/>
+              <a:t>4f (</a:t>
+            </a:r>
+            <a:r>
+              <a:rPr lang="en-US" i="1" dirty="0">
+                <a:solidFill>
+                  <a:srgbClr val="00FF00"/>
+                </a:solidFill>
+                <a:latin typeface="Times New Roman" panose="02020603050405020304" pitchFamily="18" charset="0"/>
+                <a:cs typeface="Times New Roman" panose="02020603050405020304" pitchFamily="18" charset="0"/>
+              </a:rPr>
+              <a:t>n </a:t>
+            </a:r>
+            <a:r>
+              <a:rPr lang="pt-BR" dirty="0"/>
+              <a:t>=4, </a:t>
+            </a:r>
+            <a:r>
+              <a:rPr lang="en-US" i="1" dirty="0">
+                <a:solidFill>
+                  <a:srgbClr val="00FF00"/>
+                </a:solidFill>
+                <a:latin typeface="Times New Roman" panose="02020603050405020304" pitchFamily="18" charset="0"/>
+                <a:cs typeface="Times New Roman" panose="02020603050405020304" pitchFamily="18" charset="0"/>
+              </a:rPr>
+              <a:t>l </a:t>
+            </a:r>
+            <a:r>
+              <a:rPr lang="pt-BR" dirty="0"/>
+              <a:t>=3) → </a:t>
+            </a:r>
+            <a:r>
+              <a:rPr lang="en-US" i="1" dirty="0">
+                <a:solidFill>
+                  <a:srgbClr val="00FF00"/>
+                </a:solidFill>
+                <a:latin typeface="Times New Roman" panose="02020603050405020304" pitchFamily="18" charset="0"/>
+                <a:cs typeface="Times New Roman" panose="02020603050405020304" pitchFamily="18" charset="0"/>
+              </a:rPr>
+              <a:t>n + l</a:t>
+            </a:r>
+            <a:r>
+              <a:rPr lang="pt-BR" dirty="0"/>
+              <a:t> = 7</a:t>
+            </a:r>
+          </a:p>
+          <a:p>
+            <a:pPr marL="0" indent="0">
+              <a:buNone/>
+            </a:pPr>
+            <a:r>
+              <a:rPr lang="pt-BR" dirty="0"/>
+              <a:t>6s (</a:t>
+            </a:r>
+            <a:r>
+              <a:rPr lang="en-US" i="1" dirty="0">
+                <a:solidFill>
+                  <a:srgbClr val="00FF00"/>
+                </a:solidFill>
+                <a:latin typeface="Times New Roman" panose="02020603050405020304" pitchFamily="18" charset="0"/>
+                <a:cs typeface="Times New Roman" panose="02020603050405020304" pitchFamily="18" charset="0"/>
+              </a:rPr>
+              <a:t>n </a:t>
+            </a:r>
+            <a:r>
+              <a:rPr lang="pt-BR" dirty="0"/>
+              <a:t>=6, </a:t>
+            </a:r>
+            <a:r>
+              <a:rPr lang="en-US" i="1" dirty="0">
+                <a:solidFill>
+                  <a:srgbClr val="00FF00"/>
+                </a:solidFill>
+                <a:latin typeface="Times New Roman" panose="02020603050405020304" pitchFamily="18" charset="0"/>
+                <a:cs typeface="Times New Roman" panose="02020603050405020304" pitchFamily="18" charset="0"/>
+              </a:rPr>
+              <a:t>l </a:t>
+            </a:r>
+            <a:r>
+              <a:rPr lang="pt-BR" dirty="0"/>
+              <a:t>=0) → </a:t>
+            </a:r>
+            <a:r>
+              <a:rPr lang="en-US" i="1" dirty="0">
+                <a:solidFill>
+                  <a:srgbClr val="00FF00"/>
+                </a:solidFill>
+                <a:latin typeface="Times New Roman" panose="02020603050405020304" pitchFamily="18" charset="0"/>
+                <a:cs typeface="Times New Roman" panose="02020603050405020304" pitchFamily="18" charset="0"/>
+              </a:rPr>
+              <a:t>n + l</a:t>
+            </a:r>
+            <a:r>
+              <a:rPr lang="pt-BR" dirty="0"/>
+              <a:t> = 6</a:t>
+            </a:r>
+          </a:p>
+          <a:p>
+            <a:pPr marL="0" indent="0">
+              <a:buNone/>
+            </a:pPr>
+            <a:endParaRPr lang="pt-BR" dirty="0"/>
+          </a:p>
+          <a:p>
+            <a:pPr marL="0" indent="0">
+              <a:buNone/>
+            </a:pPr>
+            <a:r>
+              <a:rPr lang="pt-BR" sz="2000" dirty="0">
+                <a:solidFill>
+                  <a:srgbClr val="FFFFCC"/>
+                </a:solidFill>
+              </a:rPr>
+              <a:t>Explains why </a:t>
+            </a:r>
+            <a:r>
+              <a:rPr lang="pt-BR" sz="2000" i="1" dirty="0">
+                <a:solidFill>
+                  <a:srgbClr val="FFFFCC"/>
+                </a:solidFill>
+              </a:rPr>
+              <a:t>4s</a:t>
+            </a:r>
+            <a:r>
+              <a:rPr lang="pt-BR" sz="2000" dirty="0">
+                <a:solidFill>
+                  <a:srgbClr val="FFFFCC"/>
+                </a:solidFill>
+              </a:rPr>
+              <a:t> fills before </a:t>
+            </a:r>
+            <a:r>
+              <a:rPr lang="pt-BR" sz="2000" i="1" dirty="0">
+                <a:solidFill>
+                  <a:srgbClr val="FFFFCC"/>
+                </a:solidFill>
+              </a:rPr>
+              <a:t>3d</a:t>
+            </a:r>
+            <a:r>
+              <a:rPr lang="pt-BR" sz="2000" dirty="0">
+                <a:solidFill>
+                  <a:srgbClr val="FFFFCC"/>
+                </a:solidFill>
+              </a:rPr>
+              <a:t>,</a:t>
+            </a:r>
+          </a:p>
+          <a:p>
+            <a:pPr marL="0" indent="0">
+              <a:buNone/>
+            </a:pPr>
+            <a:r>
+              <a:rPr lang="pt-BR" sz="2000" dirty="0">
+                <a:solidFill>
+                  <a:srgbClr val="FFFFCC"/>
+                </a:solidFill>
+              </a:rPr>
+              <a:t>And </a:t>
+            </a:r>
+            <a:r>
+              <a:rPr lang="pt-BR" sz="2000" i="1" dirty="0">
+                <a:solidFill>
+                  <a:srgbClr val="FFFFCC"/>
+                </a:solidFill>
+              </a:rPr>
+              <a:t>6s</a:t>
+            </a:r>
+            <a:r>
+              <a:rPr lang="pt-BR" sz="2000" dirty="0">
+                <a:solidFill>
+                  <a:srgbClr val="FFFFCC"/>
+                </a:solidFill>
+              </a:rPr>
+              <a:t> before </a:t>
+            </a:r>
+            <a:r>
+              <a:rPr lang="pt-BR" sz="2000" i="1" dirty="0">
+                <a:solidFill>
+                  <a:srgbClr val="FFFFCC"/>
+                </a:solidFill>
+              </a:rPr>
+              <a:t>4f</a:t>
+            </a:r>
+            <a:endParaRPr lang="en-US" sz="2000" i="1" dirty="0">
+              <a:solidFill>
+                <a:srgbClr val="FFFFCC"/>
+              </a:solidFill>
+            </a:endParaRPr>
+          </a:p>
+        </p:txBody>
+      </p:sp>
+      <p:sp>
+        <p:nvSpPr>
+          <p:cNvPr id="4" name="Slide Number Placeholder 3">
+            <a:extLst>
+              <a:ext uri="{FF2B5EF4-FFF2-40B4-BE49-F238E27FC236}">
+                <a16:creationId xmlns:a16="http://schemas.microsoft.com/office/drawing/2014/main" id="{E0FDB998-5B5A-5A4F-ADFA-69C6FB30229F}"/>
+              </a:ext>
+            </a:extLst>
+          </p:cNvPr>
+          <p:cNvSpPr>
+            <a:spLocks noGrp="1"/>
+          </p:cNvSpPr>
+          <p:nvPr>
+            <p:ph type="sldNum" sz="quarter" idx="11"/>
+          </p:nvPr>
+        </p:nvSpPr>
+        <p:spPr/>
+        <p:txBody>
+          <a:bodyPr/>
+          <a:lstStyle/>
+          <a:p>
+            <a:fld id="{450AD36E-3ACA-4EBB-9678-E39944C078A2}" type="slidenum">
+              <a:rPr lang="en-US" smtClean="0"/>
+              <a:pPr/>
+              <a:t>34</a:t>
+            </a:fld>
+            <a:endParaRPr lang="en-US" dirty="0"/>
+          </a:p>
+        </p:txBody>
+      </p:sp>
+      <p:graphicFrame>
+        <p:nvGraphicFramePr>
+          <p:cNvPr id="8" name="Table 7">
+            <a:extLst>
+              <a:ext uri="{FF2B5EF4-FFF2-40B4-BE49-F238E27FC236}">
+                <a16:creationId xmlns:a16="http://schemas.microsoft.com/office/drawing/2014/main" id="{55BD67B0-62C9-833A-DDDA-E2700988F4CA}"/>
+              </a:ext>
+            </a:extLst>
+          </p:cNvPr>
+          <p:cNvGraphicFramePr>
+            <a:graphicFrameLocks noGrp="1"/>
+          </p:cNvGraphicFramePr>
+          <p:nvPr/>
+        </p:nvGraphicFramePr>
+        <p:xfrm>
+          <a:off x="7576206" y="2828315"/>
+          <a:ext cx="1195261" cy="1962980"/>
+        </p:xfrm>
+        <a:graphic>
+          <a:graphicData uri="http://schemas.openxmlformats.org/drawingml/2006/table">
+            <a:tbl>
+              <a:tblPr firstRow="1" bandRow="1">
+                <a:tableStyleId>{073A0DAA-6AF3-43AB-8588-CEC1D06C72B9}</a:tableStyleId>
+              </a:tblPr>
+              <a:tblGrid>
+                <a:gridCol w="685801">
+                  <a:extLst>
+                    <a:ext uri="{9D8B030D-6E8A-4147-A177-3AD203B41FA5}">
+                      <a16:colId xmlns:a16="http://schemas.microsoft.com/office/drawing/2014/main" val="1943179679"/>
+                    </a:ext>
+                  </a:extLst>
+                </a:gridCol>
+                <a:gridCol w="509460">
+                  <a:extLst>
+                    <a:ext uri="{9D8B030D-6E8A-4147-A177-3AD203B41FA5}">
+                      <a16:colId xmlns:a16="http://schemas.microsoft.com/office/drawing/2014/main" val="3276409425"/>
+                    </a:ext>
+                  </a:extLst>
+                </a:gridCol>
+              </a:tblGrid>
+              <a:tr h="376445">
+                <a:tc gridSpan="2">
+                  <a:txBody>
+                    <a:bodyPr/>
+                    <a:lstStyle/>
+                    <a:p>
+                      <a:pPr algn="ctr"/>
+                      <a:r>
+                        <a:rPr lang="en-US" sz="2400" i="1" dirty="0">
+                          <a:solidFill>
+                            <a:srgbClr val="00FF00"/>
+                          </a:solidFill>
+                          <a:latin typeface="Times New Roman" panose="02020603050405020304" pitchFamily="18" charset="0"/>
+                          <a:cs typeface="Times New Roman" panose="02020603050405020304" pitchFamily="18" charset="0"/>
+                        </a:rPr>
+                        <a:t>l</a:t>
+                      </a:r>
+                    </a:p>
+                  </a:txBody>
+                  <a:tcPr/>
+                </a:tc>
+                <a:tc hMerge="1">
+                  <a:txBody>
+                    <a:bodyPr/>
+                    <a:lstStyle/>
+                    <a:p>
+                      <a:endParaRPr lang="en-US" dirty="0"/>
+                    </a:p>
+                  </a:txBody>
+                  <a:tcPr/>
+                </a:tc>
+                <a:extLst>
+                  <a:ext uri="{0D108BD9-81ED-4DB2-BD59-A6C34878D82A}">
+                    <a16:rowId xmlns:a16="http://schemas.microsoft.com/office/drawing/2014/main" val="198591165"/>
+                  </a:ext>
+                </a:extLst>
+              </a:tr>
+              <a:tr h="376445">
+                <a:tc>
+                  <a:txBody>
+                    <a:bodyPr/>
+                    <a:lstStyle/>
+                    <a:p>
+                      <a:pPr algn="ctr"/>
+                      <a:r>
+                        <a:rPr lang="en-US" i="1" dirty="0"/>
+                        <a:t>s</a:t>
+                      </a:r>
+                    </a:p>
+                  </a:txBody>
+                  <a:tcPr/>
+                </a:tc>
+                <a:tc>
+                  <a:txBody>
+                    <a:bodyPr/>
+                    <a:lstStyle/>
+                    <a:p>
+                      <a:pPr algn="ctr"/>
+                      <a:r>
+                        <a:rPr lang="en-US" dirty="0"/>
+                        <a:t>0</a:t>
+                      </a:r>
+                    </a:p>
+                  </a:txBody>
+                  <a:tcPr/>
+                </a:tc>
+                <a:extLst>
+                  <a:ext uri="{0D108BD9-81ED-4DB2-BD59-A6C34878D82A}">
+                    <a16:rowId xmlns:a16="http://schemas.microsoft.com/office/drawing/2014/main" val="2449237913"/>
+                  </a:ext>
+                </a:extLst>
+              </a:tr>
+              <a:tr h="376445">
+                <a:tc>
+                  <a:txBody>
+                    <a:bodyPr/>
+                    <a:lstStyle/>
+                    <a:p>
+                      <a:pPr marL="0" marR="0" lvl="0" indent="0" algn="ctr" defTabSz="914400" rtl="0" eaLnBrk="1" fontAlgn="auto" latinLnBrk="0" hangingPunct="1">
+                        <a:lnSpc>
+                          <a:spcPct val="100000"/>
+                        </a:lnSpc>
+                        <a:spcBef>
+                          <a:spcPts val="0"/>
+                        </a:spcBef>
+                        <a:spcAft>
+                          <a:spcPts val="0"/>
+                        </a:spcAft>
+                        <a:buClrTx/>
+                        <a:buSzTx/>
+                        <a:buFontTx/>
+                        <a:buNone/>
+                        <a:tabLst/>
+                        <a:defRPr/>
+                      </a:pPr>
+                      <a:r>
+                        <a:rPr lang="en-US" i="1" dirty="0"/>
+                        <a:t>p</a:t>
+                      </a:r>
+                    </a:p>
+                  </a:txBody>
+                  <a:tcPr/>
+                </a:tc>
+                <a:tc>
+                  <a:txBody>
+                    <a:bodyPr/>
+                    <a:lstStyle/>
+                    <a:p>
+                      <a:pPr algn="ctr"/>
+                      <a:r>
+                        <a:rPr lang="en-US" dirty="0"/>
+                        <a:t>1</a:t>
+                      </a:r>
+                    </a:p>
+                  </a:txBody>
+                  <a:tcPr/>
+                </a:tc>
+                <a:extLst>
+                  <a:ext uri="{0D108BD9-81ED-4DB2-BD59-A6C34878D82A}">
+                    <a16:rowId xmlns:a16="http://schemas.microsoft.com/office/drawing/2014/main" val="2389885784"/>
+                  </a:ext>
+                </a:extLst>
+              </a:tr>
+              <a:tr h="376445">
+                <a:tc>
+                  <a:txBody>
+                    <a:bodyPr/>
+                    <a:lstStyle/>
+                    <a:p>
+                      <a:pPr marL="0" marR="0" lvl="0" indent="0" algn="ctr" defTabSz="914400" rtl="0" eaLnBrk="1" fontAlgn="auto" latinLnBrk="0" hangingPunct="1">
+                        <a:lnSpc>
+                          <a:spcPct val="100000"/>
+                        </a:lnSpc>
+                        <a:spcBef>
+                          <a:spcPts val="0"/>
+                        </a:spcBef>
+                        <a:spcAft>
+                          <a:spcPts val="0"/>
+                        </a:spcAft>
+                        <a:buClrTx/>
+                        <a:buSzTx/>
+                        <a:buFontTx/>
+                        <a:buNone/>
+                        <a:tabLst/>
+                        <a:defRPr/>
+                      </a:pPr>
+                      <a:r>
+                        <a:rPr lang="en-US" i="1" dirty="0"/>
+                        <a:t>d</a:t>
+                      </a:r>
+                    </a:p>
+                  </a:txBody>
+                  <a:tcPr/>
+                </a:tc>
+                <a:tc>
+                  <a:txBody>
+                    <a:bodyPr/>
+                    <a:lstStyle/>
+                    <a:p>
+                      <a:pPr algn="ctr"/>
+                      <a:r>
+                        <a:rPr lang="en-US" dirty="0"/>
+                        <a:t>2</a:t>
+                      </a:r>
+                    </a:p>
+                  </a:txBody>
+                  <a:tcPr/>
+                </a:tc>
+                <a:extLst>
+                  <a:ext uri="{0D108BD9-81ED-4DB2-BD59-A6C34878D82A}">
+                    <a16:rowId xmlns:a16="http://schemas.microsoft.com/office/drawing/2014/main" val="1021204533"/>
+                  </a:ext>
+                </a:extLst>
+              </a:tr>
+              <a:tr h="376445">
+                <a:tc>
+                  <a:txBody>
+                    <a:bodyPr/>
+                    <a:lstStyle/>
+                    <a:p>
+                      <a:pPr marL="0" marR="0" lvl="0" indent="0" algn="ctr" defTabSz="914400" rtl="0" eaLnBrk="1" fontAlgn="auto" latinLnBrk="0" hangingPunct="1">
+                        <a:lnSpc>
+                          <a:spcPct val="100000"/>
+                        </a:lnSpc>
+                        <a:spcBef>
+                          <a:spcPts val="0"/>
+                        </a:spcBef>
+                        <a:spcAft>
+                          <a:spcPts val="0"/>
+                        </a:spcAft>
+                        <a:buClrTx/>
+                        <a:buSzTx/>
+                        <a:buFontTx/>
+                        <a:buNone/>
+                        <a:tabLst/>
+                        <a:defRPr/>
+                      </a:pPr>
+                      <a:r>
+                        <a:rPr lang="en-US" i="1" dirty="0"/>
+                        <a:t>f</a:t>
+                      </a:r>
+                    </a:p>
+                  </a:txBody>
+                  <a:tcPr/>
+                </a:tc>
+                <a:tc>
+                  <a:txBody>
+                    <a:bodyPr/>
+                    <a:lstStyle/>
+                    <a:p>
+                      <a:pPr algn="ctr"/>
+                      <a:r>
+                        <a:rPr lang="en-US" dirty="0"/>
+                        <a:t>3</a:t>
+                      </a:r>
+                    </a:p>
+                  </a:txBody>
+                  <a:tcPr/>
+                </a:tc>
+                <a:extLst>
+                  <a:ext uri="{0D108BD9-81ED-4DB2-BD59-A6C34878D82A}">
+                    <a16:rowId xmlns:a16="http://schemas.microsoft.com/office/drawing/2014/main" val="1220878322"/>
+                  </a:ext>
+                </a:extLst>
+              </a:tr>
+            </a:tbl>
+          </a:graphicData>
+        </a:graphic>
+      </p:graphicFrame>
+      <p:graphicFrame>
+        <p:nvGraphicFramePr>
+          <p:cNvPr id="9" name="Table 8">
+            <a:extLst>
+              <a:ext uri="{FF2B5EF4-FFF2-40B4-BE49-F238E27FC236}">
+                <a16:creationId xmlns:a16="http://schemas.microsoft.com/office/drawing/2014/main" id="{8F1FB529-57F4-527D-4078-98FFBA9FAD4F}"/>
+              </a:ext>
+            </a:extLst>
+          </p:cNvPr>
+          <p:cNvGraphicFramePr>
+            <a:graphicFrameLocks noGrp="1"/>
+          </p:cNvGraphicFramePr>
+          <p:nvPr/>
+        </p:nvGraphicFramePr>
+        <p:xfrm>
+          <a:off x="6801214" y="2828315"/>
+          <a:ext cx="660837" cy="3053080"/>
+        </p:xfrm>
+        <a:graphic>
+          <a:graphicData uri="http://schemas.openxmlformats.org/drawingml/2006/table">
+            <a:tbl>
+              <a:tblPr firstRow="1" bandRow="1">
+                <a:tableStyleId>{073A0DAA-6AF3-43AB-8588-CEC1D06C72B9}</a:tableStyleId>
+              </a:tblPr>
+              <a:tblGrid>
+                <a:gridCol w="660837">
+                  <a:extLst>
+                    <a:ext uri="{9D8B030D-6E8A-4147-A177-3AD203B41FA5}">
+                      <a16:colId xmlns:a16="http://schemas.microsoft.com/office/drawing/2014/main" val="1824923909"/>
+                    </a:ext>
+                  </a:extLst>
+                </a:gridCol>
+              </a:tblGrid>
+              <a:tr h="370840">
+                <a:tc>
+                  <a:txBody>
+                    <a:bodyPr/>
+                    <a:lstStyle/>
+                    <a:p>
+                      <a:pPr algn="ctr"/>
+                      <a:r>
+                        <a:rPr lang="en-US" sz="2400" i="1" dirty="0">
+                          <a:solidFill>
+                            <a:srgbClr val="00FF00"/>
+                          </a:solidFill>
+                          <a:latin typeface="Times New Roman" panose="02020603050405020304" pitchFamily="18" charset="0"/>
+                          <a:cs typeface="Times New Roman" panose="02020603050405020304" pitchFamily="18" charset="0"/>
+                        </a:rPr>
+                        <a:t>n</a:t>
+                      </a:r>
+                    </a:p>
+                  </a:txBody>
+                  <a:tcPr/>
+                </a:tc>
+                <a:extLst>
+                  <a:ext uri="{0D108BD9-81ED-4DB2-BD59-A6C34878D82A}">
+                    <a16:rowId xmlns:a16="http://schemas.microsoft.com/office/drawing/2014/main" val="198591165"/>
+                  </a:ext>
+                </a:extLst>
+              </a:tr>
+              <a:tr h="370840">
+                <a:tc>
+                  <a:txBody>
+                    <a:bodyPr/>
+                    <a:lstStyle/>
+                    <a:p>
+                      <a:pPr algn="ctr"/>
+                      <a:r>
+                        <a:rPr lang="en-US" dirty="0"/>
+                        <a:t>1</a:t>
+                      </a:r>
+                    </a:p>
+                  </a:txBody>
+                  <a:tcPr/>
+                </a:tc>
+                <a:extLst>
+                  <a:ext uri="{0D108BD9-81ED-4DB2-BD59-A6C34878D82A}">
+                    <a16:rowId xmlns:a16="http://schemas.microsoft.com/office/drawing/2014/main" val="2449237913"/>
+                  </a:ext>
+                </a:extLst>
+              </a:tr>
+              <a:tr h="370840">
+                <a:tc>
+                  <a:txBody>
+                    <a:bodyPr/>
+                    <a:lstStyle/>
+                    <a:p>
+                      <a:pPr algn="ctr"/>
+                      <a:r>
+                        <a:rPr lang="en-US" dirty="0"/>
+                        <a:t>2</a:t>
+                      </a:r>
+                    </a:p>
+                  </a:txBody>
+                  <a:tcPr/>
+                </a:tc>
+                <a:extLst>
+                  <a:ext uri="{0D108BD9-81ED-4DB2-BD59-A6C34878D82A}">
+                    <a16:rowId xmlns:a16="http://schemas.microsoft.com/office/drawing/2014/main" val="2389885784"/>
+                  </a:ext>
+                </a:extLst>
+              </a:tr>
+              <a:tr h="370840">
+                <a:tc>
+                  <a:txBody>
+                    <a:bodyPr/>
+                    <a:lstStyle/>
+                    <a:p>
+                      <a:pPr algn="ctr"/>
+                      <a:r>
+                        <a:rPr lang="en-US" dirty="0"/>
+                        <a:t>3</a:t>
+                      </a:r>
+                    </a:p>
+                  </a:txBody>
+                  <a:tcPr/>
+                </a:tc>
+                <a:extLst>
+                  <a:ext uri="{0D108BD9-81ED-4DB2-BD59-A6C34878D82A}">
+                    <a16:rowId xmlns:a16="http://schemas.microsoft.com/office/drawing/2014/main" val="1021204533"/>
+                  </a:ext>
+                </a:extLst>
+              </a:tr>
+              <a:tr h="370840">
+                <a:tc>
+                  <a:txBody>
+                    <a:bodyPr/>
+                    <a:lstStyle/>
+                    <a:p>
+                      <a:pPr algn="ctr"/>
+                      <a:r>
+                        <a:rPr lang="en-US" dirty="0"/>
+                        <a:t>4</a:t>
+                      </a:r>
+                    </a:p>
+                  </a:txBody>
+                  <a:tcPr/>
+                </a:tc>
+                <a:extLst>
+                  <a:ext uri="{0D108BD9-81ED-4DB2-BD59-A6C34878D82A}">
+                    <a16:rowId xmlns:a16="http://schemas.microsoft.com/office/drawing/2014/main" val="1220878322"/>
+                  </a:ext>
+                </a:extLst>
+              </a:tr>
+              <a:tr h="370840">
+                <a:tc>
+                  <a:txBody>
+                    <a:bodyPr/>
+                    <a:lstStyle/>
+                    <a:p>
+                      <a:pPr algn="ctr"/>
+                      <a:r>
+                        <a:rPr lang="en-US" dirty="0"/>
+                        <a:t>5</a:t>
+                      </a:r>
+                    </a:p>
+                  </a:txBody>
+                  <a:tcPr/>
+                </a:tc>
+                <a:extLst>
+                  <a:ext uri="{0D108BD9-81ED-4DB2-BD59-A6C34878D82A}">
+                    <a16:rowId xmlns:a16="http://schemas.microsoft.com/office/drawing/2014/main" val="2851640648"/>
+                  </a:ext>
+                </a:extLst>
+              </a:tr>
+              <a:tr h="370840">
+                <a:tc>
+                  <a:txBody>
+                    <a:bodyPr/>
+                    <a:lstStyle/>
+                    <a:p>
+                      <a:pPr algn="ctr"/>
+                      <a:r>
+                        <a:rPr lang="en-US" dirty="0"/>
+                        <a:t>6</a:t>
+                      </a:r>
+                    </a:p>
+                  </a:txBody>
+                  <a:tcPr/>
+                </a:tc>
+                <a:extLst>
+                  <a:ext uri="{0D108BD9-81ED-4DB2-BD59-A6C34878D82A}">
+                    <a16:rowId xmlns:a16="http://schemas.microsoft.com/office/drawing/2014/main" val="2169827315"/>
+                  </a:ext>
+                </a:extLst>
+              </a:tr>
+              <a:tr h="370840">
+                <a:tc>
+                  <a:txBody>
+                    <a:bodyPr/>
+                    <a:lstStyle/>
+                    <a:p>
+                      <a:pPr algn="ctr"/>
+                      <a:r>
+                        <a:rPr lang="en-US" dirty="0"/>
+                        <a:t>7</a:t>
+                      </a:r>
+                    </a:p>
+                  </a:txBody>
+                  <a:tcPr/>
+                </a:tc>
+                <a:extLst>
+                  <a:ext uri="{0D108BD9-81ED-4DB2-BD59-A6C34878D82A}">
+                    <a16:rowId xmlns:a16="http://schemas.microsoft.com/office/drawing/2014/main" val="1794452523"/>
+                  </a:ext>
+                </a:extLst>
+              </a:tr>
+            </a:tbl>
+          </a:graphicData>
+        </a:graphic>
+      </p:graphicFrame>
+    </p:spTree>
+    <p:extLst>
+      <p:ext uri="{BB962C8B-B14F-4D97-AF65-F5344CB8AC3E}">
+        <p14:creationId xmlns:p14="http://schemas.microsoft.com/office/powerpoint/2010/main" val="2860062302"/>
+      </p:ext>
+    </p:extLst>
+  </p:cSld>
+  <p:clrMapOvr>
+    <a:masterClrMapping/>
+  </p:clrMapOvr>
+</p:sld>
+</file>
+
+<file path=ppt/slides/slide35.xml><?xml version="1.0" encoding="utf-8"?>
+<p:sld xmlns:a="http://schemas.openxmlformats.org/drawingml/2006/main" xmlns:r="http://schemas.openxmlformats.org/officeDocument/2006/relationships" xmlns:p="http://schemas.openxmlformats.org/presentationml/2006/main">
+  <p:cSld>
+    <p:spTree>
+      <p:nvGrpSpPr>
+        <p:cNvPr id="1" name=""/>
+        <p:cNvGrpSpPr/>
+        <p:nvPr/>
+      </p:nvGrpSpPr>
+      <p:grpSpPr>
+        <a:xfrm>
+          <a:off x="0" y="0"/>
+          <a:ext cx="0" cy="0"/>
+          <a:chOff x="0" y="0"/>
+          <a:chExt cx="0" cy="0"/>
+        </a:xfrm>
+      </p:grpSpPr>
+      <p:sp>
+        <p:nvSpPr>
+          <p:cNvPr id="2" name="Title 1">
+            <a:extLst>
+              <a:ext uri="{FF2B5EF4-FFF2-40B4-BE49-F238E27FC236}">
+                <a16:creationId xmlns:a16="http://schemas.microsoft.com/office/drawing/2014/main" id="{74384FFC-E0EB-EF7A-8361-003EE12FBAD8}"/>
+              </a:ext>
+            </a:extLst>
+          </p:cNvPr>
+          <p:cNvSpPr>
+            <a:spLocks noGrp="1"/>
+          </p:cNvSpPr>
+          <p:nvPr>
+            <p:ph type="title"/>
+          </p:nvPr>
+        </p:nvSpPr>
+        <p:spPr>
+          <a:xfrm>
+            <a:off x="372533" y="310445"/>
+            <a:ext cx="8421512" cy="646331"/>
+          </a:xfrm>
+        </p:spPr>
+        <p:txBody>
+          <a:bodyPr/>
+          <a:lstStyle/>
+          <a:p>
+            <a:r>
+              <a:rPr lang="en-US" sz="3600" dirty="0"/>
+              <a:t>Figuring Out Valence Electron Numbers</a:t>
+            </a:r>
+          </a:p>
+        </p:txBody>
+      </p:sp>
+      <p:sp>
+        <p:nvSpPr>
+          <p:cNvPr id="3" name="Content Placeholder 2">
+            <a:extLst>
+              <a:ext uri="{FF2B5EF4-FFF2-40B4-BE49-F238E27FC236}">
+                <a16:creationId xmlns:a16="http://schemas.microsoft.com/office/drawing/2014/main" id="{5C77D34D-10A9-9802-CEF0-FBD61B910CF2}"/>
+              </a:ext>
+            </a:extLst>
+          </p:cNvPr>
+          <p:cNvSpPr>
+            <a:spLocks noGrp="1"/>
+          </p:cNvSpPr>
+          <p:nvPr>
+            <p:ph idx="1"/>
+          </p:nvPr>
+        </p:nvSpPr>
+        <p:spPr/>
+        <p:txBody>
+          <a:bodyPr/>
+          <a:lstStyle/>
+          <a:p>
+            <a:endParaRPr lang="en-US"/>
+          </a:p>
+        </p:txBody>
+      </p:sp>
+      <p:sp>
+        <p:nvSpPr>
+          <p:cNvPr id="4" name="Slide Number Placeholder 3">
+            <a:extLst>
+              <a:ext uri="{FF2B5EF4-FFF2-40B4-BE49-F238E27FC236}">
+                <a16:creationId xmlns:a16="http://schemas.microsoft.com/office/drawing/2014/main" id="{9FD7849E-B762-681B-BB6F-869B90946857}"/>
+              </a:ext>
+            </a:extLst>
+          </p:cNvPr>
+          <p:cNvSpPr>
+            <a:spLocks noGrp="1"/>
+          </p:cNvSpPr>
+          <p:nvPr>
+            <p:ph type="sldNum" sz="quarter" idx="11"/>
+          </p:nvPr>
+        </p:nvSpPr>
+        <p:spPr/>
+        <p:txBody>
+          <a:bodyPr/>
+          <a:lstStyle/>
+          <a:p>
+            <a:fld id="{450AD36E-3ACA-4EBB-9678-E39944C078A2}" type="slidenum">
+              <a:rPr lang="en-US" smtClean="0"/>
+              <a:pPr/>
+              <a:t>35</a:t>
+            </a:fld>
+            <a:endParaRPr lang="en-US" dirty="0"/>
+          </a:p>
+        </p:txBody>
+      </p:sp>
+      <p:pic>
+        <p:nvPicPr>
+          <p:cNvPr id="6" name="Picture 5">
+            <a:extLst>
+              <a:ext uri="{FF2B5EF4-FFF2-40B4-BE49-F238E27FC236}">
+                <a16:creationId xmlns:a16="http://schemas.microsoft.com/office/drawing/2014/main" id="{804E2177-72C7-15A4-5F09-0F367758CD76}"/>
+              </a:ext>
+            </a:extLst>
+          </p:cNvPr>
+          <p:cNvPicPr>
+            <a:picLocks noChangeAspect="1"/>
+          </p:cNvPicPr>
+          <p:nvPr/>
+        </p:nvPicPr>
+        <p:blipFill>
+          <a:blip r:embed="rId2"/>
+          <a:stretch>
+            <a:fillRect/>
+          </a:stretch>
+        </p:blipFill>
+        <p:spPr>
+          <a:xfrm>
+            <a:off x="1134325" y="1332090"/>
+            <a:ext cx="6875349" cy="5299427"/>
+          </a:xfrm>
+          <a:prstGeom prst="rect">
+            <a:avLst/>
+          </a:prstGeom>
+        </p:spPr>
+      </p:pic>
+    </p:spTree>
+    <p:extLst>
+      <p:ext uri="{BB962C8B-B14F-4D97-AF65-F5344CB8AC3E}">
+        <p14:creationId xmlns:p14="http://schemas.microsoft.com/office/powerpoint/2010/main" val="216621607"/>
+      </p:ext>
+    </p:extLst>
+  </p:cSld>
+  <p:clrMapOvr>
+    <a:masterClrMapping/>
+  </p:clrMapOvr>
+</p:sld>
+</file>
+
+<file path=ppt/slides/slide36.xml><?xml version="1.0" encoding="utf-8"?>
 <p:sld xmlns:a="http://schemas.openxmlformats.org/drawingml/2006/main" xmlns:r="http://schemas.openxmlformats.org/officeDocument/2006/relationships" xmlns:p="http://schemas.openxmlformats.org/presentationml/2006/main">
   <p:cSld>
     <p:spTree>
@@ -21052,12 +25575,184 @@
             <p:ph idx="1"/>
           </p:nvPr>
         </p:nvSpPr>
-        <p:spPr/>
+        <p:spPr>
+          <a:xfrm>
+            <a:off x="372534" y="1332090"/>
+            <a:ext cx="3883060" cy="5215465"/>
+          </a:xfrm>
+        </p:spPr>
         <p:txBody>
           <a:bodyPr/>
           <a:lstStyle/>
           <a:p>
-            <a:endParaRPr lang="en-US"/>
+            <a:r>
+              <a:rPr lang="en-US" dirty="0"/>
+              <a:t>Going </a:t>
+            </a:r>
+            <a:r>
+              <a:rPr lang="en-US" dirty="0">
+                <a:solidFill>
+                  <a:schemeClr val="accent1">
+                    <a:lumMod val="60000"/>
+                    <a:lumOff val="40000"/>
+                  </a:schemeClr>
+                </a:solidFill>
+              </a:rPr>
+              <a:t>DOWN</a:t>
+            </a:r>
+            <a:r>
+              <a:rPr lang="en-US" dirty="0"/>
+              <a:t> the table (1</a:t>
+            </a:r>
+            <a:r>
+              <a:rPr lang="en-US" baseline="30000" dirty="0"/>
+              <a:t>st</a:t>
+            </a:r>
+            <a:r>
+              <a:rPr lang="en-US" dirty="0"/>
+              <a:t>, 2</a:t>
+            </a:r>
+            <a:r>
+              <a:rPr lang="en-US" baseline="30000" dirty="0"/>
+              <a:t>nd</a:t>
+            </a:r>
+            <a:r>
+              <a:rPr lang="en-US" dirty="0"/>
+              <a:t>, … period), the </a:t>
+            </a:r>
+            <a:r>
+              <a:rPr lang="en-US" dirty="0">
+                <a:solidFill>
+                  <a:srgbClr val="00FF00"/>
+                </a:solidFill>
+              </a:rPr>
+              <a:t>radius</a:t>
+            </a:r>
+            <a:r>
+              <a:rPr lang="en-US" dirty="0"/>
+              <a:t> </a:t>
+            </a:r>
+            <a:r>
+              <a:rPr lang="en-US" dirty="0">
+                <a:solidFill>
+                  <a:schemeClr val="accent1">
+                    <a:lumMod val="60000"/>
+                    <a:lumOff val="40000"/>
+                  </a:schemeClr>
+                </a:solidFill>
+              </a:rPr>
+              <a:t>INCREASES</a:t>
+            </a:r>
+          </a:p>
+          <a:p>
+            <a:pPr marL="0" indent="0">
+              <a:buNone/>
+            </a:pPr>
+            <a:r>
+              <a:rPr lang="en-US" b="1" i="1" u="sng" dirty="0">
+                <a:solidFill>
+                  <a:srgbClr val="FFFF00"/>
+                </a:solidFill>
+                <a:latin typeface="Times New Roman" panose="02020603050405020304" pitchFamily="18" charset="0"/>
+                <a:cs typeface="Times New Roman" panose="02020603050405020304" pitchFamily="18" charset="0"/>
+              </a:rPr>
+              <a:t>Adding shells</a:t>
+            </a:r>
+            <a:r>
+              <a:rPr lang="en-US" b="1" i="1" dirty="0">
+                <a:solidFill>
+                  <a:srgbClr val="FFFF00"/>
+                </a:solidFill>
+                <a:latin typeface="Times New Roman" panose="02020603050405020304" pitchFamily="18" charset="0"/>
+                <a:cs typeface="Times New Roman" panose="02020603050405020304" pitchFamily="18" charset="0"/>
+              </a:rPr>
+              <a:t> makes an atom bigger generally</a:t>
+            </a:r>
+          </a:p>
+          <a:p>
+            <a:r>
+              <a:rPr lang="en-US" dirty="0"/>
+              <a:t>Going </a:t>
+            </a:r>
+            <a:r>
+              <a:rPr lang="en-US" dirty="0">
+                <a:solidFill>
+                  <a:schemeClr val="accent1">
+                    <a:lumMod val="60000"/>
+                    <a:lumOff val="40000"/>
+                  </a:schemeClr>
+                </a:solidFill>
+              </a:rPr>
+              <a:t>RIGHT</a:t>
+            </a:r>
+            <a:r>
+              <a:rPr lang="en-US" dirty="0"/>
+              <a:t> in table (1</a:t>
+            </a:r>
+            <a:r>
+              <a:rPr lang="en-US" baseline="30000" dirty="0"/>
+              <a:t>st</a:t>
+            </a:r>
+            <a:r>
+              <a:rPr lang="en-US" dirty="0"/>
+              <a:t>,2</a:t>
+            </a:r>
+            <a:r>
+              <a:rPr lang="en-US" baseline="30000" dirty="0"/>
+              <a:t>nd </a:t>
+            </a:r>
+            <a:r>
+              <a:rPr lang="en-US" dirty="0"/>
+              <a:t>… groups), the </a:t>
+            </a:r>
+            <a:r>
+              <a:rPr lang="en-US" dirty="0">
+                <a:solidFill>
+                  <a:srgbClr val="00FF00"/>
+                </a:solidFill>
+              </a:rPr>
+              <a:t>radius</a:t>
+            </a:r>
+            <a:r>
+              <a:rPr lang="en-US" dirty="0"/>
+              <a:t> </a:t>
+            </a:r>
+            <a:r>
+              <a:rPr lang="en-US" dirty="0">
+                <a:solidFill>
+                  <a:schemeClr val="accent1">
+                    <a:lumMod val="60000"/>
+                    <a:lumOff val="40000"/>
+                  </a:schemeClr>
+                </a:solidFill>
+              </a:rPr>
+              <a:t>DECREASES</a:t>
+            </a:r>
+          </a:p>
+          <a:p>
+            <a:pPr marL="0" indent="0">
+              <a:buNone/>
+            </a:pPr>
+            <a:r>
+              <a:rPr lang="en-US" b="1" i="1" u="sng" dirty="0">
+                <a:solidFill>
+                  <a:srgbClr val="FFFF00"/>
+                </a:solidFill>
+                <a:latin typeface="Times New Roman" panose="02020603050405020304" pitchFamily="18" charset="0"/>
+                <a:cs typeface="Times New Roman" panose="02020603050405020304" pitchFamily="18" charset="0"/>
+              </a:rPr>
+              <a:t>Adding protons without adding a shell</a:t>
+            </a:r>
+            <a:r>
+              <a:rPr lang="en-US" b="1" i="1" dirty="0">
+                <a:solidFill>
+                  <a:srgbClr val="FFFF00"/>
+                </a:solidFill>
+                <a:latin typeface="Times New Roman" panose="02020603050405020304" pitchFamily="18" charset="0"/>
+                <a:cs typeface="Times New Roman" panose="02020603050405020304" pitchFamily="18" charset="0"/>
+              </a:rPr>
+              <a:t> pulls all electrons in closer to nucleus</a:t>
+            </a:r>
           </a:p>
         </p:txBody>
       </p:sp>
@@ -21083,7 +25778,7 @@
         </p:blipFill>
         <p:spPr>
           <a:xfrm>
-            <a:off x="3731940" y="1791939"/>
+            <a:off x="4255594" y="1362544"/>
             <a:ext cx="4877757" cy="4132911"/>
           </a:xfrm>
           <a:prstGeom prst="rect">
@@ -21115,7 +25810,7 @@
             <a:fld id="{450AD36E-3ACA-4EBB-9678-E39944C078A2}" type="slidenum">
               <a:rPr lang="en-US" smtClean="0"/>
               <a:pPr/>
-              <a:t>34</a:t>
+              <a:t>36</a:t>
             </a:fld>
             <a:endParaRPr lang="en-US" dirty="0"/>
           </a:p>
@@ -21134,7 +25829,7 @@
 </p:sld>
 </file>
 
-<file path=ppt/slides/slide35.xml><?xml version="1.0" encoding="utf-8"?>
+<file path=ppt/slides/slide37.xml><?xml version="1.0" encoding="utf-8"?>
 <p:sld xmlns:a="http://schemas.openxmlformats.org/drawingml/2006/main" xmlns:r="http://schemas.openxmlformats.org/officeDocument/2006/relationships" xmlns:p="http://schemas.openxmlformats.org/presentationml/2006/main">
   <p:cSld>
     <p:spTree>
@@ -21203,7 +25898,7 @@
         </p:blipFill>
         <p:spPr bwMode="auto">
           <a:xfrm>
-            <a:off x="4692206" y="1390185"/>
+            <a:off x="4790259" y="2080962"/>
             <a:ext cx="4162150" cy="4413250"/>
           </a:xfrm>
           <a:prstGeom prst="rect">
@@ -21243,12 +25938,376 @@
             <a:fld id="{450AD36E-3ACA-4EBB-9678-E39944C078A2}" type="slidenum">
               <a:rPr lang="en-US" smtClean="0"/>
               <a:pPr/>
-              <a:t>35</a:t>
+              <a:t>37</a:t>
             </a:fld>
             <a:endParaRPr lang="en-US" dirty="0"/>
           </a:p>
         </p:txBody>
       </p:sp>
+      <p:sp>
+        <p:nvSpPr>
+          <p:cNvPr id="4" name="Content Placeholder 2">
+            <a:extLst>
+              <a:ext uri="{FF2B5EF4-FFF2-40B4-BE49-F238E27FC236}">
+                <a16:creationId xmlns:a16="http://schemas.microsoft.com/office/drawing/2014/main" id="{30E22493-FDFC-D9AD-799F-2FD20CD3725F}"/>
+              </a:ext>
+            </a:extLst>
+          </p:cNvPr>
+          <p:cNvSpPr txBox="1">
+            <a:spLocks/>
+          </p:cNvSpPr>
+          <p:nvPr/>
+        </p:nvSpPr>
+        <p:spPr bwMode="auto">
+          <a:xfrm>
+            <a:off x="372534" y="1411014"/>
+            <a:ext cx="4319672" cy="5136541"/>
+          </a:xfrm>
+          <a:prstGeom prst="rect">
+            <a:avLst/>
+          </a:prstGeom>
+          <a:noFill/>
+          <a:ln w="9525">
+            <a:noFill/>
+            <a:miter lim="800000"/>
+            <a:headEnd/>
+            <a:tailEnd/>
+          </a:ln>
+          <a:effectLst/>
+        </p:spPr>
+        <p:txBody>
+          <a:bodyPr vert="horz" wrap="square" lIns="91440" tIns="45720" rIns="91440" bIns="45720" numCol="1" anchor="t" anchorCtr="0" compatLnSpc="1">
+            <a:prstTxWarp prst="textNoShape">
+              <a:avLst/>
+            </a:prstTxWarp>
+          </a:bodyPr>
+          <a:lstStyle>
+            <a:lvl1pPr marL="282575" indent="-282575" algn="l" rtl="0" eaLnBrk="1" fontAlgn="base" hangingPunct="1">
+              <a:spcBef>
+                <a:spcPct val="20000"/>
+              </a:spcBef>
+              <a:spcAft>
+                <a:spcPct val="0"/>
+              </a:spcAft>
+              <a:buChar char="•"/>
+              <a:defRPr sz="2400">
+                <a:solidFill>
+                  <a:schemeClr val="bg1"/>
+                </a:solidFill>
+                <a:latin typeface="+mn-lt"/>
+                <a:ea typeface="+mn-ea"/>
+                <a:cs typeface="+mn-cs"/>
+              </a:defRPr>
+            </a:lvl1pPr>
+            <a:lvl2pPr marL="519113" indent="-287338" algn="l" rtl="0" eaLnBrk="1" fontAlgn="base" hangingPunct="1">
+              <a:spcBef>
+                <a:spcPct val="20000"/>
+              </a:spcBef>
+              <a:spcAft>
+                <a:spcPct val="0"/>
+              </a:spcAft>
+              <a:buFont typeface="Wingdings" pitchFamily="2" charset="2"/>
+              <a:buChar char="§"/>
+              <a:defRPr sz="2000">
+                <a:solidFill>
+                  <a:schemeClr val="bg1"/>
+                </a:solidFill>
+                <a:latin typeface="+mn-lt"/>
+              </a:defRPr>
+            </a:lvl2pPr>
+            <a:lvl3pPr marL="801688" indent="-225425" algn="l" rtl="0" eaLnBrk="1" fontAlgn="base" hangingPunct="1">
+              <a:spcBef>
+                <a:spcPct val="20000"/>
+              </a:spcBef>
+              <a:spcAft>
+                <a:spcPct val="0"/>
+              </a:spcAft>
+              <a:buFont typeface="Courier New" panose="02070309020205020404" pitchFamily="49" charset="0"/>
+              <a:buChar char="o"/>
+              <a:defRPr sz="1800">
+                <a:solidFill>
+                  <a:schemeClr val="bg1"/>
+                </a:solidFill>
+                <a:latin typeface="+mn-lt"/>
+              </a:defRPr>
+            </a:lvl3pPr>
+            <a:lvl4pPr marL="1084263" indent="-288925" algn="l" rtl="0" eaLnBrk="1" fontAlgn="base" hangingPunct="1">
+              <a:spcBef>
+                <a:spcPct val="20000"/>
+              </a:spcBef>
+              <a:spcAft>
+                <a:spcPct val="0"/>
+              </a:spcAft>
+              <a:buFont typeface="Wingdings" panose="05000000000000000000" pitchFamily="2" charset="2"/>
+              <a:buChar char="q"/>
+              <a:defRPr sz="1600">
+                <a:solidFill>
+                  <a:schemeClr val="bg1"/>
+                </a:solidFill>
+                <a:latin typeface="+mn-lt"/>
+              </a:defRPr>
+            </a:lvl4pPr>
+            <a:lvl5pPr marL="1377950" indent="-293688" algn="l" rtl="0" eaLnBrk="1" fontAlgn="base" hangingPunct="1">
+              <a:spcBef>
+                <a:spcPct val="20000"/>
+              </a:spcBef>
+              <a:spcAft>
+                <a:spcPct val="0"/>
+              </a:spcAft>
+              <a:buFont typeface="Wingdings" panose="05000000000000000000" pitchFamily="2" charset="2"/>
+              <a:buChar char="§"/>
+              <a:defRPr sz="1400">
+                <a:solidFill>
+                  <a:schemeClr val="bg1"/>
+                </a:solidFill>
+                <a:latin typeface="+mn-lt"/>
+              </a:defRPr>
+            </a:lvl5pPr>
+            <a:lvl6pPr marL="2514600" indent="-228600" algn="l" rtl="0" eaLnBrk="1" fontAlgn="base" hangingPunct="1">
+              <a:spcBef>
+                <a:spcPct val="20000"/>
+              </a:spcBef>
+              <a:spcAft>
+                <a:spcPct val="0"/>
+              </a:spcAft>
+              <a:buChar char="»"/>
+              <a:defRPr sz="2000">
+                <a:solidFill>
+                  <a:schemeClr val="bg1"/>
+                </a:solidFill>
+                <a:latin typeface="+mn-lt"/>
+              </a:defRPr>
+            </a:lvl6pPr>
+            <a:lvl7pPr marL="2971800" indent="-228600" algn="l" rtl="0" eaLnBrk="1" fontAlgn="base" hangingPunct="1">
+              <a:spcBef>
+                <a:spcPct val="20000"/>
+              </a:spcBef>
+              <a:spcAft>
+                <a:spcPct val="0"/>
+              </a:spcAft>
+              <a:buChar char="»"/>
+              <a:defRPr sz="2000">
+                <a:solidFill>
+                  <a:schemeClr val="bg1"/>
+                </a:solidFill>
+                <a:latin typeface="+mn-lt"/>
+              </a:defRPr>
+            </a:lvl7pPr>
+            <a:lvl8pPr marL="3429000" indent="-228600" algn="l" rtl="0" eaLnBrk="1" fontAlgn="base" hangingPunct="1">
+              <a:spcBef>
+                <a:spcPct val="20000"/>
+              </a:spcBef>
+              <a:spcAft>
+                <a:spcPct val="0"/>
+              </a:spcAft>
+              <a:buChar char="»"/>
+              <a:defRPr sz="2000">
+                <a:solidFill>
+                  <a:schemeClr val="bg1"/>
+                </a:solidFill>
+                <a:latin typeface="+mn-lt"/>
+              </a:defRPr>
+            </a:lvl8pPr>
+            <a:lvl9pPr marL="3886200" indent="-228600" algn="l" rtl="0" eaLnBrk="1" fontAlgn="base" hangingPunct="1">
+              <a:spcBef>
+                <a:spcPct val="20000"/>
+              </a:spcBef>
+              <a:spcAft>
+                <a:spcPct val="0"/>
+              </a:spcAft>
+              <a:buChar char="»"/>
+              <a:defRPr sz="2000">
+                <a:solidFill>
+                  <a:schemeClr val="bg1"/>
+                </a:solidFill>
+                <a:latin typeface="+mn-lt"/>
+              </a:defRPr>
+            </a:lvl9pPr>
+          </a:lstStyle>
+          <a:p>
+            <a:r>
+              <a:rPr lang="en-US" sz="2200" kern="0" dirty="0"/>
+              <a:t>Going </a:t>
+            </a:r>
+            <a:r>
+              <a:rPr lang="en-US" sz="2200" kern="0" dirty="0">
+                <a:solidFill>
+                  <a:schemeClr val="accent1">
+                    <a:lumMod val="60000"/>
+                    <a:lumOff val="40000"/>
+                  </a:schemeClr>
+                </a:solidFill>
+              </a:rPr>
+              <a:t>DOWN</a:t>
+            </a:r>
+            <a:r>
+              <a:rPr lang="en-US" sz="2200" kern="0" dirty="0"/>
+              <a:t> the table (1</a:t>
+            </a:r>
+            <a:r>
+              <a:rPr lang="en-US" sz="2200" kern="0" baseline="30000" dirty="0"/>
+              <a:t>st</a:t>
+            </a:r>
+            <a:r>
+              <a:rPr lang="en-US" sz="2200" kern="0" dirty="0"/>
+              <a:t>, 2</a:t>
+            </a:r>
+            <a:r>
+              <a:rPr lang="en-US" sz="2200" kern="0" baseline="30000" dirty="0"/>
+              <a:t>nd</a:t>
+            </a:r>
+            <a:r>
+              <a:rPr lang="en-US" sz="2200" kern="0" dirty="0"/>
+              <a:t>, … period), the </a:t>
+            </a:r>
+            <a:r>
+              <a:rPr lang="en-US" sz="2200" kern="0" dirty="0">
+                <a:solidFill>
+                  <a:srgbClr val="00FF00"/>
+                </a:solidFill>
+              </a:rPr>
+              <a:t>ionization energy </a:t>
+            </a:r>
+            <a:r>
+              <a:rPr lang="en-US" sz="2200" kern="0" dirty="0"/>
+              <a:t> </a:t>
+            </a:r>
+            <a:r>
+              <a:rPr lang="en-US" sz="2200" kern="0" dirty="0">
+                <a:solidFill>
+                  <a:schemeClr val="accent1">
+                    <a:lumMod val="60000"/>
+                    <a:lumOff val="40000"/>
+                  </a:schemeClr>
+                </a:solidFill>
+              </a:rPr>
+              <a:t>DECREASES</a:t>
+            </a:r>
+          </a:p>
+          <a:p>
+            <a:pPr marL="0" indent="0">
+              <a:buFontTx/>
+              <a:buNone/>
+            </a:pPr>
+            <a:r>
+              <a:rPr lang="en-US" sz="2200" b="1" i="1" kern="0" dirty="0">
+                <a:solidFill>
+                  <a:srgbClr val="FFFF00"/>
+                </a:solidFill>
+                <a:latin typeface="Times New Roman" panose="02020603050405020304" pitchFamily="18" charset="0"/>
+                <a:cs typeface="Times New Roman" panose="02020603050405020304" pitchFamily="18" charset="0"/>
+              </a:rPr>
+              <a:t>Easier to remove one valence electron as valence shell gets further away from nucleus</a:t>
+            </a:r>
+          </a:p>
+          <a:p>
+            <a:r>
+              <a:rPr lang="en-US" sz="2200" kern="0" dirty="0"/>
+              <a:t>Going </a:t>
+            </a:r>
+            <a:r>
+              <a:rPr lang="en-US" sz="2200" kern="0" dirty="0">
+                <a:solidFill>
+                  <a:schemeClr val="accent1">
+                    <a:lumMod val="60000"/>
+                    <a:lumOff val="40000"/>
+                  </a:schemeClr>
+                </a:solidFill>
+              </a:rPr>
+              <a:t>RIGHT</a:t>
+            </a:r>
+            <a:r>
+              <a:rPr lang="en-US" sz="2200" kern="0" dirty="0"/>
+              <a:t> in table (1</a:t>
+            </a:r>
+            <a:r>
+              <a:rPr lang="en-US" sz="2200" kern="0" baseline="30000" dirty="0"/>
+              <a:t>st</a:t>
+            </a:r>
+            <a:r>
+              <a:rPr lang="en-US" sz="2200" kern="0" dirty="0"/>
+              <a:t>,2</a:t>
+            </a:r>
+            <a:r>
+              <a:rPr lang="en-US" sz="2200" kern="0" baseline="30000" dirty="0"/>
+              <a:t>nd </a:t>
+            </a:r>
+            <a:r>
+              <a:rPr lang="en-US" sz="2200" kern="0" dirty="0"/>
+              <a:t>… groups), the </a:t>
+            </a:r>
+            <a:r>
+              <a:rPr lang="en-US" sz="2200" kern="0" dirty="0">
+                <a:solidFill>
+                  <a:srgbClr val="00FF00"/>
+                </a:solidFill>
+              </a:rPr>
+              <a:t>ionization energy</a:t>
+            </a:r>
+            <a:r>
+              <a:rPr lang="en-US" sz="2200" kern="0" dirty="0"/>
+              <a:t> </a:t>
+            </a:r>
+            <a:r>
+              <a:rPr lang="en-US" sz="2200" kern="0" dirty="0">
+                <a:solidFill>
+                  <a:schemeClr val="accent1">
+                    <a:lumMod val="60000"/>
+                    <a:lumOff val="40000"/>
+                  </a:schemeClr>
+                </a:solidFill>
+              </a:rPr>
+              <a:t>INCREASES</a:t>
+            </a:r>
+          </a:p>
+          <a:p>
+            <a:pPr marL="0" indent="0">
+              <a:buFontTx/>
+              <a:buNone/>
+            </a:pPr>
+            <a:r>
+              <a:rPr lang="en-US" sz="2200" b="1" i="1" kern="0" dirty="0">
+                <a:solidFill>
+                  <a:srgbClr val="FFFF00"/>
+                </a:solidFill>
+                <a:latin typeface="Times New Roman" panose="02020603050405020304" pitchFamily="18" charset="0"/>
+                <a:cs typeface="Times New Roman" panose="02020603050405020304" pitchFamily="18" charset="0"/>
+              </a:rPr>
+              <a:t>Because radius decreases, valence electrons are brought in closer, so takes more energy to ionize</a:t>
+            </a:r>
+          </a:p>
+        </p:txBody>
+      </p:sp>
+      <p:pic>
+        <p:nvPicPr>
+          <p:cNvPr id="7" name="Picture 6">
+            <a:extLst>
+              <a:ext uri="{FF2B5EF4-FFF2-40B4-BE49-F238E27FC236}">
+                <a16:creationId xmlns:a16="http://schemas.microsoft.com/office/drawing/2014/main" id="{27F0DF8D-A069-E122-5854-9F5708B3F132}"/>
+              </a:ext>
+            </a:extLst>
+          </p:cNvPr>
+          <p:cNvPicPr>
+            <a:picLocks noChangeAspect="1"/>
+          </p:cNvPicPr>
+          <p:nvPr/>
+        </p:nvPicPr>
+        <p:blipFill>
+          <a:blip r:embed="rId3"/>
+          <a:stretch>
+            <a:fillRect/>
+          </a:stretch>
+        </p:blipFill>
+        <p:spPr>
+          <a:xfrm>
+            <a:off x="5088544" y="1333199"/>
+            <a:ext cx="3286584" cy="562053"/>
+          </a:xfrm>
+          <a:prstGeom prst="rect">
+            <a:avLst/>
+          </a:prstGeom>
+        </p:spPr>
+      </p:pic>
     </p:spTree>
     <p:extLst>
       <p:ext uri="{BB962C8B-B14F-4D97-AF65-F5344CB8AC3E}">
@@ -21262,7 +26321,345 @@
 </p:sld>
 </file>
 
-<file path=ppt/slides/slide36.xml><?xml version="1.0" encoding="utf-8"?>
+<file path=ppt/slides/slide38.xml><?xml version="1.0" encoding="utf-8"?>
+<p:sld xmlns:a="http://schemas.openxmlformats.org/drawingml/2006/main" xmlns:r="http://schemas.openxmlformats.org/officeDocument/2006/relationships" xmlns:p="http://schemas.openxmlformats.org/presentationml/2006/main">
+  <p:cSld>
+    <p:spTree>
+      <p:nvGrpSpPr>
+        <p:cNvPr id="1" name="">
+          <a:extLst>
+            <a:ext uri="{FF2B5EF4-FFF2-40B4-BE49-F238E27FC236}">
+              <a16:creationId xmlns:a16="http://schemas.microsoft.com/office/drawing/2014/main" id="{B1542F87-216C-A535-7D9A-A9987BFD64B0}"/>
+            </a:ext>
+          </a:extLst>
+        </p:cNvPr>
+        <p:cNvGrpSpPr/>
+        <p:nvPr/>
+      </p:nvGrpSpPr>
+      <p:grpSpPr>
+        <a:xfrm>
+          <a:off x="0" y="0"/>
+          <a:ext cx="0" cy="0"/>
+          <a:chOff x="0" y="0"/>
+          <a:chExt cx="0" cy="0"/>
+        </a:xfrm>
+      </p:grpSpPr>
+      <p:sp>
+        <p:nvSpPr>
+          <p:cNvPr id="2" name="Title 1">
+            <a:extLst>
+              <a:ext uri="{FF2B5EF4-FFF2-40B4-BE49-F238E27FC236}">
+                <a16:creationId xmlns:a16="http://schemas.microsoft.com/office/drawing/2014/main" id="{72DC1315-6CFE-9DC0-A27D-B941339BBBC4}"/>
+              </a:ext>
+            </a:extLst>
+          </p:cNvPr>
+          <p:cNvSpPr>
+            <a:spLocks noGrp="1"/>
+          </p:cNvSpPr>
+          <p:nvPr>
+            <p:ph type="title"/>
+          </p:nvPr>
+        </p:nvSpPr>
+        <p:spPr/>
+        <p:txBody>
+          <a:bodyPr/>
+          <a:lstStyle/>
+          <a:p>
+            <a:r>
+              <a:rPr lang="en-US" dirty="0"/>
+              <a:t>2</a:t>
+            </a:r>
+            <a:r>
+              <a:rPr lang="en-US" baseline="30000" dirty="0"/>
+              <a:t>nd</a:t>
+            </a:r>
+            <a:r>
+              <a:rPr lang="en-US" dirty="0"/>
+              <a:t>, 3</a:t>
+            </a:r>
+            <a:r>
+              <a:rPr lang="en-US" baseline="30000" dirty="0"/>
+              <a:t>rd</a:t>
+            </a:r>
+            <a:r>
+              <a:rPr lang="en-US" dirty="0"/>
+              <a:t>,… Ionization Energies</a:t>
+            </a:r>
+          </a:p>
+        </p:txBody>
+      </p:sp>
+      <p:sp>
+        <p:nvSpPr>
+          <p:cNvPr id="3" name="Slide Number Placeholder 2">
+            <a:extLst>
+              <a:ext uri="{FF2B5EF4-FFF2-40B4-BE49-F238E27FC236}">
+                <a16:creationId xmlns:a16="http://schemas.microsoft.com/office/drawing/2014/main" id="{1001D92D-1435-43F1-4D1C-ADB9BC7F48EB}"/>
+              </a:ext>
+            </a:extLst>
+          </p:cNvPr>
+          <p:cNvSpPr>
+            <a:spLocks noGrp="1"/>
+          </p:cNvSpPr>
+          <p:nvPr>
+            <p:ph type="sldNum" sz="quarter" idx="11"/>
+          </p:nvPr>
+        </p:nvSpPr>
+        <p:spPr/>
+        <p:txBody>
+          <a:bodyPr/>
+          <a:lstStyle/>
+          <a:p>
+            <a:fld id="{450AD36E-3ACA-4EBB-9678-E39944C078A2}" type="slidenum">
+              <a:rPr lang="en-US" smtClean="0"/>
+              <a:pPr/>
+              <a:t>38</a:t>
+            </a:fld>
+            <a:endParaRPr lang="en-US" dirty="0"/>
+          </a:p>
+        </p:txBody>
+      </p:sp>
+      <p:sp>
+        <p:nvSpPr>
+          <p:cNvPr id="4" name="Content Placeholder 2">
+            <a:extLst>
+              <a:ext uri="{FF2B5EF4-FFF2-40B4-BE49-F238E27FC236}">
+                <a16:creationId xmlns:a16="http://schemas.microsoft.com/office/drawing/2014/main" id="{45BFEBC7-62EA-AD13-002D-1C053D030401}"/>
+              </a:ext>
+            </a:extLst>
+          </p:cNvPr>
+          <p:cNvSpPr txBox="1">
+            <a:spLocks/>
+          </p:cNvSpPr>
+          <p:nvPr/>
+        </p:nvSpPr>
+        <p:spPr bwMode="auto">
+          <a:xfrm>
+            <a:off x="552148" y="3737891"/>
+            <a:ext cx="8039703" cy="2495898"/>
+          </a:xfrm>
+          <a:prstGeom prst="rect">
+            <a:avLst/>
+          </a:prstGeom>
+          <a:noFill/>
+          <a:ln w="9525">
+            <a:noFill/>
+            <a:miter lim="800000"/>
+            <a:headEnd/>
+            <a:tailEnd/>
+          </a:ln>
+          <a:effectLst/>
+        </p:spPr>
+        <p:txBody>
+          <a:bodyPr vert="horz" wrap="square" lIns="91440" tIns="45720" rIns="91440" bIns="45720" numCol="1" anchor="t" anchorCtr="0" compatLnSpc="1">
+            <a:prstTxWarp prst="textNoShape">
+              <a:avLst/>
+            </a:prstTxWarp>
+          </a:bodyPr>
+          <a:lstStyle>
+            <a:lvl1pPr marL="282575" indent="-282575" algn="l" rtl="0" eaLnBrk="1" fontAlgn="base" hangingPunct="1">
+              <a:spcBef>
+                <a:spcPct val="20000"/>
+              </a:spcBef>
+              <a:spcAft>
+                <a:spcPct val="0"/>
+              </a:spcAft>
+              <a:buChar char="•"/>
+              <a:defRPr sz="2400">
+                <a:solidFill>
+                  <a:schemeClr val="bg1"/>
+                </a:solidFill>
+                <a:latin typeface="+mn-lt"/>
+                <a:ea typeface="+mn-ea"/>
+                <a:cs typeface="+mn-cs"/>
+              </a:defRPr>
+            </a:lvl1pPr>
+            <a:lvl2pPr marL="519113" indent="-287338" algn="l" rtl="0" eaLnBrk="1" fontAlgn="base" hangingPunct="1">
+              <a:spcBef>
+                <a:spcPct val="20000"/>
+              </a:spcBef>
+              <a:spcAft>
+                <a:spcPct val="0"/>
+              </a:spcAft>
+              <a:buFont typeface="Wingdings" pitchFamily="2" charset="2"/>
+              <a:buChar char="§"/>
+              <a:defRPr sz="2000">
+                <a:solidFill>
+                  <a:schemeClr val="bg1"/>
+                </a:solidFill>
+                <a:latin typeface="+mn-lt"/>
+              </a:defRPr>
+            </a:lvl2pPr>
+            <a:lvl3pPr marL="801688" indent="-225425" algn="l" rtl="0" eaLnBrk="1" fontAlgn="base" hangingPunct="1">
+              <a:spcBef>
+                <a:spcPct val="20000"/>
+              </a:spcBef>
+              <a:spcAft>
+                <a:spcPct val="0"/>
+              </a:spcAft>
+              <a:buFont typeface="Courier New" panose="02070309020205020404" pitchFamily="49" charset="0"/>
+              <a:buChar char="o"/>
+              <a:defRPr sz="1800">
+                <a:solidFill>
+                  <a:schemeClr val="bg1"/>
+                </a:solidFill>
+                <a:latin typeface="+mn-lt"/>
+              </a:defRPr>
+            </a:lvl3pPr>
+            <a:lvl4pPr marL="1084263" indent="-288925" algn="l" rtl="0" eaLnBrk="1" fontAlgn="base" hangingPunct="1">
+              <a:spcBef>
+                <a:spcPct val="20000"/>
+              </a:spcBef>
+              <a:spcAft>
+                <a:spcPct val="0"/>
+              </a:spcAft>
+              <a:buFont typeface="Wingdings" panose="05000000000000000000" pitchFamily="2" charset="2"/>
+              <a:buChar char="q"/>
+              <a:defRPr sz="1600">
+                <a:solidFill>
+                  <a:schemeClr val="bg1"/>
+                </a:solidFill>
+                <a:latin typeface="+mn-lt"/>
+              </a:defRPr>
+            </a:lvl4pPr>
+            <a:lvl5pPr marL="1377950" indent="-293688" algn="l" rtl="0" eaLnBrk="1" fontAlgn="base" hangingPunct="1">
+              <a:spcBef>
+                <a:spcPct val="20000"/>
+              </a:spcBef>
+              <a:spcAft>
+                <a:spcPct val="0"/>
+              </a:spcAft>
+              <a:buFont typeface="Wingdings" panose="05000000000000000000" pitchFamily="2" charset="2"/>
+              <a:buChar char="§"/>
+              <a:defRPr sz="1400">
+                <a:solidFill>
+                  <a:schemeClr val="bg1"/>
+                </a:solidFill>
+                <a:latin typeface="+mn-lt"/>
+              </a:defRPr>
+            </a:lvl5pPr>
+            <a:lvl6pPr marL="2514600" indent="-228600" algn="l" rtl="0" eaLnBrk="1" fontAlgn="base" hangingPunct="1">
+              <a:spcBef>
+                <a:spcPct val="20000"/>
+              </a:spcBef>
+              <a:spcAft>
+                <a:spcPct val="0"/>
+              </a:spcAft>
+              <a:buChar char="»"/>
+              <a:defRPr sz="2000">
+                <a:solidFill>
+                  <a:schemeClr val="bg1"/>
+                </a:solidFill>
+                <a:latin typeface="+mn-lt"/>
+              </a:defRPr>
+            </a:lvl6pPr>
+            <a:lvl7pPr marL="2971800" indent="-228600" algn="l" rtl="0" eaLnBrk="1" fontAlgn="base" hangingPunct="1">
+              <a:spcBef>
+                <a:spcPct val="20000"/>
+              </a:spcBef>
+              <a:spcAft>
+                <a:spcPct val="0"/>
+              </a:spcAft>
+              <a:buChar char="»"/>
+              <a:defRPr sz="2000">
+                <a:solidFill>
+                  <a:schemeClr val="bg1"/>
+                </a:solidFill>
+                <a:latin typeface="+mn-lt"/>
+              </a:defRPr>
+            </a:lvl7pPr>
+            <a:lvl8pPr marL="3429000" indent="-228600" algn="l" rtl="0" eaLnBrk="1" fontAlgn="base" hangingPunct="1">
+              <a:spcBef>
+                <a:spcPct val="20000"/>
+              </a:spcBef>
+              <a:spcAft>
+                <a:spcPct val="0"/>
+              </a:spcAft>
+              <a:buChar char="»"/>
+              <a:defRPr sz="2000">
+                <a:solidFill>
+                  <a:schemeClr val="bg1"/>
+                </a:solidFill>
+                <a:latin typeface="+mn-lt"/>
+              </a:defRPr>
+            </a:lvl8pPr>
+            <a:lvl9pPr marL="3886200" indent="-228600" algn="l" rtl="0" eaLnBrk="1" fontAlgn="base" hangingPunct="1">
+              <a:spcBef>
+                <a:spcPct val="20000"/>
+              </a:spcBef>
+              <a:spcAft>
+                <a:spcPct val="0"/>
+              </a:spcAft>
+              <a:buChar char="»"/>
+              <a:defRPr sz="2000">
+                <a:solidFill>
+                  <a:schemeClr val="bg1"/>
+                </a:solidFill>
+                <a:latin typeface="+mn-lt"/>
+              </a:defRPr>
+            </a:lvl9pPr>
+          </a:lstStyle>
+          <a:p>
+            <a:pPr marL="0" indent="0">
+              <a:buNone/>
+            </a:pPr>
+            <a:r>
+              <a:rPr lang="en-US" dirty="0"/>
+              <a:t>Removing additional electrons requires more energy because each ion becomes increasingly positive, strengthening its hold on remaining electrons. Electrostatic attraction grows, making further ionization energetically costly</a:t>
+            </a:r>
+            <a:endParaRPr lang="en-US" b="1" i="1" kern="0" dirty="0">
+              <a:solidFill>
+                <a:srgbClr val="FFFF00"/>
+              </a:solidFill>
+              <a:latin typeface="Times New Roman" panose="02020603050405020304" pitchFamily="18" charset="0"/>
+              <a:cs typeface="Times New Roman" panose="02020603050405020304" pitchFamily="18" charset="0"/>
+            </a:endParaRPr>
+          </a:p>
+        </p:txBody>
+      </p:sp>
+      <p:pic>
+        <p:nvPicPr>
+          <p:cNvPr id="12" name="Picture 11">
+            <a:extLst>
+              <a:ext uri="{FF2B5EF4-FFF2-40B4-BE49-F238E27FC236}">
+                <a16:creationId xmlns:a16="http://schemas.microsoft.com/office/drawing/2014/main" id="{E743F422-39BE-3AD6-9B13-615DF698F9AA}"/>
+              </a:ext>
+            </a:extLst>
+          </p:cNvPr>
+          <p:cNvPicPr>
+            <a:picLocks noChangeAspect="1"/>
+          </p:cNvPicPr>
+          <p:nvPr/>
+        </p:nvPicPr>
+        <p:blipFill>
+          <a:blip r:embed="rId2"/>
+          <a:stretch>
+            <a:fillRect/>
+          </a:stretch>
+        </p:blipFill>
+        <p:spPr>
+          <a:xfrm>
+            <a:off x="1025390" y="1320093"/>
+            <a:ext cx="6833722" cy="2292490"/>
+          </a:xfrm>
+          <a:prstGeom prst="rect">
+            <a:avLst/>
+          </a:prstGeom>
+        </p:spPr>
+      </p:pic>
+    </p:spTree>
+    <p:extLst>
+      <p:ext uri="{BB962C8B-B14F-4D97-AF65-F5344CB8AC3E}">
+        <p14:creationId xmlns:p14="http://schemas.microsoft.com/office/powerpoint/2010/main" val="391393495"/>
+      </p:ext>
+    </p:extLst>
+  </p:cSld>
+  <p:clrMapOvr>
+    <a:masterClrMapping/>
+  </p:clrMapOvr>
+</p:sld>
+</file>
+
+<file path=ppt/slides/slide39.xml><?xml version="1.0" encoding="utf-8"?>
 <p:sld xmlns:a="http://schemas.openxmlformats.org/drawingml/2006/main" xmlns:r="http://schemas.openxmlformats.org/officeDocument/2006/relationships" xmlns:p="http://schemas.openxmlformats.org/presentationml/2006/main">
   <p:cSld>
     <p:spTree>
@@ -21301,7 +26698,12 @@
             <p:ph type="title"/>
           </p:nvPr>
         </p:nvSpPr>
-        <p:spPr/>
+        <p:spPr>
+          <a:xfrm>
+            <a:off x="349955" y="284961"/>
+            <a:ext cx="8421512" cy="830997"/>
+          </a:xfrm>
+        </p:spPr>
         <p:txBody>
           <a:bodyPr/>
           <a:lstStyle/>
@@ -21337,8 +26739,8 @@
         </p:blipFill>
         <p:spPr bwMode="auto">
           <a:xfrm>
-            <a:off x="2239714" y="1331913"/>
-            <a:ext cx="4653459" cy="5214937"/>
+            <a:off x="4999461" y="1692642"/>
+            <a:ext cx="3981268" cy="4461641"/>
           </a:xfrm>
           <a:prstGeom prst="rect">
             <a:avLst/>
@@ -21377,96 +26779,60 @@
             <a:fld id="{450AD36E-3ACA-4EBB-9678-E39944C078A2}" type="slidenum">
               <a:rPr lang="en-US" smtClean="0"/>
               <a:pPr/>
-              <a:t>36</a:t>
+              <a:t>39</a:t>
             </a:fld>
             <a:endParaRPr lang="en-US" dirty="0"/>
-          </a:p>
-        </p:txBody>
-      </p:sp>
-    </p:spTree>
-    <p:extLst>
-      <p:ext uri="{BB962C8B-B14F-4D97-AF65-F5344CB8AC3E}">
-        <p14:creationId xmlns:p14="http://schemas.microsoft.com/office/powerpoint/2010/main" val="1145236744"/>
-      </p:ext>
-    </p:extLst>
-  </p:cSld>
-  <p:clrMapOvr>
-    <a:masterClrMapping/>
-  </p:clrMapOvr>
-</p:sld>
-</file>
-
-<file path=ppt/slides/slide37.xml><?xml version="1.0" encoding="utf-8"?>
-<p:sld xmlns:a="http://schemas.openxmlformats.org/drawingml/2006/main" xmlns:r="http://schemas.openxmlformats.org/officeDocument/2006/relationships" xmlns:p="http://schemas.openxmlformats.org/presentationml/2006/main">
-  <p:cSld>
-    <p:spTree>
-      <p:nvGrpSpPr>
-        <p:cNvPr id="1" name=""/>
-        <p:cNvGrpSpPr/>
-        <p:nvPr/>
-      </p:nvGrpSpPr>
-      <p:grpSpPr>
-        <a:xfrm>
-          <a:off x="0" y="0"/>
-          <a:ext cx="0" cy="0"/>
-          <a:chOff x="0" y="0"/>
-          <a:chExt cx="0" cy="0"/>
-        </a:xfrm>
-      </p:grpSpPr>
-      <p:sp>
-        <p:nvSpPr>
-          <p:cNvPr id="2" name="Title 1">
-            <a:extLst>
-              <a:ext uri="{FF2B5EF4-FFF2-40B4-BE49-F238E27FC236}">
-                <a16:creationId xmlns:a16="http://schemas.microsoft.com/office/drawing/2014/main" id="{DDFB0516-E849-4E32-C1DD-C78375DEB111}"/>
-              </a:ext>
-            </a:extLst>
-          </p:cNvPr>
-          <p:cNvSpPr>
-            <a:spLocks noGrp="1"/>
-          </p:cNvSpPr>
-          <p:nvPr>
-            <p:ph type="title"/>
-          </p:nvPr>
-        </p:nvSpPr>
-        <p:spPr/>
-        <p:txBody>
-          <a:bodyPr/>
-          <a:lstStyle/>
-          <a:p>
-            <a:r>
-              <a:rPr lang="en-US" dirty="0"/>
-              <a:t>Summary of Periodic Trends</a:t>
-            </a:r>
           </a:p>
         </p:txBody>
       </p:sp>
       <p:pic>
         <p:nvPicPr>
-          <p:cNvPr id="5" name="Content Placeholder 4">
+          <p:cNvPr id="6" name="Picture 5">
             <a:extLst>
               <a:ext uri="{FF2B5EF4-FFF2-40B4-BE49-F238E27FC236}">
-                <a16:creationId xmlns:a16="http://schemas.microsoft.com/office/drawing/2014/main" id="{72223F36-31F3-D845-799C-9FC44DD5DA8D}"/>
+                <a16:creationId xmlns:a16="http://schemas.microsoft.com/office/drawing/2014/main" id="{3F689163-B646-5360-9478-B2AE185CC670}"/>
               </a:ext>
             </a:extLst>
           </p:cNvPr>
           <p:cNvPicPr>
-            <a:picLocks noGrp="1" noChangeAspect="1"/>
+            <a:picLocks noChangeAspect="1"/>
           </p:cNvPicPr>
-          <p:nvPr>
-            <p:ph idx="1"/>
-          </p:nvPr>
+          <p:nvPr/>
         </p:nvPicPr>
         <p:blipFill>
-          <a:blip r:embed="rId2"/>
+          <a:blip r:embed="rId3"/>
           <a:stretch>
             <a:fillRect/>
           </a:stretch>
         </p:blipFill>
+        <p:spPr>
+          <a:xfrm>
+            <a:off x="5675409" y="1139513"/>
+            <a:ext cx="3096057" cy="543001"/>
+          </a:xfrm>
+          <a:prstGeom prst="rect">
+            <a:avLst/>
+          </a:prstGeom>
+        </p:spPr>
+      </p:pic>
+      <p:sp>
+        <p:nvSpPr>
+          <p:cNvPr id="7" name="Content Placeholder 2">
+            <a:extLst>
+              <a:ext uri="{FF2B5EF4-FFF2-40B4-BE49-F238E27FC236}">
+                <a16:creationId xmlns:a16="http://schemas.microsoft.com/office/drawing/2014/main" id="{3BB11ACD-C7DA-3A3A-2A37-AF9053354DA1}"/>
+              </a:ext>
+            </a:extLst>
+          </p:cNvPr>
+          <p:cNvSpPr txBox="1">
+            <a:spLocks/>
+          </p:cNvSpPr>
+          <p:nvPr/>
+        </p:nvSpPr>
         <p:spPr bwMode="auto">
           <a:xfrm>
-            <a:off x="898807" y="1824536"/>
-            <a:ext cx="7335274" cy="4229690"/>
+            <a:off x="372534" y="1411014"/>
+            <a:ext cx="4569956" cy="5136541"/>
           </a:xfrm>
           <a:prstGeom prst="rect">
             <a:avLst/>
@@ -21480,71 +26846,298 @@
           </a:ln>
           <a:effectLst/>
         </p:spPr>
-      </p:pic>
-      <p:sp>
-        <p:nvSpPr>
-          <p:cNvPr id="3" name="Slide Number Placeholder 2">
-            <a:extLst>
-              <a:ext uri="{FF2B5EF4-FFF2-40B4-BE49-F238E27FC236}">
-                <a16:creationId xmlns:a16="http://schemas.microsoft.com/office/drawing/2014/main" id="{50FE6E0F-143E-9242-6809-74A26BCFF025}"/>
-              </a:ext>
-            </a:extLst>
-          </p:cNvPr>
-          <p:cNvSpPr>
-            <a:spLocks noGrp="1"/>
-          </p:cNvSpPr>
-          <p:nvPr>
-            <p:ph type="sldNum" sz="quarter" idx="11"/>
-          </p:nvPr>
-        </p:nvSpPr>
-        <p:spPr/>
         <p:txBody>
-          <a:bodyPr/>
-          <a:lstStyle/>
-          <a:p>
-            <a:fld id="{450AD36E-3ACA-4EBB-9678-E39944C078A2}" type="slidenum">
-              <a:rPr lang="en-US" smtClean="0"/>
-              <a:pPr/>
-              <a:t>37</a:t>
-            </a:fld>
-            <a:endParaRPr lang="en-US" dirty="0"/>
+          <a:bodyPr vert="horz" wrap="square" lIns="91440" tIns="45720" rIns="91440" bIns="45720" numCol="1" anchor="t" anchorCtr="0" compatLnSpc="1">
+            <a:prstTxWarp prst="textNoShape">
+              <a:avLst/>
+            </a:prstTxWarp>
+          </a:bodyPr>
+          <a:lstStyle>
+            <a:lvl1pPr marL="282575" indent="-282575" algn="l" rtl="0" eaLnBrk="1" fontAlgn="base" hangingPunct="1">
+              <a:spcBef>
+                <a:spcPct val="20000"/>
+              </a:spcBef>
+              <a:spcAft>
+                <a:spcPct val="0"/>
+              </a:spcAft>
+              <a:buChar char="•"/>
+              <a:defRPr sz="2400">
+                <a:solidFill>
+                  <a:schemeClr val="bg1"/>
+                </a:solidFill>
+                <a:latin typeface="+mn-lt"/>
+                <a:ea typeface="+mn-ea"/>
+                <a:cs typeface="+mn-cs"/>
+              </a:defRPr>
+            </a:lvl1pPr>
+            <a:lvl2pPr marL="519113" indent="-287338" algn="l" rtl="0" eaLnBrk="1" fontAlgn="base" hangingPunct="1">
+              <a:spcBef>
+                <a:spcPct val="20000"/>
+              </a:spcBef>
+              <a:spcAft>
+                <a:spcPct val="0"/>
+              </a:spcAft>
+              <a:buFont typeface="Wingdings" pitchFamily="2" charset="2"/>
+              <a:buChar char="§"/>
+              <a:defRPr sz="2000">
+                <a:solidFill>
+                  <a:schemeClr val="bg1"/>
+                </a:solidFill>
+                <a:latin typeface="+mn-lt"/>
+              </a:defRPr>
+            </a:lvl2pPr>
+            <a:lvl3pPr marL="801688" indent="-225425" algn="l" rtl="0" eaLnBrk="1" fontAlgn="base" hangingPunct="1">
+              <a:spcBef>
+                <a:spcPct val="20000"/>
+              </a:spcBef>
+              <a:spcAft>
+                <a:spcPct val="0"/>
+              </a:spcAft>
+              <a:buFont typeface="Courier New" panose="02070309020205020404" pitchFamily="49" charset="0"/>
+              <a:buChar char="o"/>
+              <a:defRPr sz="1800">
+                <a:solidFill>
+                  <a:schemeClr val="bg1"/>
+                </a:solidFill>
+                <a:latin typeface="+mn-lt"/>
+              </a:defRPr>
+            </a:lvl3pPr>
+            <a:lvl4pPr marL="1084263" indent="-288925" algn="l" rtl="0" eaLnBrk="1" fontAlgn="base" hangingPunct="1">
+              <a:spcBef>
+                <a:spcPct val="20000"/>
+              </a:spcBef>
+              <a:spcAft>
+                <a:spcPct val="0"/>
+              </a:spcAft>
+              <a:buFont typeface="Wingdings" panose="05000000000000000000" pitchFamily="2" charset="2"/>
+              <a:buChar char="q"/>
+              <a:defRPr sz="1600">
+                <a:solidFill>
+                  <a:schemeClr val="bg1"/>
+                </a:solidFill>
+                <a:latin typeface="+mn-lt"/>
+              </a:defRPr>
+            </a:lvl4pPr>
+            <a:lvl5pPr marL="1377950" indent="-293688" algn="l" rtl="0" eaLnBrk="1" fontAlgn="base" hangingPunct="1">
+              <a:spcBef>
+                <a:spcPct val="20000"/>
+              </a:spcBef>
+              <a:spcAft>
+                <a:spcPct val="0"/>
+              </a:spcAft>
+              <a:buFont typeface="Wingdings" panose="05000000000000000000" pitchFamily="2" charset="2"/>
+              <a:buChar char="§"/>
+              <a:defRPr sz="1400">
+                <a:solidFill>
+                  <a:schemeClr val="bg1"/>
+                </a:solidFill>
+                <a:latin typeface="+mn-lt"/>
+              </a:defRPr>
+            </a:lvl5pPr>
+            <a:lvl6pPr marL="2514600" indent="-228600" algn="l" rtl="0" eaLnBrk="1" fontAlgn="base" hangingPunct="1">
+              <a:spcBef>
+                <a:spcPct val="20000"/>
+              </a:spcBef>
+              <a:spcAft>
+                <a:spcPct val="0"/>
+              </a:spcAft>
+              <a:buChar char="»"/>
+              <a:defRPr sz="2000">
+                <a:solidFill>
+                  <a:schemeClr val="bg1"/>
+                </a:solidFill>
+                <a:latin typeface="+mn-lt"/>
+              </a:defRPr>
+            </a:lvl6pPr>
+            <a:lvl7pPr marL="2971800" indent="-228600" algn="l" rtl="0" eaLnBrk="1" fontAlgn="base" hangingPunct="1">
+              <a:spcBef>
+                <a:spcPct val="20000"/>
+              </a:spcBef>
+              <a:spcAft>
+                <a:spcPct val="0"/>
+              </a:spcAft>
+              <a:buChar char="»"/>
+              <a:defRPr sz="2000">
+                <a:solidFill>
+                  <a:schemeClr val="bg1"/>
+                </a:solidFill>
+                <a:latin typeface="+mn-lt"/>
+              </a:defRPr>
+            </a:lvl7pPr>
+            <a:lvl8pPr marL="3429000" indent="-228600" algn="l" rtl="0" eaLnBrk="1" fontAlgn="base" hangingPunct="1">
+              <a:spcBef>
+                <a:spcPct val="20000"/>
+              </a:spcBef>
+              <a:spcAft>
+                <a:spcPct val="0"/>
+              </a:spcAft>
+              <a:buChar char="»"/>
+              <a:defRPr sz="2000">
+                <a:solidFill>
+                  <a:schemeClr val="bg1"/>
+                </a:solidFill>
+                <a:latin typeface="+mn-lt"/>
+              </a:defRPr>
+            </a:lvl8pPr>
+            <a:lvl9pPr marL="3886200" indent="-228600" algn="l" rtl="0" eaLnBrk="1" fontAlgn="base" hangingPunct="1">
+              <a:spcBef>
+                <a:spcPct val="20000"/>
+              </a:spcBef>
+              <a:spcAft>
+                <a:spcPct val="0"/>
+              </a:spcAft>
+              <a:buChar char="»"/>
+              <a:defRPr sz="2000">
+                <a:solidFill>
+                  <a:schemeClr val="bg1"/>
+                </a:solidFill>
+                <a:latin typeface="+mn-lt"/>
+              </a:defRPr>
+            </a:lvl9pPr>
+          </a:lstStyle>
+          <a:p>
+            <a:r>
+              <a:rPr lang="en-US" sz="2000" kern="0" dirty="0"/>
+              <a:t>Going </a:t>
+            </a:r>
+            <a:r>
+              <a:rPr lang="en-US" sz="2000" kern="0" dirty="0">
+                <a:solidFill>
+                  <a:schemeClr val="accent1">
+                    <a:lumMod val="60000"/>
+                    <a:lumOff val="40000"/>
+                  </a:schemeClr>
+                </a:solidFill>
+              </a:rPr>
+              <a:t>DOWN</a:t>
+            </a:r>
+            <a:r>
+              <a:rPr lang="en-US" sz="2000" kern="0" dirty="0"/>
+              <a:t> the table (1</a:t>
+            </a:r>
+            <a:r>
+              <a:rPr lang="en-US" sz="2000" kern="0" baseline="30000" dirty="0"/>
+              <a:t>st</a:t>
+            </a:r>
+            <a:r>
+              <a:rPr lang="en-US" sz="2000" kern="0" dirty="0"/>
+              <a:t>, 2</a:t>
+            </a:r>
+            <a:r>
+              <a:rPr lang="en-US" sz="2000" kern="0" baseline="30000" dirty="0"/>
+              <a:t>nd</a:t>
+            </a:r>
+            <a:r>
+              <a:rPr lang="en-US" sz="2000" kern="0" dirty="0"/>
+              <a:t>, … period), there appears to be no clear trend</a:t>
+            </a:r>
+            <a:endParaRPr lang="en-US" sz="2000" kern="0" dirty="0">
+              <a:solidFill>
+                <a:schemeClr val="accent1">
+                  <a:lumMod val="60000"/>
+                  <a:lumOff val="40000"/>
+                </a:schemeClr>
+              </a:solidFill>
+            </a:endParaRPr>
+          </a:p>
+          <a:p>
+            <a:pPr marL="0" indent="0">
+              <a:buFontTx/>
+              <a:buNone/>
+            </a:pPr>
+            <a:r>
+              <a:rPr lang="en-US" sz="2000" b="1" i="1" kern="0" dirty="0">
+                <a:solidFill>
+                  <a:srgbClr val="FFFF00"/>
+                </a:solidFill>
+                <a:latin typeface="Times New Roman" panose="02020603050405020304" pitchFamily="18" charset="0"/>
+                <a:cs typeface="Times New Roman" panose="02020603050405020304" pitchFamily="18" charset="0"/>
+              </a:rPr>
+              <a:t>As atom gets larger, they have more diffuse electron clouds: any added electron experiences weaker attraction to nucleus, so energy release less significant</a:t>
+            </a:r>
+          </a:p>
+          <a:p>
+            <a:r>
+              <a:rPr lang="en-US" sz="2000" kern="0" dirty="0"/>
+              <a:t>Going </a:t>
+            </a:r>
+            <a:r>
+              <a:rPr lang="en-US" sz="2000" kern="0" dirty="0">
+                <a:solidFill>
+                  <a:schemeClr val="accent1">
+                    <a:lumMod val="60000"/>
+                    <a:lumOff val="40000"/>
+                  </a:schemeClr>
+                </a:solidFill>
+              </a:rPr>
+              <a:t>RIGHT</a:t>
+            </a:r>
+            <a:r>
+              <a:rPr lang="en-US" sz="2000" kern="0" dirty="0"/>
+              <a:t> in table (1</a:t>
+            </a:r>
+            <a:r>
+              <a:rPr lang="en-US" sz="2000" kern="0" baseline="30000" dirty="0"/>
+              <a:t>st</a:t>
+            </a:r>
+            <a:r>
+              <a:rPr lang="en-US" sz="2000" kern="0" dirty="0"/>
+              <a:t>,2</a:t>
+            </a:r>
+            <a:r>
+              <a:rPr lang="en-US" sz="2000" kern="0" baseline="30000" dirty="0"/>
+              <a:t>nd </a:t>
+            </a:r>
+            <a:r>
+              <a:rPr lang="en-US" sz="2000" kern="0" dirty="0"/>
+              <a:t>… groups), the </a:t>
+            </a:r>
+            <a:r>
+              <a:rPr lang="en-US" sz="2000" kern="0" dirty="0">
+                <a:solidFill>
+                  <a:srgbClr val="00FF00"/>
+                </a:solidFill>
+              </a:rPr>
+              <a:t>electron affinity</a:t>
+            </a:r>
+            <a:r>
+              <a:rPr lang="en-US" sz="2000" kern="0" dirty="0"/>
+              <a:t> </a:t>
+            </a:r>
+            <a:r>
+              <a:rPr lang="en-US" sz="2000" kern="0" dirty="0">
+                <a:solidFill>
+                  <a:schemeClr val="accent1">
+                    <a:lumMod val="60000"/>
+                    <a:lumOff val="40000"/>
+                  </a:schemeClr>
+                </a:solidFill>
+              </a:rPr>
+              <a:t>INCREASES</a:t>
+            </a:r>
+          </a:p>
+          <a:p>
+            <a:pPr marL="0" indent="0">
+              <a:buFontTx/>
+              <a:buNone/>
+            </a:pPr>
+            <a:r>
+              <a:rPr lang="en-US" sz="2200" b="1" i="1" kern="0" dirty="0">
+                <a:solidFill>
+                  <a:srgbClr val="FFFF00"/>
+                </a:solidFill>
+                <a:latin typeface="Times New Roman" panose="02020603050405020304" pitchFamily="18" charset="0"/>
+                <a:cs typeface="Times New Roman" panose="02020603050405020304" pitchFamily="18" charset="0"/>
+              </a:rPr>
+              <a:t>Atoms strongly favor gaining electrons to complete the valence shell, and the added electron releases energy in stabilizing the atom</a:t>
+            </a:r>
           </a:p>
         </p:txBody>
       </p:sp>
     </p:spTree>
     <p:extLst>
       <p:ext uri="{BB962C8B-B14F-4D97-AF65-F5344CB8AC3E}">
-        <p14:creationId xmlns:p14="http://schemas.microsoft.com/office/powerpoint/2010/main" val="1891109703"/>
-      </p:ext>
-    </p:extLst>
-  </p:cSld>
-  <p:clrMapOvr>
-    <a:masterClrMapping/>
-  </p:clrMapOvr>
-</p:sld>
-</file>
-
-<file path=ppt/slides/slide38.xml><?xml version="1.0" encoding="utf-8"?>
-<p:sld xmlns:a="http://schemas.openxmlformats.org/drawingml/2006/main" xmlns:r="http://schemas.openxmlformats.org/officeDocument/2006/relationships" xmlns:p="http://schemas.openxmlformats.org/presentationml/2006/main">
-  <p:cSld>
-    <p:spTree>
-      <p:nvGrpSpPr>
-        <p:cNvPr id="1" name=""/>
-        <p:cNvGrpSpPr/>
-        <p:nvPr/>
-      </p:nvGrpSpPr>
-      <p:grpSpPr>
-        <a:xfrm>
-          <a:off x="0" y="0"/>
-          <a:ext cx="0" cy="0"/>
-          <a:chOff x="0" y="0"/>
-          <a:chExt cx="0" cy="0"/>
-        </a:xfrm>
-      </p:grpSpPr>
-    </p:spTree>
-    <p:extLst>
-      <p:ext uri="{BB962C8B-B14F-4D97-AF65-F5344CB8AC3E}">
-        <p14:creationId xmlns:p14="http://schemas.microsoft.com/office/powerpoint/2010/main" val="2137844987"/>
+        <p14:creationId xmlns:p14="http://schemas.microsoft.com/office/powerpoint/2010/main" val="1145236744"/>
       </p:ext>
     </p:extLst>
   </p:cSld>
@@ -21769,13 +27362,7 @@
           <a:p>
             <a:r>
               <a:rPr lang="en-US" sz="2000" dirty="0"/>
-              <a:t>Distance between to corresponding points on adjacent waves</a:t>
-            </a:r>
-          </a:p>
-          <a:p>
-            <a:r>
-              <a:rPr lang="en-US" sz="2000" dirty="0"/>
-              <a:t>Crest-to-crest or trough-to-trough distance</a:t>
+              <a:t>The number of waves that pass a point in a certain period of time</a:t>
             </a:r>
           </a:p>
           <a:p>
@@ -21940,6 +27527,134 @@
     <p:extLst>
       <p:ext uri="{BB962C8B-B14F-4D97-AF65-F5344CB8AC3E}">
         <p14:creationId xmlns:p14="http://schemas.microsoft.com/office/powerpoint/2010/main" val="519450409"/>
+      </p:ext>
+    </p:extLst>
+  </p:cSld>
+  <p:clrMapOvr>
+    <a:masterClrMapping/>
+  </p:clrMapOvr>
+</p:sld>
+</file>
+
+<file path=ppt/slides/slide40.xml><?xml version="1.0" encoding="utf-8"?>
+<p:sld xmlns:a="http://schemas.openxmlformats.org/drawingml/2006/main" xmlns:r="http://schemas.openxmlformats.org/officeDocument/2006/relationships" xmlns:p="http://schemas.openxmlformats.org/presentationml/2006/main">
+  <p:cSld>
+    <p:spTree>
+      <p:nvGrpSpPr>
+        <p:cNvPr id="1" name=""/>
+        <p:cNvGrpSpPr/>
+        <p:nvPr/>
+      </p:nvGrpSpPr>
+      <p:grpSpPr>
+        <a:xfrm>
+          <a:off x="0" y="0"/>
+          <a:ext cx="0" cy="0"/>
+          <a:chOff x="0" y="0"/>
+          <a:chExt cx="0" cy="0"/>
+        </a:xfrm>
+      </p:grpSpPr>
+      <p:sp>
+        <p:nvSpPr>
+          <p:cNvPr id="2" name="Title 1">
+            <a:extLst>
+              <a:ext uri="{FF2B5EF4-FFF2-40B4-BE49-F238E27FC236}">
+                <a16:creationId xmlns:a16="http://schemas.microsoft.com/office/drawing/2014/main" id="{DDFB0516-E849-4E32-C1DD-C78375DEB111}"/>
+              </a:ext>
+            </a:extLst>
+          </p:cNvPr>
+          <p:cNvSpPr>
+            <a:spLocks noGrp="1"/>
+          </p:cNvSpPr>
+          <p:nvPr>
+            <p:ph type="title"/>
+          </p:nvPr>
+        </p:nvSpPr>
+        <p:spPr/>
+        <p:txBody>
+          <a:bodyPr/>
+          <a:lstStyle/>
+          <a:p>
+            <a:r>
+              <a:rPr lang="en-US" dirty="0"/>
+              <a:t>Summary of Periodic Trends</a:t>
+            </a:r>
+          </a:p>
+        </p:txBody>
+      </p:sp>
+      <p:pic>
+        <p:nvPicPr>
+          <p:cNvPr id="5" name="Content Placeholder 4">
+            <a:extLst>
+              <a:ext uri="{FF2B5EF4-FFF2-40B4-BE49-F238E27FC236}">
+                <a16:creationId xmlns:a16="http://schemas.microsoft.com/office/drawing/2014/main" id="{72223F36-31F3-D845-799C-9FC44DD5DA8D}"/>
+              </a:ext>
+            </a:extLst>
+          </p:cNvPr>
+          <p:cNvPicPr>
+            <a:picLocks noGrp="1" noChangeAspect="1"/>
+          </p:cNvPicPr>
+          <p:nvPr>
+            <p:ph idx="1"/>
+          </p:nvPr>
+        </p:nvPicPr>
+        <p:blipFill>
+          <a:blip r:embed="rId2"/>
+          <a:stretch>
+            <a:fillRect/>
+          </a:stretch>
+        </p:blipFill>
+        <p:spPr bwMode="auto">
+          <a:xfrm>
+            <a:off x="366989" y="1452972"/>
+            <a:ext cx="8387443" cy="4836395"/>
+          </a:xfrm>
+          <a:prstGeom prst="rect">
+            <a:avLst/>
+          </a:prstGeom>
+          <a:noFill/>
+          <a:ln w="9525">
+            <a:noFill/>
+            <a:miter lim="800000"/>
+            <a:headEnd/>
+            <a:tailEnd/>
+          </a:ln>
+          <a:effectLst/>
+        </p:spPr>
+      </p:pic>
+      <p:sp>
+        <p:nvSpPr>
+          <p:cNvPr id="3" name="Slide Number Placeholder 2">
+            <a:extLst>
+              <a:ext uri="{FF2B5EF4-FFF2-40B4-BE49-F238E27FC236}">
+                <a16:creationId xmlns:a16="http://schemas.microsoft.com/office/drawing/2014/main" id="{50FE6E0F-143E-9242-6809-74A26BCFF025}"/>
+              </a:ext>
+            </a:extLst>
+          </p:cNvPr>
+          <p:cNvSpPr>
+            <a:spLocks noGrp="1"/>
+          </p:cNvSpPr>
+          <p:nvPr>
+            <p:ph type="sldNum" sz="quarter" idx="11"/>
+          </p:nvPr>
+        </p:nvSpPr>
+        <p:spPr/>
+        <p:txBody>
+          <a:bodyPr/>
+          <a:lstStyle/>
+          <a:p>
+            <a:fld id="{450AD36E-3ACA-4EBB-9678-E39944C078A2}" type="slidenum">
+              <a:rPr lang="en-US" smtClean="0"/>
+              <a:pPr/>
+              <a:t>40</a:t>
+            </a:fld>
+            <a:endParaRPr lang="en-US" dirty="0"/>
+          </a:p>
+        </p:txBody>
+      </p:sp>
+    </p:spTree>
+    <p:extLst>
+      <p:ext uri="{BB962C8B-B14F-4D97-AF65-F5344CB8AC3E}">
+        <p14:creationId xmlns:p14="http://schemas.microsoft.com/office/powerpoint/2010/main" val="1891109703"/>
       </p:ext>
     </p:extLst>
   </p:cSld>
